--- a/resultsSummary.pptx
+++ b/resultsSummary.pptx
@@ -12344,32 +12344,10 @@
           <a:bodyPr/>
           <a:lstStyle/>
           <a:p>
-            <a:endParaRPr lang="en-US"/>
-          </a:p>
-        </p:txBody>
-      </p:sp>
-      <p:sp>
-        <p:nvSpPr>
-          <p:cNvPr id="3" name="Subtitle 2">
-            <a:extLst>
-              <a:ext uri="{FF2B5EF4-FFF2-40B4-BE49-F238E27FC236}">
-                <a16:creationId xmlns:a16="http://schemas.microsoft.com/office/drawing/2014/main" id="{4678BA7A-0262-592A-99A2-A5022FCD2AD9}"/>
-              </a:ext>
-            </a:extLst>
-          </p:cNvPr>
-          <p:cNvSpPr>
-            <a:spLocks noGrp="1"/>
-          </p:cNvSpPr>
-          <p:nvPr>
-            <p:ph type="subTitle" idx="1"/>
-          </p:nvPr>
-        </p:nvSpPr>
-        <p:spPr/>
-        <p:txBody>
-          <a:bodyPr/>
-          <a:lstStyle/>
-          <a:p>
-            <a:endParaRPr lang="en-US"/>
+            <a:r>
+              <a:rPr lang="en-US" dirty="0"/>
+              <a:t>Factor Selection on Multi-Asset Class grouping</a:t>
+            </a:r>
           </a:p>
         </p:txBody>
       </p:sp>

--- a/resultsSummary.pptx
+++ b/resultsSummary.pptx
@@ -124,62 +124,7 @@
     </mc:Fallback>
   </mc:AlternateContent>
   <c:chart>
-    <c:title>
-      <c:tx>
-        <c:rich>
-          <a:bodyPr rot="0" spcFirstLastPara="1" vertOverflow="ellipsis" vert="horz" wrap="square" anchor="ctr" anchorCtr="1"/>
-          <a:lstStyle/>
-          <a:p>
-            <a:pPr>
-              <a:defRPr sz="1400" b="0" i="0" u="none" strike="noStrike" kern="1200" spc="0" baseline="0">
-                <a:solidFill>
-                  <a:schemeClr val="tx1">
-                    <a:lumMod val="65000"/>
-                    <a:lumOff val="35000"/>
-                  </a:schemeClr>
-                </a:solidFill>
-                <a:latin typeface="+mn-lt"/>
-                <a:ea typeface="+mn-ea"/>
-                <a:cs typeface="+mn-cs"/>
-              </a:defRPr>
-            </a:pPr>
-            <a:r>
-              <a:rPr lang="en-US"/>
-              <a:t>Cumsum</a:t>
-            </a:r>
-          </a:p>
-        </c:rich>
-      </c:tx>
-      <c:overlay val="0"/>
-      <c:spPr>
-        <a:noFill/>
-        <a:ln>
-          <a:noFill/>
-        </a:ln>
-        <a:effectLst/>
-      </c:spPr>
-      <c:txPr>
-        <a:bodyPr rot="0" spcFirstLastPara="1" vertOverflow="ellipsis" vert="horz" wrap="square" anchor="ctr" anchorCtr="1"/>
-        <a:lstStyle/>
-        <a:p>
-          <a:pPr>
-            <a:defRPr sz="1400" b="0" i="0" u="none" strike="noStrike" kern="1200" spc="0" baseline="0">
-              <a:solidFill>
-                <a:schemeClr val="tx1">
-                  <a:lumMod val="65000"/>
-                  <a:lumOff val="35000"/>
-                </a:schemeClr>
-              </a:solidFill>
-              <a:latin typeface="+mn-lt"/>
-              <a:ea typeface="+mn-ea"/>
-              <a:cs typeface="+mn-cs"/>
-            </a:defRPr>
-          </a:pPr>
-          <a:endParaRPr lang="en-US"/>
-        </a:p>
-      </c:txPr>
-    </c:title>
-    <c:autoTitleDeleted val="0"/>
+    <c:autoTitleDeleted val="1"/>
     <c:plotArea>
       <c:layout/>
       <c:lineChart>
@@ -190,11 +135,11 @@
           <c:order val="0"/>
           <c:tx>
             <c:strRef>
-              <c:f>ARKK_ARKF_CORN_DBC_EWS_EWT_HYG_!$E$1</c:f>
+              <c:f>ARKK_CORN_EWS_HYG_QQQ_SPY_VUG_f!$E$1</c:f>
               <c:strCache>
                 <c:ptCount val="1"/>
                 <c:pt idx="0">
-                  <c:v>actualcumsum</c:v>
+                  <c:v>Perd</c:v>
                 </c:pt>
               </c:strCache>
             </c:strRef>
@@ -213,7 +158,7 @@
           </c:marker>
           <c:cat>
             <c:numRef>
-              <c:f>ARKK_ARKF_CORN_DBC_EWS_EWT_HYG_!$A$2:$A$300</c:f>
+              <c:f>ARKK_CORN_EWS_HYG_QQQ_SPY_VUG_f!$A$2:$A$300</c:f>
               <c:numCache>
                 <c:formatCode>m/d/yy</c:formatCode>
                 <c:ptCount val="299"/>
@@ -1119,7 +1064,7 @@
           </c:cat>
           <c:val>
             <c:numRef>
-              <c:f>ARKK_ARKF_CORN_DBC_EWS_EWT_HYG_!$E$2:$E$300</c:f>
+              <c:f>ARKK_CORN_EWS_HYG_QQQ_SPY_VUG_f!$E$2:$E$300</c:f>
               <c:numCache>
                 <c:formatCode>General</c:formatCode>
                 <c:ptCount val="299"/>
@@ -1127,898 +1072,898 @@
                   <c:v>0</c:v>
                 </c:pt>
                 <c:pt idx="1">
-                  <c:v>-1.3247291503271199</c:v>
+                  <c:v>-0.95247415720558704</c:v>
                 </c:pt>
                 <c:pt idx="2">
-                  <c:v>-1.7854896043131698</c:v>
+                  <c:v>-0.99882526597662746</c:v>
                 </c:pt>
                 <c:pt idx="3">
-                  <c:v>-1.6828000104573879</c:v>
+                  <c:v>-0.93711004576087131</c:v>
                 </c:pt>
                 <c:pt idx="4">
-                  <c:v>-0.56633558226650793</c:v>
+                  <c:v>0.12877009992476862</c:v>
                 </c:pt>
                 <c:pt idx="5">
-                  <c:v>-0.80903901601966988</c:v>
+                  <c:v>-0.17864617085286838</c:v>
                 </c:pt>
                 <c:pt idx="6">
-                  <c:v>-0.28434876214341687</c:v>
+                  <c:v>1.2871686928584619E-2</c:v>
                 </c:pt>
                 <c:pt idx="7">
-                  <c:v>-0.36986373476849599</c:v>
+                  <c:v>-0.35494397019594737</c:v>
                 </c:pt>
                 <c:pt idx="8">
-                  <c:v>-0.44523794723241628</c:v>
+                  <c:v>-0.73738343932729333</c:v>
                 </c:pt>
                 <c:pt idx="9">
-                  <c:v>-1.0186657272035293</c:v>
+                  <c:v>-1.2827211746589613</c:v>
                 </c:pt>
                 <c:pt idx="10">
-                  <c:v>-0.64569379373424929</c:v>
+                  <c:v>-0.95298736274017126</c:v>
                 </c:pt>
                 <c:pt idx="11">
-                  <c:v>-1.3710625188380288E-2</c:v>
+                  <c:v>-0.15674304727758925</c:v>
                 </c:pt>
                 <c:pt idx="12">
-                  <c:v>-0.30232212623186927</c:v>
+                  <c:v>0.26394544637746176</c:v>
                 </c:pt>
                 <c:pt idx="13">
-                  <c:v>-0.46043640966563726</c:v>
+                  <c:v>0.41358146951413177</c:v>
                 </c:pt>
                 <c:pt idx="14">
-                  <c:v>-0.70952325874885924</c:v>
+                  <c:v>0.14699491809958876</c:v>
                 </c:pt>
                 <c:pt idx="15">
-                  <c:v>-1.5202131389947704</c:v>
+                  <c:v>0.24509186776900446</c:v>
                 </c:pt>
                 <c:pt idx="16">
-                  <c:v>-0.5618144180782304</c:v>
+                  <c:v>1.2807791561980644</c:v>
                 </c:pt>
                 <c:pt idx="17">
-                  <c:v>-0.59944886257458441</c:v>
+                  <c:v>0.87240438012841737</c:v>
                 </c:pt>
                 <c:pt idx="18">
-                  <c:v>-1.7930914593077143</c:v>
+                  <c:v>-0.3187145159634126</c:v>
                 </c:pt>
                 <c:pt idx="19">
-                  <c:v>-0.53128783109250421</c:v>
+                  <c:v>0.46242503476537544</c:v>
                 </c:pt>
                 <c:pt idx="20">
-                  <c:v>0.63896145462599585</c:v>
+                  <c:v>1.1315238970935964</c:v>
                 </c:pt>
                 <c:pt idx="21">
-                  <c:v>-0.2852519261244042</c:v>
+                  <c:v>0.47843155041671537</c:v>
                 </c:pt>
                 <c:pt idx="22">
-                  <c:v>0.11221705910175578</c:v>
+                  <c:v>1.0962536802714062</c:v>
                 </c:pt>
                 <c:pt idx="23">
-                  <c:v>0.8464663538533137</c:v>
+                  <c:v>1.6238093335761081</c:v>
                 </c:pt>
                 <c:pt idx="24">
-                  <c:v>1.1339592334105237</c:v>
+                  <c:v>2.0182108173956372</c:v>
                 </c:pt>
                 <c:pt idx="25">
-                  <c:v>1.6000117094810826</c:v>
+                  <c:v>2.6198066931256951</c:v>
                 </c:pt>
                 <c:pt idx="26">
-                  <c:v>0.29442200606212254</c:v>
+                  <c:v>1.1453039238033851</c:v>
                 </c:pt>
                 <c:pt idx="27">
-                  <c:v>0.98652542033767354</c:v>
+                  <c:v>2.3692136113519751</c:v>
                 </c:pt>
                 <c:pt idx="28">
-                  <c:v>1.7450376686002376</c:v>
+                  <c:v>3.0473900970604442</c:v>
                 </c:pt>
                 <c:pt idx="29">
-                  <c:v>1.3555608242386785</c:v>
+                  <c:v>2.4625123123078341</c:v>
                 </c:pt>
                 <c:pt idx="30">
-                  <c:v>0.73672583787752055</c:v>
+                  <c:v>1.7677195973192361</c:v>
                 </c:pt>
                 <c:pt idx="31">
-                  <c:v>1.2209833125784015</c:v>
+                  <c:v>1.376884045039183</c:v>
                 </c:pt>
                 <c:pt idx="32">
-                  <c:v>2.4943201388822716</c:v>
+                  <c:v>2.658612062556593</c:v>
                 </c:pt>
                 <c:pt idx="33">
-                  <c:v>2.1991466641963036</c:v>
+                  <c:v>2.6500227440427362</c:v>
                 </c:pt>
                 <c:pt idx="34">
-                  <c:v>2.4016389867406525</c:v>
+                  <c:v>2.979705676068491</c:v>
                 </c:pt>
                 <c:pt idx="35">
-                  <c:v>2.6603373515460933</c:v>
+                  <c:v>2.7876775405187559</c:v>
                 </c:pt>
                 <c:pt idx="36">
-                  <c:v>3.1041048849772652</c:v>
+                  <c:v>2.9790532924031621</c:v>
                 </c:pt>
                 <c:pt idx="37">
-                  <c:v>3.3209401596052253</c:v>
+                  <c:v>3.4047643068435649</c:v>
                 </c:pt>
                 <c:pt idx="38">
-                  <c:v>2.4351952976145572</c:v>
+                  <c:v>3.2242563386062497</c:v>
                 </c:pt>
                 <c:pt idx="39">
-                  <c:v>1.6199182459087274</c:v>
+                  <c:v>2.2495025290359778</c:v>
                 </c:pt>
                 <c:pt idx="40">
-                  <c:v>1.3871600231224632</c:v>
+                  <c:v>2.7501164482381588</c:v>
                 </c:pt>
                 <c:pt idx="41">
-                  <c:v>1.8871683981540173</c:v>
+                  <c:v>3.3867322851580539</c:v>
                 </c:pt>
                 <c:pt idx="42">
-                  <c:v>1.6444911935916113</c:v>
+                  <c:v>3.2355911003533757</c:v>
                 </c:pt>
                 <c:pt idx="43">
-                  <c:v>1.4663572327532912</c:v>
+                  <c:v>3.1816481646469543</c:v>
                 </c:pt>
                 <c:pt idx="44">
-                  <c:v>2.0313936770481904</c:v>
+                  <c:v>3.5409209516998725</c:v>
                 </c:pt>
                 <c:pt idx="45">
-                  <c:v>1.8940531571261574</c:v>
+                  <c:v>3.5033962098854405</c:v>
                 </c:pt>
                 <c:pt idx="46">
-                  <c:v>1.4775288575134264</c:v>
+                  <c:v>2.9321822389409786</c:v>
                 </c:pt>
                 <c:pt idx="47">
-                  <c:v>0.82507460979067648</c:v>
+                  <c:v>2.5958241344226227</c:v>
                 </c:pt>
                 <c:pt idx="48">
-                  <c:v>1.3257660521842545</c:v>
+                  <c:v>2.8974023201981538</c:v>
                 </c:pt>
                 <c:pt idx="49">
-                  <c:v>1.8933341026418424</c:v>
+                  <c:v>3.052809318934357</c:v>
                 </c:pt>
                 <c:pt idx="50">
-                  <c:v>2.8698886381561723</c:v>
+                  <c:v>4.0014269671683849</c:v>
                 </c:pt>
                 <c:pt idx="51">
-                  <c:v>3.2526334897672915</c:v>
+                  <c:v>4.2725044044227305</c:v>
                 </c:pt>
                 <c:pt idx="52">
-                  <c:v>3.0373777398214097</c:v>
+                  <c:v>4.3885097773501434</c:v>
                 </c:pt>
                 <c:pt idx="53">
-                  <c:v>3.1201675231886874</c:v>
+                  <c:v>4.2556041101673436</c:v>
                 </c:pt>
                 <c:pt idx="54">
-                  <c:v>2.9175994333291646</c:v>
+                  <c:v>4.2253358851651814</c:v>
                 </c:pt>
                 <c:pt idx="55">
-                  <c:v>2.4292309929331828</c:v>
+                  <c:v>3.9079323722739763</c:v>
                 </c:pt>
                 <c:pt idx="56">
-                  <c:v>1.4631042922792399</c:v>
+                  <c:v>3.1880372186701362</c:v>
                 </c:pt>
                 <c:pt idx="57">
-                  <c:v>1.5104948958591322</c:v>
+                  <c:v>3.2832834177338772</c:v>
                 </c:pt>
                 <c:pt idx="58">
-                  <c:v>0.74190861706296618</c:v>
+                  <c:v>2.5219908973233984</c:v>
                 </c:pt>
                 <c:pt idx="59">
-                  <c:v>1.1067961692151302</c:v>
+                  <c:v>2.9486149982789103</c:v>
                 </c:pt>
                 <c:pt idx="60">
-                  <c:v>1.7299239986351771</c:v>
+                  <c:v>3.2800381842329065</c:v>
                 </c:pt>
                 <c:pt idx="61">
-                  <c:v>2.038548558633873</c:v>
+                  <c:v>3.5150976863617873</c:v>
                 </c:pt>
                 <c:pt idx="62">
-                  <c:v>1.0266525309714429</c:v>
+                  <c:v>2.6898233597905552</c:v>
                 </c:pt>
                 <c:pt idx="63">
-                  <c:v>-3.6582038271476991E-2</c:v>
+                  <c:v>1.5101864958460351</c:v>
                 </c:pt>
                 <c:pt idx="64">
-                  <c:v>-1.1284455479310269</c:v>
+                  <c:v>0.26697728753392513</c:v>
                 </c:pt>
                 <c:pt idx="65">
-                  <c:v>-1.5010699644593068</c:v>
+                  <c:v>-6.3469958498140855E-2</c:v>
                 </c:pt>
                 <c:pt idx="66">
-                  <c:v>-1.8190473193779688</c:v>
+                  <c:v>-0.54040924655439393</c:v>
                 </c:pt>
                 <c:pt idx="67">
-                  <c:v>-2.393193802849817</c:v>
+                  <c:v>-1.22094907840436</c:v>
                 </c:pt>
                 <c:pt idx="68">
-                  <c:v>-2.103592914013706</c:v>
+                  <c:v>-0.56144831977215692</c:v>
                 </c:pt>
                 <c:pt idx="69">
-                  <c:v>-1.323144222873367</c:v>
+                  <c:v>0.43418469299602602</c:v>
                 </c:pt>
                 <c:pt idx="70">
-                  <c:v>-0.69626668543189796</c:v>
+                  <c:v>0.43348782301697858</c:v>
                 </c:pt>
                 <c:pt idx="71">
-                  <c:v>-0.63981605861932933</c:v>
+                  <c:v>0.17766444777365659</c:v>
                 </c:pt>
                 <c:pt idx="72">
-                  <c:v>-4.9487271474372374E-2</c:v>
+                  <c:v>0.74437895661349351</c:v>
                 </c:pt>
                 <c:pt idx="73">
-                  <c:v>1.4746405544104175</c:v>
+                  <c:v>1.2692396741001506</c:v>
                 </c:pt>
                 <c:pt idx="74">
-                  <c:v>-0.12047433866711255</c:v>
+                  <c:v>-9.2213245106493869E-3</c:v>
                 </c:pt>
                 <c:pt idx="75">
-                  <c:v>-0.53106908079755055</c:v>
+                  <c:v>-5.4295887308255686E-2</c:v>
                 </c:pt>
                 <c:pt idx="76">
-                  <c:v>0.29529063455867943</c:v>
+                  <c:v>0.76917115194847541</c:v>
                 </c:pt>
                 <c:pt idx="77">
-                  <c:v>0.73671281537083044</c:v>
+                  <c:v>1.5284786634285092</c:v>
                 </c:pt>
                 <c:pt idx="78">
-                  <c:v>1.4367859721748806</c:v>
+                  <c:v>2.317959237145609</c:v>
                 </c:pt>
                 <c:pt idx="79">
-                  <c:v>0.96649767558503563</c:v>
+                  <c:v>2.0623026279288581</c:v>
                 </c:pt>
                 <c:pt idx="80">
-                  <c:v>1.4124688285933216</c:v>
+                  <c:v>2.2444395255223553</c:v>
                 </c:pt>
                 <c:pt idx="81">
-                  <c:v>1.0610311140481865</c:v>
+                  <c:v>1.9095522685304553</c:v>
                 </c:pt>
                 <c:pt idx="82">
-                  <c:v>1.3595543406719914</c:v>
+                  <c:v>2.4515564582570404</c:v>
                 </c:pt>
                 <c:pt idx="83">
-                  <c:v>1.4586109841787542</c:v>
+                  <c:v>3.2203816166562595</c:v>
                 </c:pt>
                 <c:pt idx="84">
-                  <c:v>1.0336749505156282</c:v>
+                  <c:v>2.8775693643275764</c:v>
                 </c:pt>
                 <c:pt idx="85">
-                  <c:v>1.3692042361237191</c:v>
+                  <c:v>3.1099306476831212</c:v>
                 </c:pt>
                 <c:pt idx="86">
-                  <c:v>0.88132339981200714</c:v>
+                  <c:v>3.2017221544509713</c:v>
                 </c:pt>
                 <c:pt idx="87">
-                  <c:v>0.19829582958773917</c:v>
+                  <c:v>3.0020092503116964</c:v>
                 </c:pt>
                 <c:pt idx="88">
-                  <c:v>-0.86300879368722072</c:v>
+                  <c:v>2.2183419035165746</c:v>
                 </c:pt>
                 <c:pt idx="89">
-                  <c:v>-1.0235790631572168</c:v>
+                  <c:v>2.1249724043305047</c:v>
                 </c:pt>
                 <c:pt idx="90">
-                  <c:v>-1.4540818667210367</c:v>
+                  <c:v>1.5983073759563466</c:v>
                 </c:pt>
                 <c:pt idx="91">
-                  <c:v>-1.0659579879782106</c:v>
+                  <c:v>1.0944446091459457</c:v>
                 </c:pt>
                 <c:pt idx="92">
-                  <c:v>-0.69883790430442261</c:v>
+                  <c:v>1.3877291494686976</c:v>
                 </c:pt>
                 <c:pt idx="93">
-                  <c:v>-0.72864724378861745</c:v>
+                  <c:v>1.5994889970205697</c:v>
                 </c:pt>
                 <c:pt idx="94">
-                  <c:v>-0.66156005971814358</c:v>
+                  <c:v>1.7226833242250947</c:v>
                 </c:pt>
                 <c:pt idx="95">
-                  <c:v>-0.27808163302967159</c:v>
+                  <c:v>2.5780430311773608</c:v>
                 </c:pt>
                 <c:pt idx="96">
-                  <c:v>-0.54632970644906353</c:v>
+                  <c:v>2.1882022565090407</c:v>
                 </c:pt>
                 <c:pt idx="97">
-                  <c:v>-0.33601961554703552</c:v>
+                  <c:v>2.4576270440007577</c:v>
                 </c:pt>
                 <c:pt idx="98">
-                  <c:v>-0.50888209883040258</c:v>
+                  <c:v>2.5456567291895893</c:v>
                 </c:pt>
                 <c:pt idx="99">
-                  <c:v>0.17334852288651437</c:v>
+                  <c:v>3.2333220568643615</c:v>
                 </c:pt>
                 <c:pt idx="100">
-                  <c:v>0.22444360903272256</c:v>
+                  <c:v>3.1139753043376963</c:v>
                 </c:pt>
                 <c:pt idx="101">
-                  <c:v>-0.29341895480714442</c:v>
+                  <c:v>2.9659324747753821</c:v>
                 </c:pt>
                 <c:pt idx="102">
-                  <c:v>0.85714978922993557</c:v>
+                  <c:v>3.439421874340101</c:v>
                 </c:pt>
                 <c:pt idx="103">
-                  <c:v>0.63678455962610558</c:v>
+                  <c:v>3.4073366244199481</c:v>
                 </c:pt>
                 <c:pt idx="104">
-                  <c:v>0.72015014411604472</c:v>
+                  <c:v>3.16388505531748</c:v>
                 </c:pt>
                 <c:pt idx="105">
-                  <c:v>1.2740222033638489</c:v>
+                  <c:v>3.0754502165338673</c:v>
                 </c:pt>
                 <c:pt idx="106">
-                  <c:v>0.99414549086174886</c:v>
+                  <c:v>2.9132961058466842</c:v>
                 </c:pt>
                 <c:pt idx="107">
-                  <c:v>0.7304011883905499</c:v>
+                  <c:v>3.0919350187191652</c:v>
                 </c:pt>
                 <c:pt idx="108">
-                  <c:v>1.680806355682041</c:v>
+                  <c:v>3.2189919366776603</c:v>
                 </c:pt>
                 <c:pt idx="109">
-                  <c:v>0.95224750225737798</c:v>
+                  <c:v>3.0218596799664144</c:v>
                 </c:pt>
                 <c:pt idx="110">
-                  <c:v>2.2273428045333681</c:v>
+                  <c:v>3.4803254168280473</c:v>
                 </c:pt>
                 <c:pt idx="111">
-                  <c:v>2.6454359842699602</c:v>
+                  <c:v>3.9734048005360911</c:v>
                 </c:pt>
                 <c:pt idx="112">
-                  <c:v>3.1795753170067083</c:v>
+                  <c:v>4.3270242594133785</c:v>
                 </c:pt>
                 <c:pt idx="113">
-                  <c:v>3.2107422679992399</c:v>
+                  <c:v>4.3594244156810733</c:v>
                 </c:pt>
                 <c:pt idx="114">
-                  <c:v>3.4288019291462257</c:v>
+                  <c:v>4.4593527707342275</c:v>
                 </c:pt>
                 <c:pt idx="115">
-                  <c:v>3.9221178585248726</c:v>
+                  <c:v>4.9125114965365633</c:v>
                 </c:pt>
                 <c:pt idx="116">
-                  <c:v>3.0900866810958894</c:v>
+                  <c:v>4.4550004544280029</c:v>
                 </c:pt>
                 <c:pt idx="117">
-                  <c:v>3.9466867308398212</c:v>
+                  <c:v>5.0870826828613955</c:v>
                 </c:pt>
                 <c:pt idx="118">
-                  <c:v>3.8713721604051075</c:v>
+                  <c:v>5.4794705605896024</c:v>
                 </c:pt>
                 <c:pt idx="119">
-                  <c:v>5.0469138296930378</c:v>
+                  <c:v>6.2765635624208436</c:v>
                 </c:pt>
                 <c:pt idx="120">
-                  <c:v>3.9526865989261575</c:v>
+                  <c:v>5.3403055839802942</c:v>
                 </c:pt>
                 <c:pt idx="121">
-                  <c:v>3.3680794187175183</c:v>
+                  <c:v>5.0396843026881584</c:v>
                 </c:pt>
                 <c:pt idx="122">
-                  <c:v>4.0905902758982631</c:v>
+                  <c:v>5.829709044559543</c:v>
                 </c:pt>
                 <c:pt idx="123">
-                  <c:v>3.797134887883157</c:v>
+                  <c:v>5.7763060754594262</c:v>
                 </c:pt>
                 <c:pt idx="124">
-                  <c:v>1.1164910398215571</c:v>
+                  <c:v>3.8249259915706864</c:v>
                 </c:pt>
                 <c:pt idx="125">
-                  <c:v>0.85978020397800514</c:v>
+                  <c:v>3.7399906003012262</c:v>
                 </c:pt>
                 <c:pt idx="126">
-                  <c:v>1.593021445411916</c:v>
+                  <c:v>4.4454125591225155</c:v>
                 </c:pt>
                 <c:pt idx="127">
-                  <c:v>2.687902093918566</c:v>
+                  <c:v>4.5184870102066856</c:v>
                 </c:pt>
                 <c:pt idx="128">
-                  <c:v>2.324225950299422</c:v>
+                  <c:v>3.9774256490459878</c:v>
                 </c:pt>
                 <c:pt idx="129">
-                  <c:v>3.3396665981568718</c:v>
+                  <c:v>4.9354474755579414</c:v>
                 </c:pt>
                 <c:pt idx="130">
-                  <c:v>1.7313590345893919</c:v>
+                  <c:v>3.4883421532272916</c:v>
                 </c:pt>
                 <c:pt idx="131">
-                  <c:v>-0.68085379930920831</c:v>
+                  <c:v>1.9597756506323716</c:v>
                 </c:pt>
                 <c:pt idx="132">
-                  <c:v>-2.5340116471370884</c:v>
+                  <c:v>1.8595758557641506E-2</c:v>
                 </c:pt>
                 <c:pt idx="133">
-                  <c:v>-1.8102415642211884</c:v>
+                  <c:v>0.64088475608756545</c:v>
                 </c:pt>
                 <c:pt idx="134">
-                  <c:v>-2.9541053519332183</c:v>
+                  <c:v>8.1558543962216401E-2</c:v>
                 </c:pt>
                 <c:pt idx="135">
-                  <c:v>-1.5239431808857684</c:v>
+                  <c:v>1.8267271547344164</c:v>
                 </c:pt>
                 <c:pt idx="136">
-                  <c:v>-1.7833878694731795</c:v>
+                  <c:v>1.6492071389199583</c:v>
                 </c:pt>
                 <c:pt idx="137">
-                  <c:v>-0.14126891491714955</c:v>
+                  <c:v>3.024467671758468</c:v>
                 </c:pt>
                 <c:pt idx="138">
-                  <c:v>-0.49113270354400557</c:v>
+                  <c:v>2.9466489775442581</c:v>
                 </c:pt>
                 <c:pt idx="139">
-                  <c:v>1.6007723572429042</c:v>
+                  <c:v>4.4657264784634183</c:v>
                 </c:pt>
                 <c:pt idx="140">
-                  <c:v>1.7550604363978581</c:v>
+                  <c:v>4.6408548687382591</c:v>
                 </c:pt>
                 <c:pt idx="141">
-                  <c:v>2.5604695931017289</c:v>
+                  <c:v>5.4267353992788552</c:v>
                 </c:pt>
                 <c:pt idx="142">
-                  <c:v>2.5003538198594866</c:v>
+                  <c:v>5.1714043750941467</c:v>
                 </c:pt>
                 <c:pt idx="143">
-                  <c:v>3.3285621151293676</c:v>
+                  <c:v>5.6783375757525221</c:v>
                 </c:pt>
                 <c:pt idx="144">
-                  <c:v>2.1961147703537076</c:v>
+                  <c:v>4.8684580778530462</c:v>
                 </c:pt>
                 <c:pt idx="145">
-                  <c:v>3.4622800784826575</c:v>
+                  <c:v>6.0406246849810756</c:v>
                 </c:pt>
                 <c:pt idx="146">
-                  <c:v>2.8276250785022765</c:v>
+                  <c:v>5.3980707355037749</c:v>
                 </c:pt>
                 <c:pt idx="147">
-                  <c:v>3.8162083135432776</c:v>
+                  <c:v>5.9026043986712793</c:v>
                 </c:pt>
                 <c:pt idx="148">
-                  <c:v>2.9158823011759516</c:v>
+                  <c:v>4.3775271858983196</c:v>
                 </c:pt>
                 <c:pt idx="149">
-                  <c:v>3.0863788930981175</c:v>
+                  <c:v>4.2576849607248475</c:v>
                 </c:pt>
                 <c:pt idx="150">
-                  <c:v>3.8303739202444747</c:v>
+                  <c:v>4.3957745441811538</c:v>
                 </c:pt>
                 <c:pt idx="151">
-                  <c:v>2.1734207404274644</c:v>
+                  <c:v>2.9182194426026338</c:v>
                 </c:pt>
                 <c:pt idx="152">
-                  <c:v>3.1293961261554681</c:v>
+                  <c:v>3.8311303447328999</c:v>
                 </c:pt>
                 <c:pt idx="153">
-                  <c:v>3.8803552772136491</c:v>
+                  <c:v>4.2577960194582021</c:v>
                 </c:pt>
                 <c:pt idx="154">
-                  <c:v>4.5352536027024168</c:v>
+                  <c:v>5.0697131893187288</c:v>
                 </c:pt>
                 <c:pt idx="155">
-                  <c:v>5.2738202046787128</c:v>
+                  <c:v>5.7113612149604265</c:v>
                 </c:pt>
                 <c:pt idx="156">
-                  <c:v>5.7195719713844433</c:v>
+                  <c:v>6.2115201769759478</c:v>
                 </c:pt>
                 <c:pt idx="157">
-                  <c:v>5.6071759409851989</c:v>
+                  <c:v>6.2637436422510069</c:v>
                 </c:pt>
                 <c:pt idx="158">
-                  <c:v>5.9415210526525417</c:v>
+                  <c:v>6.4043357837646919</c:v>
                 </c:pt>
                 <c:pt idx="159">
-                  <c:v>5.8125317193078718</c:v>
+                  <c:v>6.3085578064707697</c:v>
                 </c:pt>
                 <c:pt idx="160">
-                  <c:v>7.3055390541837015</c:v>
+                  <c:v>7.5053885975762498</c:v>
                 </c:pt>
                 <c:pt idx="161">
-                  <c:v>7.1559016484525753</c:v>
+                  <c:v>7.2587322685009301</c:v>
                 </c:pt>
                 <c:pt idx="162">
-                  <c:v>7.9524147705301464</c:v>
+                  <c:v>7.4108146230286138</c:v>
                 </c:pt>
                 <c:pt idx="163">
-                  <c:v>8.5265380236839778</c:v>
+                  <c:v>7.7064454412130567</c:v>
                 </c:pt>
                 <c:pt idx="164">
-                  <c:v>8.2910332515649063</c:v>
+                  <c:v>7.3946313136359931</c:v>
                 </c:pt>
                 <c:pt idx="165">
-                  <c:v>8.5700613906624721</c:v>
+                  <c:v>7.7332213683351112</c:v>
                 </c:pt>
                 <c:pt idx="166">
-                  <c:v>8.6681268578385904</c:v>
+                  <c:v>7.8608775412447462</c:v>
                 </c:pt>
                 <c:pt idx="167">
-                  <c:v>8.5147237879428541</c:v>
+                  <c:v>7.9239440524885909</c:v>
                 </c:pt>
                 <c:pt idx="168">
-                  <c:v>8.2497223924787129</c:v>
+                  <c:v>7.09933693015555</c:v>
                 </c:pt>
                 <c:pt idx="169">
-                  <c:v>7.69458073203546</c:v>
+                  <c:v>7.0252754949110079</c:v>
                 </c:pt>
                 <c:pt idx="170">
-                  <c:v>6.9359303081579302</c:v>
+                  <c:v>6.7649052083070131</c:v>
                 </c:pt>
                 <c:pt idx="171">
-                  <c:v>7.8040159527400865</c:v>
+                  <c:v>7.5581798038898524</c:v>
                 </c:pt>
                 <c:pt idx="172">
-                  <c:v>6.7851831917445766</c:v>
+                  <c:v>6.947164203971866</c:v>
                 </c:pt>
                 <c:pt idx="173">
-                  <c:v>7.4236131847648883</c:v>
+                  <c:v>7.5959432477153817</c:v>
                 </c:pt>
                 <c:pt idx="174">
-                  <c:v>7.8928167492838117</c:v>
+                  <c:v>7.9288836690069227</c:v>
                 </c:pt>
                 <c:pt idx="175">
-                  <c:v>7.6138990596403371</c:v>
+                  <c:v>8.3505911382766556</c:v>
                 </c:pt>
                 <c:pt idx="176">
-                  <c:v>7.9006847896791665</c:v>
+                  <c:v>8.9552808894474865</c:v>
                 </c:pt>
                 <c:pt idx="177">
-                  <c:v>8.2452341012189407</c:v>
+                  <c:v>9.2713445460562873</c:v>
                 </c:pt>
                 <c:pt idx="178">
-                  <c:v>8.5025214702501852</c:v>
+                  <c:v>9.761553307203803</c:v>
                 </c:pt>
                 <c:pt idx="179">
-                  <c:v>7.993242535044577</c:v>
+                  <c:v>9.4626045476241316</c:v>
                 </c:pt>
                 <c:pt idx="180">
-                  <c:v>10.060553451099906</c:v>
+                  <c:v>10.086349563456826</c:v>
                 </c:pt>
                 <c:pt idx="181">
-                  <c:v>10.266856255365152</c:v>
+                  <c:v>10.150132698431328</c:v>
                 </c:pt>
                 <c:pt idx="182">
-                  <c:v>10.420287247477669</c:v>
+                  <c:v>10.511407184921744</c:v>
                 </c:pt>
                 <c:pt idx="183">
-                  <c:v>10.078325001948182</c:v>
+                  <c:v>10.578008617702537</c:v>
                 </c:pt>
                 <c:pt idx="184">
-                  <c:v>9.0751258245777109</c:v>
+                  <c:v>8.9945137928702366</c:v>
                 </c:pt>
                 <c:pt idx="185">
-                  <c:v>8.8490680001949595</c:v>
+                  <c:v>8.9166972671777156</c:v>
                 </c:pt>
                 <c:pt idx="186">
-                  <c:v>10.00955526473353</c:v>
+                  <c:v>9.9476383618256854</c:v>
                 </c:pt>
                 <c:pt idx="187">
-                  <c:v>12.106026053048289</c:v>
+                  <c:v>12.263634352283955</c:v>
                 </c:pt>
                 <c:pt idx="188">
-                  <c:v>12.948052705313623</c:v>
+                  <c:v>12.822533754028269</c:v>
                 </c:pt>
                 <c:pt idx="189">
-                  <c:v>13.878290108048429</c:v>
+                  <c:v>13.386914120210735</c:v>
                 </c:pt>
                 <c:pt idx="190">
-                  <c:v>15.20080069771446</c:v>
+                  <c:v>14.433780054989844</c:v>
                 </c:pt>
                 <c:pt idx="191">
-                  <c:v>14.325611340645269</c:v>
+                  <c:v>14.02257512118725</c:v>
                 </c:pt>
                 <c:pt idx="192">
-                  <c:v>14.885687504128336</c:v>
+                  <c:v>13.804186517346972</c:v>
                 </c:pt>
                 <c:pt idx="193">
-                  <c:v>13.955133082014488</c:v>
+                  <c:v>12.989336393597286</c:v>
                 </c:pt>
                 <c:pt idx="194">
-                  <c:v>13.394857694913362</c:v>
+                  <c:v>12.294011050687221</c:v>
                 </c:pt>
                 <c:pt idx="195">
-                  <c:v>13.999892845402252</c:v>
+                  <c:v>12.955230543643554</c:v>
                 </c:pt>
                 <c:pt idx="196">
-                  <c:v>14.048582430802417</c:v>
+                  <c:v>13.335628621046109</c:v>
                 </c:pt>
                 <c:pt idx="197">
-                  <c:v>13.75969646621277</c:v>
+                  <c:v>13.185984490728378</c:v>
                 </c:pt>
                 <c:pt idx="198">
-                  <c:v>13.875765155772685</c:v>
+                  <c:v>13.309855947729487</c:v>
                 </c:pt>
                 <c:pt idx="199">
-                  <c:v>14.820939424657329</c:v>
+                  <c:v>13.829939999405818</c:v>
                 </c:pt>
                 <c:pt idx="200">
-                  <c:v>15.058955682904026</c:v>
+                  <c:v>13.82862282952099</c:v>
                 </c:pt>
                 <c:pt idx="201">
-                  <c:v>15.732235763497767</c:v>
+                  <c:v>14.336788898139357</c:v>
                 </c:pt>
                 <c:pt idx="202">
-                  <c:v>15.68254157800415</c:v>
+                  <c:v>14.24667880583376</c:v>
                 </c:pt>
                 <c:pt idx="203">
-                  <c:v>16.291051950935451</c:v>
+                  <c:v>14.976608069646295</c:v>
                 </c:pt>
                 <c:pt idx="204">
-                  <c:v>16.827303533864097</c:v>
+                  <c:v>14.805440046031602</c:v>
                 </c:pt>
                 <c:pt idx="205">
-                  <c:v>18.207359394177736</c:v>
+                  <c:v>15.487075750030684</c:v>
                 </c:pt>
                 <c:pt idx="206">
-                  <c:v>17.998987774866578</c:v>
+                  <c:v>14.880960322473619</c:v>
                 </c:pt>
                 <c:pt idx="207">
-                  <c:v>18.106329222601726</c:v>
+                  <c:v>14.566694480603372</c:v>
                 </c:pt>
                 <c:pt idx="208">
-                  <c:v>19.256966921370346</c:v>
+                  <c:v>15.21170240622037</c:v>
                 </c:pt>
                 <c:pt idx="209">
-                  <c:v>18.713746460480539</c:v>
+                  <c:v>14.759400245521149</c:v>
                 </c:pt>
                 <c:pt idx="210">
-                  <c:v>19.601730117524738</c:v>
+                  <c:v>15.34863043435108</c:v>
                 </c:pt>
                 <c:pt idx="211">
-                  <c:v>19.807717720059344</c:v>
+                  <c:v>15.168432486709326</c:v>
                 </c:pt>
                 <c:pt idx="212">
-                  <c:v>16.853562147105706</c:v>
+                  <c:v>12.735828662786416</c:v>
                 </c:pt>
                 <c:pt idx="213">
-                  <c:v>16.764687744806068</c:v>
+                  <c:v>12.599828708367824</c:v>
                 </c:pt>
                 <c:pt idx="214">
-                  <c:v>16.93119974087843</c:v>
+                  <c:v>13.447291044149058</c:v>
                 </c:pt>
                 <c:pt idx="215">
-                  <c:v>17.13003023960022</c:v>
+                  <c:v>13.694771130688052</c:v>
                 </c:pt>
                 <c:pt idx="216">
-                  <c:v>18.64606027034916</c:v>
+                  <c:v>14.629014984236099</c:v>
                 </c:pt>
                 <c:pt idx="217">
-                  <c:v>17.56286850882617</c:v>
+                  <c:v>13.743752419862352</c:v>
                 </c:pt>
                 <c:pt idx="218">
-                  <c:v>16.509986157975231</c:v>
+                  <c:v>12.818327032149067</c:v>
                 </c:pt>
                 <c:pt idx="219">
-                  <c:v>16.017001873057815</c:v>
+                  <c:v>12.442078062734099</c:v>
                 </c:pt>
                 <c:pt idx="220">
-                  <c:v>15.155037268520481</c:v>
+                  <c:v>12.353474766770686</c:v>
                 </c:pt>
                 <c:pt idx="221">
-                  <c:v>16.4814892684178</c:v>
+                  <c:v>13.671813992949307</c:v>
                 </c:pt>
                 <c:pt idx="222">
-                  <c:v>15.21246881739385</c:v>
+                  <c:v>12.623724235748506</c:v>
                 </c:pt>
                 <c:pt idx="223">
-                  <c:v>14.568733561317416</c:v>
+                  <c:v>11.523036203517936</c:v>
                 </c:pt>
                 <c:pt idx="224">
-                  <c:v>14.939808001805897</c:v>
+                  <c:v>11.406688865537813</c:v>
                 </c:pt>
                 <c:pt idx="225">
-                  <c:v>16.607906891519676</c:v>
+                  <c:v>12.810559117535133</c:v>
                 </c:pt>
                 <c:pt idx="226">
-                  <c:v>16.253147430487402</c:v>
+                  <c:v>12.749692428590738</c:v>
                 </c:pt>
                 <c:pt idx="227">
-                  <c:v>17.172421911067971</c:v>
+                  <c:v>13.44670617055491</c:v>
                 </c:pt>
                 <c:pt idx="228">
-                  <c:v>17.652864993514651</c:v>
+                  <c:v>14.346315988027953</c:v>
                 </c:pt>
                 <c:pt idx="229">
-                  <c:v>17.405875033639116</c:v>
+                  <c:v>14.713831494025431</c:v>
                 </c:pt>
                 <c:pt idx="230">
-                  <c:v>17.801989352434724</c:v>
+                  <c:v>15.112164703737681</c:v>
                 </c:pt>
                 <c:pt idx="231">
-                  <c:v>17.40258519586699</c:v>
+                  <c:v>14.901252552637329</c:v>
                 </c:pt>
                 <c:pt idx="232">
-                  <c:v>17.775940544950558</c:v>
+                  <c:v>13.871934504131559</c:v>
                 </c:pt>
                 <c:pt idx="233">
-                  <c:v>17.855285286052805</c:v>
+                  <c:v>14.528595099544496</c:v>
                 </c:pt>
                 <c:pt idx="234">
-                  <c:v>17.668477384660019</c:v>
+                  <c:v>14.331694103157945</c:v>
                 </c:pt>
                 <c:pt idx="235">
-                  <c:v>18.309982359883115</c:v>
+                  <c:v>14.987232335006123</c:v>
                 </c:pt>
                 <c:pt idx="236">
-                  <c:v>18.020447943489547</c:v>
+                  <c:v>14.599282112153471</c:v>
                 </c:pt>
                 <c:pt idx="237">
-                  <c:v>17.153641951015533</c:v>
+                  <c:v>14.044661314901703</c:v>
                 </c:pt>
                 <c:pt idx="238">
-                  <c:v>17.92619379500589</c:v>
+                  <c:v>14.677657893354409</c:v>
                 </c:pt>
                 <c:pt idx="239">
-                  <c:v>17.182436781449695</c:v>
+                  <c:v>15.031206187330268</c:v>
                 </c:pt>
                 <c:pt idx="240">
-                  <c:v>17.442736302069015</c:v>
+                  <c:v>14.938143881133151</c:v>
                 </c:pt>
                 <c:pt idx="241">
-                  <c:v>16.160628414378476</c:v>
+                  <c:v>14.531038166454044</c:v>
                 </c:pt>
                 <c:pt idx="242">
-                  <c:v>16.384390856248331</c:v>
+                  <c:v>14.855868623064437</c:v>
                 </c:pt>
                 <c:pt idx="243">
-                  <c:v>15.640096271696398</c:v>
+                  <c:v>14.573753608541125</c:v>
                 </c:pt>
                 <c:pt idx="244">
-                  <c:v>15.628380030178917</c:v>
+                  <c:v>14.760656562998529</c:v>
                 </c:pt>
                 <c:pt idx="245">
-                  <c:v>16.612814390242907</c:v>
+                  <c:v>15.751496936251343</c:v>
                 </c:pt>
                 <c:pt idx="246">
-                  <c:v>16.430881280684002</c:v>
+                  <c:v>15.806842575194946</c:v>
                 </c:pt>
                 <c:pt idx="247">
-                  <c:v>15.865865223521201</c:v>
+                  <c:v>15.240318566723619</c:v>
                 </c:pt>
                 <c:pt idx="248">
-                  <c:v>14.141492540272511</c:v>
+                  <c:v>13.5933173195202</c:v>
                 </c:pt>
                 <c:pt idx="249">
-                  <c:v>13.895358768938237</c:v>
+                  <c:v>13.105285204343648</c:v>
                 </c:pt>
                 <c:pt idx="250">
-                  <c:v>13.55187829400947</c:v>
+                  <c:v>12.108064941169658</c:v>
                 </c:pt>
                 <c:pt idx="251">
-                  <c:v>13.282318099637312</c:v>
+                  <c:v>12.249059660864191</c:v>
                 </c:pt>
                 <c:pt idx="252">
-                  <c:v>12.336464846074927</c:v>
+                  <c:v>11.02027264732043</c:v>
                 </c:pt>
                 <c:pt idx="253">
-                  <c:v>13.425773148896987</c:v>
+                  <c:v>11.996847915874516</c:v>
                 </c:pt>
                 <c:pt idx="254">
-                  <c:v>12.217678205355666</c:v>
+                  <c:v>10.544556768976616</c:v>
                 </c:pt>
                 <c:pt idx="255">
-                  <c:v>11.061125583009366</c:v>
+                  <c:v>10.051801138097673</c:v>
                 </c:pt>
                 <c:pt idx="256">
-                  <c:v>12.059017386969145</c:v>
+                  <c:v>10.998500689667656</c:v>
                 </c:pt>
                 <c:pt idx="257">
-                  <c:v>10.397026910714875</c:v>
+                  <c:v>9.5013203484968258</c:v>
                 </c:pt>
                 <c:pt idx="258">
-                  <c:v>8.0575727497502143</c:v>
+                  <c:v>6.9994316531131862</c:v>
                 </c:pt>
                 <c:pt idx="259">
-                  <c:v>6.4214976965619046</c:v>
+                  <c:v>5.7113641188533162</c:v>
                 </c:pt>
                 <c:pt idx="260">
-                  <c:v>7.8169586111116347</c:v>
+                  <c:v>7.2603403500120161</c:v>
                 </c:pt>
                 <c:pt idx="261">
-                  <c:v>7.9202678287823449</c:v>
+                  <c:v>7.8867381371329133</c:v>
                 </c:pt>
                 <c:pt idx="262">
-                  <c:v>6.7523584460536652</c:v>
+                  <c:v>6.883551692192623</c:v>
                 </c:pt>
                 <c:pt idx="263">
-                  <c:v>8.0092118708070146</c:v>
+                  <c:v>7.926770680503803</c:v>
                 </c:pt>
                 <c:pt idx="264">
-                  <c:v>7.8529856801432487</c:v>
+                  <c:v>7.7807149130686346</c:v>
                 </c:pt>
                 <c:pt idx="265">
-                  <c:v>8.089549322749102</c:v>
+                  <c:v>8.2139257957845917</c:v>
                 </c:pt>
                 <c:pt idx="266">
-                  <c:v>10.547086817948403</c:v>
+                  <c:v>9.7813995561968721</c:v>
                 </c:pt>
                 <c:pt idx="267">
-                  <c:v>11.070123284935388</c:v>
+                  <c:v>9.8889735174332536</c:v>
                 </c:pt>
                 <c:pt idx="268">
-                  <c:v>10.213787077983218</c:v>
+                  <c:v>8.6939897574454541</c:v>
                 </c:pt>
                 <c:pt idx="269">
-                  <c:v>10.255720665081244</c:v>
+                  <c:v>8.3391725759619248</c:v>
                 </c:pt>
                 <c:pt idx="270">
-                  <c:v>8.2184806143180431</c:v>
+                  <c:v>6.8117077331565543</c:v>
                 </c:pt>
                 <c:pt idx="271">
-                  <c:v>8.3582136034075827</c:v>
+                  <c:v>6.7744624761932171</c:v>
                 </c:pt>
                 <c:pt idx="272">
-                  <c:v>9.0420901605933288</c:v>
+                  <c:v>6.9698381202431037</c:v>
                 </c:pt>
                 <c:pt idx="273">
-                  <c:v>10.287298881541648</c:v>
+                  <c:v>7.6705821453420384</c:v>
                 </c:pt>
                 <c:pt idx="274">
-                  <c:v>6.3278955247406286</c:v>
+                  <c:v>4.2198796952823781</c:v>
                 </c:pt>
                 <c:pt idx="275">
-                  <c:v>3.5003078055399888</c:v>
+                  <c:v>0.41952386797221797</c:v>
                 </c:pt>
                 <c:pt idx="276">
-                  <c:v>2.7256869937054078</c:v>
+                  <c:v>0.37959823899173117</c:v>
                 </c:pt>
                 <c:pt idx="277">
-                  <c:v>1.1687952268725779</c:v>
+                  <c:v>-0.99865101664467892</c:v>
                 </c:pt>
                 <c:pt idx="278">
-                  <c:v>8.3062026908510678</c:v>
+                  <c:v>6.3708354238255209</c:v>
                 </c:pt>
                 <c:pt idx="279">
-                  <c:v>5.7449767820831177</c:v>
+                  <c:v>3.4772448768199511</c:v>
                 </c:pt>
                 <c:pt idx="280">
-                  <c:v>6.379922396957137</c:v>
+                  <c:v>4.7727356001169712</c:v>
                 </c:pt>
                 <c:pt idx="281">
-                  <c:v>6.569961135482342</c:v>
+                  <c:v>5.3342286812882733</c:v>
                 </c:pt>
                 <c:pt idx="282">
-                  <c:v>6.0979593006535975</c:v>
+                  <c:v>5.3216884602466692</c:v>
                 </c:pt>
                 <c:pt idx="283">
-                  <c:v>4.4808363138774379</c:v>
+                  <c:v>3.8786621641090893</c:v>
                 </c:pt>
                 <c:pt idx="284">
-                  <c:v>4.8935604508316466</c:v>
+                  <c:v>3.9790633952475134</c:v>
                 </c:pt>
                 <c:pt idx="285">
-                  <c:v>3.1433697414493467</c:v>
+                  <c:v>2.6942840583453131</c:v>
                 </c:pt>
                 <c:pt idx="286">
-                  <c:v>5.2176617696477869</c:v>
+                  <c:v>4.4482826305315735</c:v>
                 </c:pt>
                 <c:pt idx="287">
-                  <c:v>6.6825263987504968</c:v>
+                  <c:v>5.7153783639593732</c:v>
                 </c:pt>
                 <c:pt idx="288">
-                  <c:v>7.9879280368477463</c:v>
+                  <c:v>7.3162985054004928</c:v>
                 </c:pt>
                 <c:pt idx="289">
-                  <c:v>8.0111474914415055</c:v>
+                  <c:v>7.4168761449957179</c:v>
                 </c:pt>
                 <c:pt idx="290">
-                  <c:v>8.4754278123366174</c:v>
+                  <c:v>7.7792321145927721</c:v>
                 </c:pt>
                 <c:pt idx="291">
-                  <c:v>7.8794007538746316</c:v>
+                  <c:v>7.6209610564327344</c:v>
                 </c:pt>
                 <c:pt idx="292">
-                  <c:v>8.2416289559114233</c:v>
+                  <c:v>7.9177345121161924</c:v>
                 </c:pt>
                 <c:pt idx="293">
-                  <c:v>9.2595328209350143</c:v>
+                  <c:v>8.9532344221072524</c:v>
                 </c:pt>
                 <c:pt idx="294">
-                  <c:v>8.5630992928436651</c:v>
+                  <c:v>8.359000438661436</c:v>
                 </c:pt>
                 <c:pt idx="295">
-                  <c:v>7.990762748817767</c:v>
+                  <c:v>7.4300775605424141</c:v>
                 </c:pt>
                 <c:pt idx="296">
-                  <c:v>8.501775744821936</c:v>
+                  <c:v>7.8627197447738615</c:v>
                 </c:pt>
                 <c:pt idx="297">
-                  <c:v>9.2755418652310482</c:v>
+                  <c:v>8.7205825150733798</c:v>
                 </c:pt>
                 <c:pt idx="298">
-                  <c:v>9.5911998076086515</c:v>
+                  <c:v>8.6424316292581693</c:v>
                 </c:pt>
               </c:numCache>
             </c:numRef>
@@ -2026,7 +1971,7 @@
           <c:smooth val="0"/>
           <c:extLst>
             <c:ext xmlns:c16="http://schemas.microsoft.com/office/drawing/2014/chart" uri="{C3380CC4-5D6E-409C-BE32-E72D297353CC}">
-              <c16:uniqueId val="{00000000-3373-A84D-AA49-9155671F394F}"/>
+              <c16:uniqueId val="{00000000-BB24-404D-A4FB-3E7FED4DCADA}"/>
             </c:ext>
           </c:extLst>
         </c:ser>
@@ -2035,11 +1980,11 @@
           <c:order val="1"/>
           <c:tx>
             <c:strRef>
-              <c:f>ARKK_ARKF_CORN_DBC_EWS_EWT_HYG_!$F$1</c:f>
+              <c:f>ARKK_CORN_EWS_HYG_QQQ_SPY_VUG_f!$F$1</c:f>
               <c:strCache>
                 <c:ptCount val="1"/>
                 <c:pt idx="0">
-                  <c:v>actualPred</c:v>
+                  <c:v>Act</c:v>
                 </c:pt>
               </c:strCache>
             </c:strRef>
@@ -2058,7 +2003,7 @@
           </c:marker>
           <c:cat>
             <c:numRef>
-              <c:f>ARKK_ARKF_CORN_DBC_EWS_EWT_HYG_!$A$2:$A$300</c:f>
+              <c:f>ARKK_CORN_EWS_HYG_QQQ_SPY_VUG_f!$A$2:$A$300</c:f>
               <c:numCache>
                 <c:formatCode>m/d/yy</c:formatCode>
                 <c:ptCount val="299"/>
@@ -2964,7 +2909,7 @@
           </c:cat>
           <c:val>
             <c:numRef>
-              <c:f>ARKK_ARKF_CORN_DBC_EWS_EWT_HYG_!$F$2:$F$300</c:f>
+              <c:f>ARKK_CORN_EWS_HYG_QQQ_SPY_VUG_f!$F$2:$F$300</c:f>
               <c:numCache>
                 <c:formatCode>General</c:formatCode>
                 <c:ptCount val="299"/>
@@ -2972,898 +2917,898 @@
                   <c:v>0</c:v>
                 </c:pt>
                 <c:pt idx="1">
-                  <c:v>-1.06813388962093</c:v>
+                  <c:v>-1.3247291503271199</c:v>
                 </c:pt>
                 <c:pt idx="2">
-                  <c:v>-1.3763505047483009</c:v>
+                  <c:v>-1.7854896043131698</c:v>
                 </c:pt>
                 <c:pt idx="3">
-                  <c:v>-1.2288072523300808</c:v>
+                  <c:v>-1.6828000104573879</c:v>
                 </c:pt>
                 <c:pt idx="4">
-                  <c:v>-0.36652642085252785</c:v>
+                  <c:v>-0.56633558226650793</c:v>
                 </c:pt>
                 <c:pt idx="5">
-                  <c:v>-0.67271862395514082</c:v>
+                  <c:v>-0.80903901601966988</c:v>
                 </c:pt>
                 <c:pt idx="6">
-                  <c:v>-0.11718365997420277</c:v>
+                  <c:v>-0.28434876214341687</c:v>
                 </c:pt>
                 <c:pt idx="7">
-                  <c:v>-0.51452784437542176</c:v>
+                  <c:v>-0.36986373476849599</c:v>
                 </c:pt>
                 <c:pt idx="8">
-                  <c:v>-0.79868175548494968</c:v>
+                  <c:v>-0.44523794723241628</c:v>
                 </c:pt>
                 <c:pt idx="9">
-                  <c:v>-1.4434560196545956</c:v>
+                  <c:v>-1.0186657272035293</c:v>
                 </c:pt>
                 <c:pt idx="10">
-                  <c:v>-0.99007212133648659</c:v>
+                  <c:v>-0.64569379373424929</c:v>
                 </c:pt>
                 <c:pt idx="11">
-                  <c:v>-8.804347942417956E-2</c:v>
+                  <c:v>-1.3710625188380288E-2</c:v>
                 </c:pt>
                 <c:pt idx="12">
-                  <c:v>0.38784427475207145</c:v>
+                  <c:v>-0.30232212623186927</c:v>
                 </c:pt>
                 <c:pt idx="13">
-                  <c:v>0.35485488425964107</c:v>
+                  <c:v>-0.46043640966563726</c:v>
                 </c:pt>
                 <c:pt idx="14">
-                  <c:v>7.9865131542526058E-2</c:v>
+                  <c:v>-0.70952325874885924</c:v>
                 </c:pt>
                 <c:pt idx="15">
-                  <c:v>9.655729021643375E-2</c:v>
+                  <c:v>-1.5202131389947704</c:v>
                 </c:pt>
                 <c:pt idx="16">
-                  <c:v>0.9226973491052578</c:v>
+                  <c:v>-0.5618144180782304</c:v>
                 </c:pt>
                 <c:pt idx="17">
-                  <c:v>0.38526389208182377</c:v>
+                  <c:v>-0.59944886257458441</c:v>
                 </c:pt>
                 <c:pt idx="18">
-                  <c:v>-0.9323549402643162</c:v>
+                  <c:v>-1.7930914593077143</c:v>
                 </c:pt>
                 <c:pt idx="19">
-                  <c:v>-1.6857539442421965E-3</c:v>
+                  <c:v>-0.53128783109250421</c:v>
                 </c:pt>
                 <c:pt idx="20">
-                  <c:v>0.80821120600758578</c:v>
+                  <c:v>0.63896145462599585</c:v>
                 </c:pt>
                 <c:pt idx="21">
-                  <c:v>-7.1198033034598263E-2</c:v>
+                  <c:v>-0.2852519261244042</c:v>
                 </c:pt>
                 <c:pt idx="22">
-                  <c:v>0.46264840791536277</c:v>
+                  <c:v>0.11221705910175578</c:v>
                 </c:pt>
                 <c:pt idx="23">
-                  <c:v>1.1016977720647627</c:v>
+                  <c:v>0.8464663538533137</c:v>
                 </c:pt>
                 <c:pt idx="24">
-                  <c:v>1.1890011934036839</c:v>
+                  <c:v>1.1339592334105237</c:v>
                 </c:pt>
                 <c:pt idx="25">
-                  <c:v>1.9656591393201619</c:v>
+                  <c:v>1.6000117094810826</c:v>
                 </c:pt>
                 <c:pt idx="26">
-                  <c:v>0.50103369584630197</c:v>
+                  <c:v>0.29442200606212254</c:v>
                 </c:pt>
                 <c:pt idx="27">
-                  <c:v>1.535012536460902</c:v>
+                  <c:v>0.98652542033767354</c:v>
                 </c:pt>
                 <c:pt idx="28">
-                  <c:v>2.6027359964094421</c:v>
+                  <c:v>1.7450376686002376</c:v>
                 </c:pt>
                 <c:pt idx="29">
-                  <c:v>1.6812711036426822</c:v>
+                  <c:v>1.3555608242386785</c:v>
                 </c:pt>
                 <c:pt idx="30">
-                  <c:v>0.9930524456399572</c:v>
+                  <c:v>0.73672583787752055</c:v>
                 </c:pt>
                 <c:pt idx="31">
-                  <c:v>0.92897164380385922</c:v>
+                  <c:v>1.2209833125784015</c:v>
                 </c:pt>
                 <c:pt idx="32">
-                  <c:v>2.1691955742507694</c:v>
+                  <c:v>2.4943201388822716</c:v>
                 </c:pt>
                 <c:pt idx="33">
-                  <c:v>1.8771849178763804</c:v>
+                  <c:v>2.1991466641963036</c:v>
                 </c:pt>
                 <c:pt idx="34">
-                  <c:v>1.8545968687594401</c:v>
+                  <c:v>2.4016389867406525</c:v>
                 </c:pt>
                 <c:pt idx="35">
-                  <c:v>1.6442054358978422</c:v>
+                  <c:v>2.6603373515460933</c:v>
                 </c:pt>
                 <c:pt idx="36">
-                  <c:v>2.1197158964181391</c:v>
+                  <c:v>3.1041048849772652</c:v>
                 </c:pt>
                 <c:pt idx="37">
-                  <c:v>2.1629176498843639</c:v>
+                  <c:v>3.3209401596052253</c:v>
                 </c:pt>
                 <c:pt idx="38">
-                  <c:v>1.6656166113691129</c:v>
+                  <c:v>2.4351952976145572</c:v>
                 </c:pt>
                 <c:pt idx="39">
-                  <c:v>0.96469802469520882</c:v>
+                  <c:v>1.6199182459087274</c:v>
                 </c:pt>
                 <c:pt idx="40">
-                  <c:v>1.034669188590529</c:v>
+                  <c:v>1.3871600231224632</c:v>
                 </c:pt>
                 <c:pt idx="41">
-                  <c:v>1.6608318506427149</c:v>
+                  <c:v>1.8871683981540173</c:v>
                 </c:pt>
                 <c:pt idx="42">
-                  <c:v>1.213621156014737</c:v>
+                  <c:v>1.6444911935916113</c:v>
                 </c:pt>
                 <c:pt idx="43">
-                  <c:v>1.040681548085423</c:v>
+                  <c:v>1.4663572327532912</c:v>
                 </c:pt>
                 <c:pt idx="44">
-                  <c:v>1.268254881535247</c:v>
+                  <c:v>2.0313936770481904</c:v>
                 </c:pt>
                 <c:pt idx="45">
-                  <c:v>1.0105026707725291</c:v>
+                  <c:v>1.8940531571261574</c:v>
                 </c:pt>
                 <c:pt idx="46">
-                  <c:v>0.47263649474301206</c:v>
+                  <c:v>1.4775288575134264</c:v>
                 </c:pt>
                 <c:pt idx="47">
-                  <c:v>0.18672951649076408</c:v>
+                  <c:v>0.82507460979067648</c:v>
                 </c:pt>
                 <c:pt idx="48">
-                  <c:v>0.57393814655092901</c:v>
+                  <c:v>1.3257660521842545</c:v>
                 </c:pt>
                 <c:pt idx="49">
-                  <c:v>0.87893985357194704</c:v>
+                  <c:v>1.8933341026418424</c:v>
                 </c:pt>
                 <c:pt idx="50">
-                  <c:v>1.7208720798404391</c:v>
+                  <c:v>2.8698886381561723</c:v>
                 </c:pt>
                 <c:pt idx="51">
-                  <c:v>1.9205192743823072</c:v>
+                  <c:v>3.2526334897672915</c:v>
                 </c:pt>
                 <c:pt idx="52">
-                  <c:v>1.8180401511906752</c:v>
+                  <c:v>3.0373777398214097</c:v>
                 </c:pt>
                 <c:pt idx="53">
-                  <c:v>1.8058949975186407</c:v>
+                  <c:v>3.1201675231886874</c:v>
                 </c:pt>
                 <c:pt idx="54">
-                  <c:v>1.7263412699584555</c:v>
+                  <c:v>2.9175994333291646</c:v>
                 </c:pt>
                 <c:pt idx="55">
-                  <c:v>1.3395381491663465</c:v>
+                  <c:v>2.4292309929331828</c:v>
                 </c:pt>
                 <c:pt idx="56">
-                  <c:v>0.45435647019203351</c:v>
+                  <c:v>1.4631042922792399</c:v>
                 </c:pt>
                 <c:pt idx="57">
-                  <c:v>0.63378468197497351</c:v>
+                  <c:v>1.5104948958591322</c:v>
                 </c:pt>
                 <c:pt idx="58">
-                  <c:v>-1.3258843670481468E-2</c:v>
+                  <c:v>0.74190861706296618</c:v>
                 </c:pt>
                 <c:pt idx="59">
-                  <c:v>0.41667288535711555</c:v>
+                  <c:v>1.1067961692151302</c:v>
                 </c:pt>
                 <c:pt idx="60">
-                  <c:v>0.80636217162045853</c:v>
+                  <c:v>1.7299239986351771</c:v>
                 </c:pt>
                 <c:pt idx="61">
-                  <c:v>1.1008085847160536</c:v>
+                  <c:v>2.038548558633873</c:v>
                 </c:pt>
                 <c:pt idx="62">
-                  <c:v>5.978477972768359E-2</c:v>
+                  <c:v>1.0266525309714429</c:v>
                 </c:pt>
                 <c:pt idx="63">
-                  <c:v>-0.88428761640217246</c:v>
+                  <c:v>-3.6582038271476991E-2</c:v>
                 </c:pt>
                 <c:pt idx="64">
-                  <c:v>-2.0997162579793924</c:v>
+                  <c:v>-1.1284455479310269</c:v>
                 </c:pt>
                 <c:pt idx="65">
-                  <c:v>-2.5656117992976313</c:v>
+                  <c:v>-1.5010699644593068</c:v>
                 </c:pt>
                 <c:pt idx="66">
-                  <c:v>-3.0071412767228782</c:v>
+                  <c:v>-1.8190473193779688</c:v>
                 </c:pt>
                 <c:pt idx="67">
-                  <c:v>-3.6275917648484892</c:v>
+                  <c:v>-2.393193802849817</c:v>
                 </c:pt>
                 <c:pt idx="68">
-                  <c:v>-3.0500223194122102</c:v>
+                  <c:v>-2.103592914013706</c:v>
                 </c:pt>
                 <c:pt idx="69">
-                  <c:v>-2.3391501330936704</c:v>
+                  <c:v>-1.323144222873367</c:v>
                 </c:pt>
                 <c:pt idx="70">
-                  <c:v>-1.8849412979885174</c:v>
+                  <c:v>-0.69626668543189796</c:v>
                 </c:pt>
                 <c:pt idx="71">
-                  <c:v>-1.8473155857863868</c:v>
+                  <c:v>-0.63981605861932933</c:v>
                 </c:pt>
                 <c:pt idx="72">
-                  <c:v>-1.4712865130957429</c:v>
+                  <c:v>-4.9487271474372374E-2</c:v>
                 </c:pt>
                 <c:pt idx="73">
-                  <c:v>-0.50687888500289391</c:v>
+                  <c:v>1.4746405544104175</c:v>
                 </c:pt>
                 <c:pt idx="74">
-                  <c:v>-1.8731512271178841</c:v>
+                  <c:v>-0.12047433866711255</c:v>
                 </c:pt>
                 <c:pt idx="75">
-                  <c:v>-2.0873063353049481</c:v>
+                  <c:v>-0.53106908079755055</c:v>
                 </c:pt>
                 <c:pt idx="76">
-                  <c:v>-1.3715774564746901</c:v>
+                  <c:v>0.29529063455867943</c:v>
                 </c:pt>
                 <c:pt idx="77">
-                  <c:v>-0.56671686839080915</c:v>
+                  <c:v>0.73671281537083044</c:v>
                 </c:pt>
                 <c:pt idx="78">
-                  <c:v>0.17962841762299686</c:v>
+                  <c:v>1.4367859721748806</c:v>
                 </c:pt>
                 <c:pt idx="79">
-                  <c:v>-0.11037964218332014</c:v>
+                  <c:v>0.96649767558503563</c:v>
                 </c:pt>
                 <c:pt idx="80">
-                  <c:v>0.24388877247309487</c:v>
+                  <c:v>1.4124688285933216</c:v>
                 </c:pt>
                 <c:pt idx="81">
-                  <c:v>-0.18287440021966611</c:v>
+                  <c:v>1.0610311140481865</c:v>
                 </c:pt>
                 <c:pt idx="82">
-                  <c:v>0.36288374094938286</c:v>
+                  <c:v>1.3595543406719914</c:v>
                 </c:pt>
                 <c:pt idx="83">
-                  <c:v>0.67117425378272288</c:v>
+                  <c:v>1.4586109841787542</c:v>
                 </c:pt>
                 <c:pt idx="84">
-                  <c:v>0.41694704816649286</c:v>
+                  <c:v>1.0336749505156282</c:v>
                 </c:pt>
                 <c:pt idx="85">
-                  <c:v>0.56105544155464182</c:v>
+                  <c:v>1.3692042361237191</c:v>
                 </c:pt>
                 <c:pt idx="86">
-                  <c:v>0.37196053728590384</c:v>
+                  <c:v>0.88132339981200714</c:v>
                 </c:pt>
                 <c:pt idx="87">
-                  <c:v>-6.1293916538470161E-2</c:v>
+                  <c:v>0.19829582958773917</c:v>
                 </c:pt>
                 <c:pt idx="88">
-                  <c:v>-0.82492140137581815</c:v>
+                  <c:v>-0.86300879368722072</c:v>
                 </c:pt>
                 <c:pt idx="89">
-                  <c:v>-1.1517734052204822</c:v>
+                  <c:v>-1.0235790631572168</c:v>
                 </c:pt>
                 <c:pt idx="90">
-                  <c:v>-1.4112342430993252</c:v>
+                  <c:v>-1.4540818667210367</c:v>
                 </c:pt>
                 <c:pt idx="91">
-                  <c:v>-1.7254195787901283</c:v>
+                  <c:v>-1.0659579879782106</c:v>
                 </c:pt>
                 <c:pt idx="92">
-                  <c:v>-1.3687881205980643</c:v>
+                  <c:v>-0.69883790430442261</c:v>
                 </c:pt>
                 <c:pt idx="93">
-                  <c:v>-1.2256118192530203</c:v>
+                  <c:v>-0.72864724378861745</c:v>
                 </c:pt>
                 <c:pt idx="94">
-                  <c:v>-1.1675962063439091</c:v>
+                  <c:v>-0.66156005971814358</c:v>
                 </c:pt>
                 <c:pt idx="95">
-                  <c:v>-0.53876169565529719</c:v>
+                  <c:v>-0.27808163302967159</c:v>
                 </c:pt>
                 <c:pt idx="96">
-                  <c:v>-0.95467263735460717</c:v>
+                  <c:v>-0.54632970644906353</c:v>
                 </c:pt>
                 <c:pt idx="97">
-                  <c:v>-0.95259877002583404</c:v>
+                  <c:v>-0.33601961554703552</c:v>
                 </c:pt>
                 <c:pt idx="98">
-                  <c:v>-0.6951721223964491</c:v>
+                  <c:v>-0.50888209883040258</c:v>
                 </c:pt>
                 <c:pt idx="99">
-                  <c:v>5.7185492626999901E-2</c:v>
+                  <c:v>0.17334852288651437</c:v>
                 </c:pt>
                 <c:pt idx="100">
-                  <c:v>-6.43543372720011E-2</c:v>
+                  <c:v>0.22444360903272256</c:v>
                 </c:pt>
                 <c:pt idx="101">
-                  <c:v>-0.57057323108273317</c:v>
+                  <c:v>-0.29341895480714442</c:v>
                 </c:pt>
                 <c:pt idx="102">
-                  <c:v>9.0960512111153857E-2</c:v>
+                  <c:v>0.85714978922993557</c:v>
                 </c:pt>
                 <c:pt idx="103">
-                  <c:v>1.067863524977776E-2</c:v>
+                  <c:v>0.63678455962610558</c:v>
                 </c:pt>
                 <c:pt idx="104">
-                  <c:v>-0.71904215978642028</c:v>
+                  <c:v>0.72015014411604472</c:v>
                 </c:pt>
                 <c:pt idx="105">
-                  <c:v>-0.75167102125620111</c:v>
+                  <c:v>1.2740222033638489</c:v>
                 </c:pt>
                 <c:pt idx="106">
-                  <c:v>-0.70759955332716384</c:v>
+                  <c:v>0.99414549086174886</c:v>
                 </c:pt>
                 <c:pt idx="107">
-                  <c:v>-0.75500452429128184</c:v>
+                  <c:v>0.7304011883905499</c:v>
                 </c:pt>
                 <c:pt idx="108">
-                  <c:v>-0.39589253674492486</c:v>
+                  <c:v>1.680806355682041</c:v>
                 </c:pt>
                 <c:pt idx="109">
-                  <c:v>-0.6186177004170379</c:v>
+                  <c:v>0.95224750225737798</c:v>
                 </c:pt>
                 <c:pt idx="110">
-                  <c:v>0.26965990640795112</c:v>
+                  <c:v>2.2273428045333681</c:v>
                 </c:pt>
                 <c:pt idx="111">
-                  <c:v>1.033134796831324</c:v>
+                  <c:v>2.6454359842699602</c:v>
                 </c:pt>
                 <c:pt idx="112">
-                  <c:v>1.216549828232687</c:v>
+                  <c:v>3.1795753170067083</c:v>
                 </c:pt>
                 <c:pt idx="113">
-                  <c:v>1.2287558426315315</c:v>
+                  <c:v>3.2107422679992399</c:v>
                 </c:pt>
                 <c:pt idx="114">
-                  <c:v>1.3579034408791726</c:v>
+                  <c:v>3.4288019291462257</c:v>
                 </c:pt>
                 <c:pt idx="115">
-                  <c:v>1.9388892856933815</c:v>
+                  <c:v>3.9221178585248726</c:v>
                 </c:pt>
                 <c:pt idx="116">
-                  <c:v>1.3959521044224155</c:v>
+                  <c:v>3.0900866810958894</c:v>
                 </c:pt>
                 <c:pt idx="117">
-                  <c:v>2.1326868675307953</c:v>
+                  <c:v>3.9466867308398212</c:v>
                 </c:pt>
                 <c:pt idx="118">
-                  <c:v>2.3549859557679551</c:v>
+                  <c:v>3.8713721604051075</c:v>
                 </c:pt>
                 <c:pt idx="119">
-                  <c:v>3.2870075200385411</c:v>
+                  <c:v>5.0469138296930378</c:v>
                 </c:pt>
                 <c:pt idx="120">
-                  <c:v>2.416143644840818</c:v>
+                  <c:v>3.9526865989261575</c:v>
                 </c:pt>
                 <c:pt idx="121">
-                  <c:v>1.841908540689531</c:v>
+                  <c:v>3.3680794187175183</c:v>
                 </c:pt>
                 <c:pt idx="122">
-                  <c:v>3.0591514100999411</c:v>
+                  <c:v>4.0905902758982631</c:v>
                 </c:pt>
                 <c:pt idx="123">
-                  <c:v>3.3001969746633693</c:v>
+                  <c:v>3.797134887883157</c:v>
                 </c:pt>
                 <c:pt idx="124">
-                  <c:v>0.89030182198828944</c:v>
+                  <c:v>1.1164910398215571</c:v>
                 </c:pt>
                 <c:pt idx="125">
-                  <c:v>1.0463416874792504</c:v>
+                  <c:v>0.85978020397800514</c:v>
                 </c:pt>
                 <c:pt idx="126">
-                  <c:v>1.8150521392237424</c:v>
+                  <c:v>1.593021445411916</c:v>
                 </c:pt>
                 <c:pt idx="127">
-                  <c:v>2.3075127207845925</c:v>
+                  <c:v>2.687902093918566</c:v>
                 </c:pt>
                 <c:pt idx="128">
-                  <c:v>1.7333936697431036</c:v>
+                  <c:v>2.324225950299422</c:v>
                 </c:pt>
                 <c:pt idx="129">
-                  <c:v>2.7567745919858435</c:v>
+                  <c:v>3.3396665981568718</c:v>
                 </c:pt>
                 <c:pt idx="130">
-                  <c:v>1.1914629879904035</c:v>
+                  <c:v>1.7313590345893919</c:v>
                 </c:pt>
                 <c:pt idx="131">
-                  <c:v>-0.31707059655293657</c:v>
+                  <c:v>-0.68085379930920831</c:v>
                 </c:pt>
                 <c:pt idx="132">
-                  <c:v>-2.2065565075181164</c:v>
+                  <c:v>-2.5340116471370884</c:v>
                 </c:pt>
                 <c:pt idx="133">
-                  <c:v>-1.4625203078571034</c:v>
+                  <c:v>-1.8102415642211884</c:v>
                 </c:pt>
                 <c:pt idx="134">
-                  <c:v>-2.4022715194190005</c:v>
+                  <c:v>-2.9541053519332183</c:v>
                 </c:pt>
                 <c:pt idx="135">
-                  <c:v>-1.0795567815491105</c:v>
+                  <c:v>-1.5239431808857684</c:v>
                 </c:pt>
                 <c:pt idx="136">
-                  <c:v>-1.4799409268015185</c:v>
+                  <c:v>-1.7833878694731795</c:v>
                 </c:pt>
                 <c:pt idx="137">
-                  <c:v>7.9027957258011483E-2</c:v>
+                  <c:v>-0.14126891491714955</c:v>
                 </c:pt>
                 <c:pt idx="138">
-                  <c:v>-5.1538187052722506E-2</c:v>
+                  <c:v>-0.49113270354400557</c:v>
                 </c:pt>
                 <c:pt idx="139">
-                  <c:v>1.7591873189391376</c:v>
+                  <c:v>1.6007723572429042</c:v>
                 </c:pt>
                 <c:pt idx="140">
-                  <c:v>1.7807251419262682</c:v>
+                  <c:v>1.7550604363978581</c:v>
                 </c:pt>
                 <c:pt idx="141">
-                  <c:v>2.470406716613585</c:v>
+                  <c:v>2.5604695931017289</c:v>
                 </c:pt>
                 <c:pt idx="142">
-                  <c:v>2.2460881721791499</c:v>
+                  <c:v>2.5003538198594866</c:v>
                 </c:pt>
                 <c:pt idx="143">
-                  <c:v>2.9954014944673619</c:v>
+                  <c:v>3.3285621151293676</c:v>
                 </c:pt>
                 <c:pt idx="144">
-                  <c:v>2.175154486978061</c:v>
+                  <c:v>2.1961147703537076</c:v>
                 </c:pt>
                 <c:pt idx="145">
-                  <c:v>3.5267702281824107</c:v>
+                  <c:v>3.4622800784826575</c:v>
                 </c:pt>
                 <c:pt idx="146">
-                  <c:v>2.9297656295595647</c:v>
+                  <c:v>2.8276250785022765</c:v>
                 </c:pt>
                 <c:pt idx="147">
-                  <c:v>3.7423539923961298</c:v>
+                  <c:v>3.8162083135432776</c:v>
                 </c:pt>
                 <c:pt idx="148">
-                  <c:v>2.4012152317751996</c:v>
+                  <c:v>2.9158823011759516</c:v>
                 </c:pt>
                 <c:pt idx="149">
-                  <c:v>2.3922177110551162</c:v>
+                  <c:v>3.0863788930981175</c:v>
                 </c:pt>
                 <c:pt idx="150">
-                  <c:v>2.6512030724059303</c:v>
+                  <c:v>3.8303739202444747</c:v>
                 </c:pt>
                 <c:pt idx="151">
-                  <c:v>1.3607477468933002</c:v>
+                  <c:v>2.1734207404274644</c:v>
                 </c:pt>
                 <c:pt idx="152">
-                  <c:v>1.9698041865392473</c:v>
+                  <c:v>3.1293961261554681</c:v>
                 </c:pt>
                 <c:pt idx="153">
-                  <c:v>2.6183788401323165</c:v>
+                  <c:v>3.8803552772136491</c:v>
                 </c:pt>
                 <c:pt idx="154">
-                  <c:v>3.3221929495064915</c:v>
+                  <c:v>4.5352536027024168</c:v>
                 </c:pt>
                 <c:pt idx="155">
-                  <c:v>3.9483742218217484</c:v>
+                  <c:v>5.2738202046787128</c:v>
                 </c:pt>
                 <c:pt idx="156">
-                  <c:v>4.689376535609215</c:v>
+                  <c:v>5.7195719713844433</c:v>
                 </c:pt>
                 <c:pt idx="157">
-                  <c:v>4.6052018862670954</c:v>
+                  <c:v>5.6071759409851989</c:v>
                 </c:pt>
                 <c:pt idx="158">
-                  <c:v>4.7754335826521146</c:v>
+                  <c:v>5.9415210526525417</c:v>
                 </c:pt>
                 <c:pt idx="159">
-                  <c:v>4.7432796757790436</c:v>
+                  <c:v>5.8125317193078718</c:v>
                 </c:pt>
                 <c:pt idx="160">
-                  <c:v>5.9877794869944641</c:v>
+                  <c:v>7.3055390541837015</c:v>
                 </c:pt>
                 <c:pt idx="161">
-                  <c:v>5.5106656022053571</c:v>
+                  <c:v>7.1559016484525753</c:v>
                 </c:pt>
                 <c:pt idx="162">
-                  <c:v>5.9714905791676278</c:v>
+                  <c:v>7.9524147705301464</c:v>
                 </c:pt>
                 <c:pt idx="163">
-                  <c:v>6.0502432623926881</c:v>
+                  <c:v>8.5265380236839778</c:v>
                 </c:pt>
                 <c:pt idx="164">
-                  <c:v>5.8821750040059717</c:v>
+                  <c:v>8.2910332515649063</c:v>
                 </c:pt>
                 <c:pt idx="165">
-                  <c:v>6.0840578380818862</c:v>
+                  <c:v>8.5700613906624721</c:v>
                 </c:pt>
                 <c:pt idx="166">
-                  <c:v>6.3029316856713189</c:v>
+                  <c:v>8.6681268578385904</c:v>
                 </c:pt>
                 <c:pt idx="167">
-                  <c:v>6.605688503886415</c:v>
+                  <c:v>8.5147237879428541</c:v>
                 </c:pt>
                 <c:pt idx="168">
-                  <c:v>5.5844293607820452</c:v>
+                  <c:v>8.2497223924787129</c:v>
                 </c:pt>
                 <c:pt idx="169">
-                  <c:v>5.3707447824807799</c:v>
+                  <c:v>7.69458073203546</c:v>
                 </c:pt>
                 <c:pt idx="170">
-                  <c:v>4.9575623366134103</c:v>
+                  <c:v>6.9359303081579302</c:v>
                 </c:pt>
                 <c:pt idx="171">
-                  <c:v>5.7024883242808375</c:v>
+                  <c:v>7.8040159527400865</c:v>
                 </c:pt>
                 <c:pt idx="172">
-                  <c:v>4.9953095794325124</c:v>
+                  <c:v>6.7851831917445766</c:v>
                 </c:pt>
                 <c:pt idx="173">
-                  <c:v>5.5624931964417828</c:v>
+                  <c:v>7.4236131847648883</c:v>
                 </c:pt>
                 <c:pt idx="174">
-                  <c:v>5.909648603495345</c:v>
+                  <c:v>7.8928167492838117</c:v>
                 </c:pt>
                 <c:pt idx="175">
-                  <c:v>6.0484843973899247</c:v>
+                  <c:v>7.6138990596403371</c:v>
                 </c:pt>
                 <c:pt idx="176">
-                  <c:v>6.657467362809089</c:v>
+                  <c:v>7.9006847896791665</c:v>
                 </c:pt>
                 <c:pt idx="177">
-                  <c:v>6.9370650945798564</c:v>
+                  <c:v>8.2452341012189407</c:v>
                 </c:pt>
                 <c:pt idx="178">
-                  <c:v>7.3671587856398766</c:v>
+                  <c:v>8.5025214702501852</c:v>
                 </c:pt>
                 <c:pt idx="179">
-                  <c:v>7.0771461058026626</c:v>
+                  <c:v>7.993242535044577</c:v>
                 </c:pt>
                 <c:pt idx="180">
-                  <c:v>8.0121136193342348</c:v>
+                  <c:v>10.060553451099906</c:v>
                 </c:pt>
                 <c:pt idx="181">
-                  <c:v>8.0619097974555096</c:v>
+                  <c:v>10.266856255365152</c:v>
                 </c:pt>
                 <c:pt idx="182">
-                  <c:v>8.547628405628247</c:v>
+                  <c:v>10.420287247477669</c:v>
                 </c:pt>
                 <c:pt idx="183">
-                  <c:v>8.7225830496740375</c:v>
+                  <c:v>10.078325001948182</c:v>
                 </c:pt>
                 <c:pt idx="184">
-                  <c:v>7.053468248288528</c:v>
+                  <c:v>9.0751258245777109</c:v>
                 </c:pt>
                 <c:pt idx="185">
-                  <c:v>6.9723448582852434</c:v>
+                  <c:v>8.8490680001949595</c:v>
                 </c:pt>
                 <c:pt idx="186">
-                  <c:v>7.877664458912923</c:v>
+                  <c:v>10.00955526473353</c:v>
                 </c:pt>
                 <c:pt idx="187">
-                  <c:v>10.500898060402113</c:v>
+                  <c:v>12.106026053048289</c:v>
                 </c:pt>
                 <c:pt idx="188">
-                  <c:v>11.099256446647011</c:v>
+                  <c:v>12.948052705313623</c:v>
                 </c:pt>
                 <c:pt idx="189">
-                  <c:v>11.69323721096834</c:v>
+                  <c:v>13.878290108048429</c:v>
                 </c:pt>
                 <c:pt idx="190">
-                  <c:v>12.839396058000519</c:v>
+                  <c:v>15.20080069771446</c:v>
                 </c:pt>
                 <c:pt idx="191">
-                  <c:v>11.984186993647555</c:v>
+                  <c:v>14.325611340645269</c:v>
                 </c:pt>
                 <c:pt idx="192">
-                  <c:v>11.746542048911495</c:v>
+                  <c:v>14.885687504128336</c:v>
                 </c:pt>
                 <c:pt idx="193">
-                  <c:v>11.088582427846413</c:v>
+                  <c:v>13.955133082014488</c:v>
                 </c:pt>
                 <c:pt idx="194">
-                  <c:v>10.505733657319507</c:v>
+                  <c:v>13.394857694913362</c:v>
                 </c:pt>
                 <c:pt idx="195">
-                  <c:v>11.210714004211949</c:v>
+                  <c:v>13.999892845402252</c:v>
                 </c:pt>
                 <c:pt idx="196">
-                  <c:v>11.544769277982406</c:v>
+                  <c:v>14.048582430802417</c:v>
                 </c:pt>
                 <c:pt idx="197">
-                  <c:v>11.320343794440088</c:v>
+                  <c:v>13.75969646621277</c:v>
                 </c:pt>
                 <c:pt idx="198">
-                  <c:v>11.341717306863288</c:v>
+                  <c:v>13.875765155772685</c:v>
                 </c:pt>
                 <c:pt idx="199">
-                  <c:v>11.833519865121501</c:v>
+                  <c:v>14.820939424657329</c:v>
                 </c:pt>
                 <c:pt idx="200">
-                  <c:v>11.883156362671032</c:v>
+                  <c:v>15.058955682904026</c:v>
                 </c:pt>
                 <c:pt idx="201">
-                  <c:v>12.62700779815167</c:v>
+                  <c:v>15.732235763497767</c:v>
                 </c:pt>
                 <c:pt idx="202">
-                  <c:v>12.430657322969296</c:v>
+                  <c:v>15.68254157800415</c:v>
                 </c:pt>
                 <c:pt idx="203">
-                  <c:v>13.123879682001645</c:v>
+                  <c:v>16.291051950935451</c:v>
                 </c:pt>
                 <c:pt idx="204">
-                  <c:v>12.950323487726445</c:v>
+                  <c:v>16.827303533864097</c:v>
                 </c:pt>
                 <c:pt idx="205">
-                  <c:v>13.594077925269529</c:v>
+                  <c:v>18.207359394177736</c:v>
                 </c:pt>
                 <c:pt idx="206">
-                  <c:v>13.085898251955953</c:v>
+                  <c:v>17.998987774866578</c:v>
                 </c:pt>
                 <c:pt idx="207">
-                  <c:v>13.116545496064939</c:v>
+                  <c:v>18.106329222601726</c:v>
                 </c:pt>
                 <c:pt idx="208">
-                  <c:v>13.696043308302336</c:v>
+                  <c:v>19.256966921370346</c:v>
                 </c:pt>
                 <c:pt idx="209">
-                  <c:v>13.323814282139177</c:v>
+                  <c:v>18.713746460480539</c:v>
                 </c:pt>
                 <c:pt idx="210">
-                  <c:v>14.106176771485089</c:v>
+                  <c:v>19.601730117524738</c:v>
                 </c:pt>
                 <c:pt idx="211">
-                  <c:v>13.763859537346196</c:v>
+                  <c:v>19.807717720059344</c:v>
                 </c:pt>
                 <c:pt idx="212">
-                  <c:v>11.386219605354926</c:v>
+                  <c:v>16.853562147105706</c:v>
                 </c:pt>
                 <c:pt idx="213">
-                  <c:v>11.34559397718769</c:v>
+                  <c:v>16.764687744806068</c:v>
                 </c:pt>
                 <c:pt idx="214">
-                  <c:v>12.032796335446786</c:v>
+                  <c:v>16.93119974087843</c:v>
                 </c:pt>
                 <c:pt idx="215">
-                  <c:v>12.296662364845773</c:v>
+                  <c:v>17.13003023960022</c:v>
                 </c:pt>
                 <c:pt idx="216">
-                  <c:v>13.325757920016013</c:v>
+                  <c:v>18.64606027034916</c:v>
                 </c:pt>
                 <c:pt idx="217">
-                  <c:v>12.269341455849514</c:v>
+                  <c:v>17.56286850882617</c:v>
                 </c:pt>
                 <c:pt idx="218">
-                  <c:v>11.374148694191817</c:v>
+                  <c:v>16.509986157975231</c:v>
                 </c:pt>
                 <c:pt idx="219">
-                  <c:v>10.908658487859496</c:v>
+                  <c:v>16.017001873057815</c:v>
                 </c:pt>
                 <c:pt idx="220">
-                  <c:v>10.437712095829713</c:v>
+                  <c:v>15.155037268520481</c:v>
                 </c:pt>
                 <c:pt idx="221">
-                  <c:v>11.811329176629684</c:v>
+                  <c:v>16.4814892684178</c:v>
                 </c:pt>
                 <c:pt idx="222">
-                  <c:v>10.749746296561014</c:v>
+                  <c:v>15.21246881739385</c:v>
                 </c:pt>
                 <c:pt idx="223">
-                  <c:v>9.4174025135593933</c:v>
+                  <c:v>14.568733561317416</c:v>
                 </c:pt>
                 <c:pt idx="224">
-                  <c:v>9.514468543344206</c:v>
+                  <c:v>14.939808001805897</c:v>
                 </c:pt>
                 <c:pt idx="225">
-                  <c:v>10.713639387979105</c:v>
+                  <c:v>16.607906891519676</c:v>
                 </c:pt>
                 <c:pt idx="226">
-                  <c:v>10.580607048609014</c:v>
+                  <c:v>16.253147430487402</c:v>
                 </c:pt>
                 <c:pt idx="227">
-                  <c:v>11.403790632130987</c:v>
+                  <c:v>17.172421911067971</c:v>
                 </c:pt>
                 <c:pt idx="228">
-                  <c:v>11.978907812786872</c:v>
+                  <c:v>17.652864993514651</c:v>
                 </c:pt>
                 <c:pt idx="229">
-                  <c:v>12.45430573317314</c:v>
+                  <c:v>17.405875033639116</c:v>
                 </c:pt>
                 <c:pt idx="230">
-                  <c:v>12.484711003941374</c:v>
+                  <c:v>17.801989352434724</c:v>
                 </c:pt>
                 <c:pt idx="231">
-                  <c:v>12.192499201863718</c:v>
+                  <c:v>17.40258519586699</c:v>
                 </c:pt>
                 <c:pt idx="232">
-                  <c:v>11.498519193616831</c:v>
+                  <c:v>17.775940544950558</c:v>
                 </c:pt>
                 <c:pt idx="233">
-                  <c:v>11.808745219072508</c:v>
+                  <c:v>17.855285286052805</c:v>
                 </c:pt>
                 <c:pt idx="234">
-                  <c:v>11.419124301915078</c:v>
+                  <c:v>17.668477384660019</c:v>
                 </c:pt>
                 <c:pt idx="235">
-                  <c:v>11.928096540094462</c:v>
+                  <c:v>18.309982359883115</c:v>
                 </c:pt>
                 <c:pt idx="236">
-                  <c:v>11.663036477054206</c:v>
+                  <c:v>18.020447943489547</c:v>
                 </c:pt>
                 <c:pt idx="237">
-                  <c:v>10.908184097643831</c:v>
+                  <c:v>17.153641951015533</c:v>
                 </c:pt>
                 <c:pt idx="238">
-                  <c:v>11.48196082161807</c:v>
+                  <c:v>17.92619379500589</c:v>
                 </c:pt>
                 <c:pt idx="239">
-                  <c:v>11.423646762121438</c:v>
+                  <c:v>17.182436781449695</c:v>
                 </c:pt>
                 <c:pt idx="240">
-                  <c:v>11.382377037434077</c:v>
+                  <c:v>17.442736302069015</c:v>
                 </c:pt>
                 <c:pt idx="241">
-                  <c:v>11.111326249423389</c:v>
+                  <c:v>16.160628414378476</c:v>
                 </c:pt>
                 <c:pt idx="242">
-                  <c:v>11.282143409504418</c:v>
+                  <c:v>16.384390856248331</c:v>
                 </c:pt>
                 <c:pt idx="243">
-                  <c:v>11.045070607172052</c:v>
+                  <c:v>15.640096271696398</c:v>
                 </c:pt>
                 <c:pt idx="244">
-                  <c:v>11.165279189212837</c:v>
+                  <c:v>15.628380030178917</c:v>
                 </c:pt>
                 <c:pt idx="245">
-                  <c:v>11.897537929028758</c:v>
+                  <c:v>16.612814390242907</c:v>
                 </c:pt>
                 <c:pt idx="246">
-                  <c:v>12.081959999302502</c:v>
+                  <c:v>16.430881280684002</c:v>
                 </c:pt>
                 <c:pt idx="247">
-                  <c:v>11.377778330525112</c:v>
+                  <c:v>15.865865223521201</c:v>
                 </c:pt>
                 <c:pt idx="248">
-                  <c:v>9.6582286542112321</c:v>
+                  <c:v>14.141492540272511</c:v>
                 </c:pt>
                 <c:pt idx="249">
-                  <c:v>9.2912387361818229</c:v>
+                  <c:v>13.895358768938237</c:v>
                 </c:pt>
                 <c:pt idx="250">
-                  <c:v>8.398718531270724</c:v>
+                  <c:v>13.55187829400947</c:v>
                 </c:pt>
                 <c:pt idx="251">
-                  <c:v>8.3587386727996442</c:v>
+                  <c:v>13.282318099637312</c:v>
                 </c:pt>
                 <c:pt idx="252">
-                  <c:v>7.2062398444630738</c:v>
+                  <c:v>12.336464846074927</c:v>
                 </c:pt>
                 <c:pt idx="253">
-                  <c:v>8.2080183120272441</c:v>
+                  <c:v>13.425773148896987</c:v>
                 </c:pt>
                 <c:pt idx="254">
-                  <c:v>6.7553405804046438</c:v>
+                  <c:v>12.217678205355666</c:v>
                 </c:pt>
                 <c:pt idx="255">
-                  <c:v>6.1181383075348306</c:v>
+                  <c:v>11.061125583009366</c:v>
                 </c:pt>
                 <c:pt idx="256">
-                  <c:v>6.8029189100383718</c:v>
+                  <c:v>12.059017386969145</c:v>
                 </c:pt>
                 <c:pt idx="257">
-                  <c:v>5.3140850941115216</c:v>
+                  <c:v>10.397026910714875</c:v>
                 </c:pt>
                 <c:pt idx="258">
-                  <c:v>2.7987262690732315</c:v>
+                  <c:v>8.0575727497502143</c:v>
                 </c:pt>
                 <c:pt idx="259">
-                  <c:v>1.6077233849022214</c:v>
+                  <c:v>6.4214976965619046</c:v>
                 </c:pt>
                 <c:pt idx="260">
-                  <c:v>3.3027643866912015</c:v>
+                  <c:v>7.8169586111116347</c:v>
                 </c:pt>
                 <c:pt idx="261">
-                  <c:v>3.7591692299035366</c:v>
+                  <c:v>7.9202678287823449</c:v>
                 </c:pt>
                 <c:pt idx="262">
-                  <c:v>2.8803593045104527</c:v>
+                  <c:v>6.7523584460536652</c:v>
                 </c:pt>
                 <c:pt idx="263">
-                  <c:v>3.9128819947603728</c:v>
+                  <c:v>8.0092118708070146</c:v>
                 </c:pt>
                 <c:pt idx="264">
-                  <c:v>3.7861863355062599</c:v>
+                  <c:v>7.8529856801432487</c:v>
                 </c:pt>
                 <c:pt idx="265">
-                  <c:v>4.2995865886904454</c:v>
+                  <c:v>8.089549322749102</c:v>
                 </c:pt>
                 <c:pt idx="266">
-                  <c:v>6.1594871013188852</c:v>
+                  <c:v>10.547086817948403</c:v>
                 </c:pt>
                 <c:pt idx="267">
-                  <c:v>6.4952364607853461</c:v>
+                  <c:v>11.070123284935388</c:v>
                 </c:pt>
                 <c:pt idx="268">
-                  <c:v>5.441561207723896</c:v>
+                  <c:v>10.213787077983218</c:v>
                 </c:pt>
                 <c:pt idx="269">
-                  <c:v>4.9961876316965217</c:v>
+                  <c:v>10.255720665081244</c:v>
                 </c:pt>
                 <c:pt idx="270">
-                  <c:v>3.5062371113554618</c:v>
+                  <c:v>8.2184806143180431</c:v>
                 </c:pt>
                 <c:pt idx="271">
-                  <c:v>3.7144875013836769</c:v>
+                  <c:v>8.3582136034075827</c:v>
                 </c:pt>
                 <c:pt idx="272">
-                  <c:v>4.058770049555525</c:v>
+                  <c:v>9.0420901605933288</c:v>
                 </c:pt>
                 <c:pt idx="273">
-                  <c:v>4.7353712827081829</c:v>
+                  <c:v>10.287298881541648</c:v>
                 </c:pt>
                 <c:pt idx="274">
-                  <c:v>1.057353054449393</c:v>
+                  <c:v>6.3278955247406286</c:v>
                 </c:pt>
                 <c:pt idx="275">
-                  <c:v>-2.760184885203087</c:v>
+                  <c:v>3.5003078055399888</c:v>
                 </c:pt>
                 <c:pt idx="276">
-                  <c:v>-2.7387428651713064</c:v>
+                  <c:v>2.7256869937054078</c:v>
                 </c:pt>
                 <c:pt idx="277">
-                  <c:v>-4.091982409302366</c:v>
+                  <c:v>1.1687952268725779</c:v>
                 </c:pt>
                 <c:pt idx="278">
-                  <c:v>3.3812249917646442</c:v>
+                  <c:v>8.3062026908510678</c:v>
                 </c:pt>
                 <c:pt idx="279">
-                  <c:v>0.90381437413775423</c:v>
+                  <c:v>5.7449767820831177</c:v>
                 </c:pt>
                 <c:pt idx="280">
-                  <c:v>1.6964821031981692</c:v>
+                  <c:v>6.379922396957137</c:v>
                 </c:pt>
                 <c:pt idx="281">
-                  <c:v>2.061333882003018</c:v>
+                  <c:v>6.569961135482342</c:v>
                 </c:pt>
                 <c:pt idx="282">
-                  <c:v>2.0075116568016331</c:v>
+                  <c:v>6.0979593006535975</c:v>
                 </c:pt>
                 <c:pt idx="283">
-                  <c:v>0.55664522666967309</c:v>
+                  <c:v>4.4808363138774379</c:v>
                 </c:pt>
                 <c:pt idx="284">
-                  <c:v>0.86877998588516703</c:v>
+                  <c:v>4.8935604508316466</c:v>
                 </c:pt>
                 <c:pt idx="285">
-                  <c:v>-0.40419727379641301</c:v>
+                  <c:v>3.1433697414493467</c:v>
                 </c:pt>
                 <c:pt idx="286">
-                  <c:v>1.2030761513028869</c:v>
+                  <c:v>5.2176617696477869</c:v>
                 </c:pt>
                 <c:pt idx="287">
-                  <c:v>2.4662636789488266</c:v>
+                  <c:v>6.6825263987504968</c:v>
                 </c:pt>
                 <c:pt idx="288">
-                  <c:v>4.3614393592747067</c:v>
+                  <c:v>7.9879280368477463</c:v>
                 </c:pt>
                 <c:pt idx="289">
-                  <c:v>4.4666530189533153</c:v>
+                  <c:v>8.0111474914415055</c:v>
                 </c:pt>
                 <c:pt idx="290">
-                  <c:v>4.7508634230230058</c:v>
+                  <c:v>8.4754278123366174</c:v>
                 </c:pt>
                 <c:pt idx="291">
-                  <c:v>4.3944044909407367</c:v>
+                  <c:v>7.8794007538746316</c:v>
                 </c:pt>
                 <c:pt idx="292">
-                  <c:v>5.000245299566318</c:v>
+                  <c:v>8.2416289559114233</c:v>
                 </c:pt>
                 <c:pt idx="293">
-                  <c:v>5.9199607678092869</c:v>
+                  <c:v>9.2595328209350143</c:v>
                 </c:pt>
                 <c:pt idx="294">
-                  <c:v>4.900830339381697</c:v>
+                  <c:v>8.5630992928436651</c:v>
                 </c:pt>
                 <c:pt idx="295">
-                  <c:v>4.6305271009956677</c:v>
+                  <c:v>7.990762748817767</c:v>
                 </c:pt>
                 <c:pt idx="296">
-                  <c:v>5.1090994941036323</c:v>
+                  <c:v>8.501775744821936</c:v>
                 </c:pt>
                 <c:pt idx="297">
-                  <c:v>6.167668381192362</c:v>
+                  <c:v>9.2755418652310482</c:v>
                 </c:pt>
                 <c:pt idx="298">
-                  <c:v>6.2283778511521728</c:v>
+                  <c:v>9.5911998076086515</c:v>
                 </c:pt>
               </c:numCache>
             </c:numRef>
@@ -3871,7 +3816,7 @@
           <c:smooth val="0"/>
           <c:extLst>
             <c:ext xmlns:c16="http://schemas.microsoft.com/office/drawing/2014/chart" uri="{C3380CC4-5D6E-409C-BE32-E72D297353CC}">
-              <c16:uniqueId val="{00000001-3373-A84D-AA49-9155671F394F}"/>
+              <c16:uniqueId val="{00000001-BB24-404D-A4FB-3E7FED4DCADA}"/>
             </c:ext>
           </c:extLst>
         </c:ser>
@@ -3884,11 +3829,11 @@
           <c:showBubbleSize val="0"/>
         </c:dLbls>
         <c:smooth val="0"/>
-        <c:axId val="1041820256"/>
-        <c:axId val="1041821968"/>
+        <c:axId val="1042884416"/>
+        <c:axId val="1042886128"/>
       </c:lineChart>
       <c:dateAx>
-        <c:axId val="1041820256"/>
+        <c:axId val="1042884416"/>
         <c:scaling>
           <c:orientation val="minMax"/>
         </c:scaling>
@@ -3931,14 +3876,14 @@
             <a:endParaRPr lang="en-US"/>
           </a:p>
         </c:txPr>
-        <c:crossAx val="1041821968"/>
+        <c:crossAx val="1042886128"/>
         <c:crosses val="autoZero"/>
         <c:auto val="1"/>
         <c:lblOffset val="100"/>
         <c:baseTimeUnit val="days"/>
       </c:dateAx>
       <c:valAx>
-        <c:axId val="1041821968"/>
+        <c:axId val="1042886128"/>
         <c:scaling>
           <c:orientation val="minMax"/>
         </c:scaling>
@@ -3989,7 +3934,7 @@
             <a:endParaRPr lang="en-US"/>
           </a:p>
         </c:txPr>
-        <c:crossAx val="1041820256"/>
+        <c:crossAx val="1042884416"/>
         <c:crosses val="autoZero"/>
         <c:crossBetween val="between"/>
       </c:valAx>
@@ -4080,37 +4025,7 @@
     </mc:Fallback>
   </mc:AlternateContent>
   <c:chart>
-    <c:title>
-      <c:overlay val="0"/>
-      <c:spPr>
-        <a:noFill/>
-        <a:ln>
-          <a:noFill/>
-        </a:ln>
-        <a:effectLst/>
-      </c:spPr>
-      <c:txPr>
-        <a:bodyPr rot="0" spcFirstLastPara="1" vertOverflow="ellipsis" vert="horz" wrap="square" anchor="ctr" anchorCtr="1"/>
-        <a:lstStyle/>
-        <a:p>
-          <a:pPr>
-            <a:defRPr sz="1400" b="0" i="0" u="none" strike="noStrike" kern="1200" spc="0" baseline="0">
-              <a:solidFill>
-                <a:schemeClr val="tx1">
-                  <a:lumMod val="65000"/>
-                  <a:lumOff val="35000"/>
-                </a:schemeClr>
-              </a:solidFill>
-              <a:latin typeface="+mn-lt"/>
-              <a:ea typeface="+mn-ea"/>
-              <a:cs typeface="+mn-cs"/>
-            </a:defRPr>
-          </a:pPr>
-          <a:endParaRPr lang="en-US"/>
-        </a:p>
-      </c:txPr>
-    </c:title>
-    <c:autoTitleDeleted val="0"/>
+    <c:autoTitleDeleted val="1"/>
     <c:plotArea>
       <c:layout/>
       <c:lineChart>
@@ -4121,7 +4036,7 @@
           <c:order val="0"/>
           <c:tx>
             <c:strRef>
-              <c:f>ARKK_ARKF_CORN_DBC_EWS_EWT_HYG_!$B$1</c:f>
+              <c:f>ARKK_CORN_EWS_HYG_QQQ_SPY_VUG_f!$B$1</c:f>
               <c:strCache>
                 <c:ptCount val="1"/>
                 <c:pt idx="0">
@@ -4144,7 +4059,7 @@
           </c:marker>
           <c:cat>
             <c:numRef>
-              <c:f>ARKK_ARKF_CORN_DBC_EWS_EWT_HYG_!$A$2:$A$300</c:f>
+              <c:f>ARKK_CORN_EWS_HYG_QQQ_SPY_VUG_f!$A$2:$A$300</c:f>
               <c:numCache>
                 <c:formatCode>m/d/yy</c:formatCode>
                 <c:ptCount val="299"/>
@@ -5050,906 +4965,906 @@
           </c:cat>
           <c:val>
             <c:numRef>
-              <c:f>ARKK_ARKF_CORN_DBC_EWS_EWT_HYG_!$B$2:$B$300</c:f>
+              <c:f>ARKK_CORN_EWS_HYG_QQQ_SPY_VUG_f!$B$2:$B$300</c:f>
               <c:numCache>
                 <c:formatCode>General</c:formatCode>
                 <c:ptCount val="299"/>
                 <c:pt idx="0">
-                  <c:v>-0.79149804048916494</c:v>
+                  <c:v>-0.79695880932141105</c:v>
                 </c:pt>
                 <c:pt idx="1">
-                  <c:v>-1.06813388962093</c:v>
+                  <c:v>-0.95247415720558704</c:v>
                 </c:pt>
                 <c:pt idx="2">
-                  <c:v>-0.30821661512737097</c:v>
+                  <c:v>-4.63511087710404E-2</c:v>
                 </c:pt>
                 <c:pt idx="3">
-                  <c:v>0.14754325241822</c:v>
+                  <c:v>6.1715220215756102E-2</c:v>
                 </c:pt>
                 <c:pt idx="4">
-                  <c:v>0.86228083147755297</c:v>
+                  <c:v>1.0658801456856399</c:v>
                 </c:pt>
                 <c:pt idx="5">
-                  <c:v>-0.30619220310261303</c:v>
+                  <c:v>-0.307416270777637</c:v>
                 </c:pt>
                 <c:pt idx="6">
-                  <c:v>0.55553496398093805</c:v>
+                  <c:v>0.191517857781453</c:v>
                 </c:pt>
                 <c:pt idx="7">
-                  <c:v>-0.39734418440121899</c:v>
+                  <c:v>-0.36781565712453201</c:v>
                 </c:pt>
                 <c:pt idx="8">
-                  <c:v>-0.28415391110952798</c:v>
+                  <c:v>-0.38243946913134602</c:v>
                 </c:pt>
                 <c:pt idx="9">
-                  <c:v>-0.64477426416964601</c:v>
+                  <c:v>-0.54533773533166796</c:v>
                 </c:pt>
                 <c:pt idx="10">
-                  <c:v>0.45338389831810899</c:v>
+                  <c:v>0.32973381191878998</c:v>
                 </c:pt>
                 <c:pt idx="11">
-                  <c:v>0.90202864191230703</c:v>
+                  <c:v>0.79624431546258201</c:v>
                 </c:pt>
                 <c:pt idx="12">
-                  <c:v>0.47588775417625101</c:v>
+                  <c:v>0.42068849365505101</c:v>
                 </c:pt>
                 <c:pt idx="13">
-                  <c:v>-3.2989390492430402E-2</c:v>
+                  <c:v>0.14963602313666999</c:v>
                 </c:pt>
                 <c:pt idx="14">
-                  <c:v>-0.27498975271711501</c:v>
+                  <c:v>-0.26658655141454302</c:v>
                 </c:pt>
                 <c:pt idx="15">
-                  <c:v>1.6692158673907699E-2</c:v>
+                  <c:v>9.8096949669415706E-2</c:v>
                 </c:pt>
                 <c:pt idx="16">
-                  <c:v>0.82614005888882402</c:v>
+                  <c:v>1.03568728842906</c:v>
                 </c:pt>
                 <c:pt idx="17">
-                  <c:v>-0.53743345702343404</c:v>
+                  <c:v>-0.40837477606964701</c:v>
                 </c:pt>
                 <c:pt idx="18">
-                  <c:v>-1.31761883234614</c:v>
+                  <c:v>-1.19111889609183</c:v>
                 </c:pt>
                 <c:pt idx="19">
-                  <c:v>0.930669186320074</c:v>
+                  <c:v>0.78113955072878805</c:v>
                 </c:pt>
                 <c:pt idx="20">
-                  <c:v>0.80989695995182798</c:v>
+                  <c:v>0.66909886232822102</c:v>
                 </c:pt>
                 <c:pt idx="21">
-                  <c:v>-0.87940923904218404</c:v>
+                  <c:v>-0.65309234667688099</c:v>
                 </c:pt>
                 <c:pt idx="22">
-                  <c:v>0.53384644094996103</c:v>
+                  <c:v>0.61782212985469098</c:v>
                 </c:pt>
                 <c:pt idx="23">
-                  <c:v>0.63904936414939995</c:v>
+                  <c:v>0.527555653304702</c:v>
                 </c:pt>
                 <c:pt idx="24">
-                  <c:v>8.7303421338921106E-2</c:v>
+                  <c:v>0.394401483819529</c:v>
                 </c:pt>
                 <c:pt idx="25">
-                  <c:v>0.77665794591647797</c:v>
+                  <c:v>0.60159587573005802</c:v>
                 </c:pt>
                 <c:pt idx="26">
-                  <c:v>-1.4646254434738599</c:v>
+                  <c:v>-1.4745027693223101</c:v>
                 </c:pt>
                 <c:pt idx="27">
-                  <c:v>1.0339788406146</c:v>
+                  <c:v>1.22390968754859</c:v>
                 </c:pt>
                 <c:pt idx="28">
-                  <c:v>1.0677234599485399</c:v>
+                  <c:v>0.678176485708469</c:v>
                 </c:pt>
                 <c:pt idx="29">
-                  <c:v>-0.92146489276676002</c:v>
+                  <c:v>-0.58487778475260999</c:v>
                 </c:pt>
                 <c:pt idx="30">
-                  <c:v>-0.68821865800272497</c:v>
+                  <c:v>-0.69479271498859796</c:v>
                 </c:pt>
                 <c:pt idx="31">
-                  <c:v>-6.4080801836098003E-2</c:v>
+                  <c:v>-0.39083555228005301</c:v>
                 </c:pt>
                 <c:pt idx="32">
-                  <c:v>1.24022393044691</c:v>
+                  <c:v>1.2817280175174099</c:v>
                 </c:pt>
                 <c:pt idx="33">
-                  <c:v>-0.292010656374389</c:v>
+                  <c:v>-8.5893185138568393E-3</c:v>
                 </c:pt>
                 <c:pt idx="34">
-                  <c:v>-2.2588049116940401E-2</c:v>
+                  <c:v>0.32968293202575499</c:v>
                 </c:pt>
                 <c:pt idx="35">
-                  <c:v>-0.210391432861598</c:v>
+                  <c:v>-0.192028135549735</c:v>
                 </c:pt>
                 <c:pt idx="36">
-                  <c:v>0.475510460520297</c:v>
+                  <c:v>0.191375751884406</c:v>
                 </c:pt>
                 <c:pt idx="37">
-                  <c:v>4.3201753466224999E-2</c:v>
+                  <c:v>0.42571101444040299</c:v>
                 </c:pt>
                 <c:pt idx="38">
-                  <c:v>-0.49730103851525098</c:v>
+                  <c:v>-0.18050796823731499</c:v>
                 </c:pt>
                 <c:pt idx="39">
-                  <c:v>-0.70091858667390405</c:v>
+                  <c:v>-0.97475380957027202</c:v>
                 </c:pt>
                 <c:pt idx="40">
-                  <c:v>6.9971163895320099E-2</c:v>
+                  <c:v>0.50061391920218101</c:v>
                 </c:pt>
                 <c:pt idx="41">
-                  <c:v>0.62616266205218596</c:v>
+                  <c:v>0.63661583691989498</c:v>
                 </c:pt>
                 <c:pt idx="42">
-                  <c:v>-0.44721069462797802</c:v>
+                  <c:v>-0.151141184804678</c:v>
                 </c:pt>
                 <c:pt idx="43">
-                  <c:v>-0.17293960792931401</c:v>
+                  <c:v>-5.3942935706421301E-2</c:v>
                 </c:pt>
                 <c:pt idx="44">
-                  <c:v>0.227573333449824</c:v>
+                  <c:v>0.35927278705291799</c:v>
                 </c:pt>
                 <c:pt idx="45">
-                  <c:v>-0.25775221076271798</c:v>
+                  <c:v>-3.7524741814432001E-2</c:v>
                 </c:pt>
                 <c:pt idx="46">
-                  <c:v>-0.53786617602951703</c:v>
+                  <c:v>-0.57121397094446202</c:v>
                 </c:pt>
                 <c:pt idx="47">
-                  <c:v>-0.28590697825224798</c:v>
+                  <c:v>-0.33635810451835602</c:v>
                 </c:pt>
                 <c:pt idx="48">
-                  <c:v>0.38720863006016498</c:v>
+                  <c:v>0.30157818577553103</c:v>
                 </c:pt>
                 <c:pt idx="49">
-                  <c:v>0.30500170702101798</c:v>
+                  <c:v>0.15540699873620301</c:v>
                 </c:pt>
                 <c:pt idx="50">
-                  <c:v>0.84193222626849196</c:v>
+                  <c:v>0.94861764823402805</c:v>
                 </c:pt>
                 <c:pt idx="51">
-                  <c:v>0.19964719454186799</c:v>
+                  <c:v>0.27107743725434602</c:v>
                 </c:pt>
                 <c:pt idx="52">
-                  <c:v>-0.10247912319163199</c:v>
+                  <c:v>0.116005372927413</c:v>
                 </c:pt>
                 <c:pt idx="53">
-                  <c:v>-1.21451536720346E-2</c:v>
+                  <c:v>-0.1329056671828</c:v>
                 </c:pt>
                 <c:pt idx="54">
-                  <c:v>-7.9553727560185097E-2</c:v>
+                  <c:v>-3.0268225002162301E-2</c:v>
                 </c:pt>
                 <c:pt idx="55">
-                  <c:v>-0.38680312079210899</c:v>
+                  <c:v>-0.317403512891205</c:v>
                 </c:pt>
                 <c:pt idx="56">
-                  <c:v>-0.88518167897431299</c:v>
+                  <c:v>-0.71989515360384004</c:v>
                 </c:pt>
                 <c:pt idx="57">
-                  <c:v>0.17942821178293999</c:v>
+                  <c:v>9.5246199063741196E-2</c:v>
                 </c:pt>
                 <c:pt idx="58">
-                  <c:v>-0.64704352564545498</c:v>
+                  <c:v>-0.76129252041047901</c:v>
                 </c:pt>
                 <c:pt idx="59">
-                  <c:v>0.42993172902759702</c:v>
+                  <c:v>0.42662410095551201</c:v>
                 </c:pt>
                 <c:pt idx="60">
-                  <c:v>0.38968928626334298</c:v>
+                  <c:v>0.331423185953996</c:v>
                 </c:pt>
                 <c:pt idx="61">
-                  <c:v>0.29444641309559499</c:v>
+                  <c:v>0.23505950212888099</c:v>
                 </c:pt>
                 <c:pt idx="62">
-                  <c:v>-1.04102380498837</c:v>
+                  <c:v>-0.82527432657123201</c:v>
                 </c:pt>
                 <c:pt idx="63">
-                  <c:v>-0.94407239612985605</c:v>
+                  <c:v>-1.1796368639445201</c:v>
                 </c:pt>
                 <c:pt idx="64">
-                  <c:v>-1.21542864157722</c:v>
+                  <c:v>-1.24320920831211</c:v>
                 </c:pt>
                 <c:pt idx="65">
-                  <c:v>-0.46589554131823901</c:v>
+                  <c:v>-0.33044724603206599</c:v>
                 </c:pt>
                 <c:pt idx="66">
-                  <c:v>-0.44152947742524701</c:v>
+                  <c:v>-0.47693928805625302</c:v>
                 </c:pt>
                 <c:pt idx="67">
-                  <c:v>-0.62045048812561099</c:v>
+                  <c:v>-0.68053983184996603</c:v>
                 </c:pt>
                 <c:pt idx="68">
-                  <c:v>0.57756944543627897</c:v>
+                  <c:v>0.65950075863220303</c:v>
                 </c:pt>
                 <c:pt idx="69">
-                  <c:v>0.71087218631853999</c:v>
+                  <c:v>0.99563301276818295</c:v>
                 </c:pt>
                 <c:pt idx="70">
-                  <c:v>0.45420883510515297</c:v>
+                  <c:v>-6.9686997904743397E-4</c:v>
                 </c:pt>
                 <c:pt idx="71">
-                  <c:v>3.7625712202130603E-2</c:v>
+                  <c:v>-0.25582337524332199</c:v>
                 </c:pt>
                 <c:pt idx="72">
-                  <c:v>0.37602907269064401</c:v>
+                  <c:v>0.56671450883983698</c:v>
                 </c:pt>
                 <c:pt idx="73">
-                  <c:v>0.96440762809284897</c:v>
+                  <c:v>0.52486071748665697</c:v>
                 </c:pt>
                 <c:pt idx="74">
-                  <c:v>-1.36627234211499</c:v>
+                  <c:v>-1.2784609986108</c:v>
                 </c:pt>
                 <c:pt idx="75">
-                  <c:v>-0.21415510818706401</c:v>
+                  <c:v>-4.5074562797606299E-2</c:v>
                 </c:pt>
                 <c:pt idx="76">
-                  <c:v>0.71572887883025804</c:v>
+                  <c:v>0.82346703925673104</c:v>
                 </c:pt>
                 <c:pt idx="77">
-                  <c:v>0.80486058808388095</c:v>
+                  <c:v>0.75930751148003395</c:v>
                 </c:pt>
                 <c:pt idx="78">
-                  <c:v>0.74634528601380601</c:v>
+                  <c:v>0.78948057371710001</c:v>
                 </c:pt>
                 <c:pt idx="79">
-                  <c:v>-0.290008059806317</c:v>
+                  <c:v>-0.25565660921675099</c:v>
                 </c:pt>
                 <c:pt idx="80">
-                  <c:v>0.35426841465641501</c:v>
+                  <c:v>0.18213689759349699</c:v>
                 </c:pt>
                 <c:pt idx="81">
-                  <c:v>-0.42676317269276098</c:v>
+                  <c:v>-0.33488725699189997</c:v>
                 </c:pt>
                 <c:pt idx="82">
-                  <c:v>0.54575814116904897</c:v>
+                  <c:v>0.54200418972658504</c:v>
                 </c:pt>
                 <c:pt idx="83">
-                  <c:v>0.30829051283334002</c:v>
+                  <c:v>0.76882515839921906</c:v>
                 </c:pt>
                 <c:pt idx="84">
-                  <c:v>-0.25422720561623002</c:v>
+                  <c:v>-0.34281225232868301</c:v>
                 </c:pt>
                 <c:pt idx="85">
-                  <c:v>0.14410839338814899</c:v>
+                  <c:v>0.23236128335554501</c:v>
                 </c:pt>
                 <c:pt idx="86">
-                  <c:v>-0.18909490426873801</c:v>
+                  <c:v>9.1791506767850098E-2</c:v>
                 </c:pt>
                 <c:pt idx="87">
-                  <c:v>-0.433254453824374</c:v>
+                  <c:v>-0.199712904139275</c:v>
                 </c:pt>
                 <c:pt idx="88">
-                  <c:v>-0.76362748483734799</c:v>
+                  <c:v>-0.78366734679512196</c:v>
                 </c:pt>
                 <c:pt idx="89">
-                  <c:v>-0.32685200384466401</c:v>
+                  <c:v>-9.3369499186070001E-2</c:v>
                 </c:pt>
                 <c:pt idx="90">
-                  <c:v>-0.259460837878843</c:v>
+                  <c:v>-0.52666502837415796</c:v>
                 </c:pt>
                 <c:pt idx="91">
-                  <c:v>-0.31418533569080298</c:v>
+                  <c:v>-0.50386276681040099</c:v>
                 </c:pt>
                 <c:pt idx="92">
-                  <c:v>0.35663145819206399</c:v>
+                  <c:v>0.29328454032275197</c:v>
                 </c:pt>
                 <c:pt idx="93">
-                  <c:v>0.143176301345044</c:v>
+                  <c:v>0.21175984755187199</c:v>
                 </c:pt>
                 <c:pt idx="94">
-                  <c:v>5.80156129091111E-2</c:v>
+                  <c:v>0.123194327204525</c:v>
                 </c:pt>
                 <c:pt idx="95">
-                  <c:v>0.62883451068861196</c:v>
+                  <c:v>0.85535970695226604</c:v>
                 </c:pt>
                 <c:pt idx="96">
-                  <c:v>-0.41591094169930998</c:v>
+                  <c:v>-0.38984077466832001</c:v>
                 </c:pt>
                 <c:pt idx="97">
-                  <c:v>2.07386732877309E-3</c:v>
+                  <c:v>0.269424787491717</c:v>
                 </c:pt>
                 <c:pt idx="98">
-                  <c:v>0.257426647629385</c:v>
+                  <c:v>8.8029685188831405E-2</c:v>
                 </c:pt>
                 <c:pt idx="99">
-                  <c:v>0.752357615023449</c:v>
+                  <c:v>0.68766532767477195</c:v>
                 </c:pt>
                 <c:pt idx="100">
-                  <c:v>-0.121539829899001</c:v>
+                  <c:v>-0.119346752526665</c:v>
                 </c:pt>
                 <c:pt idx="101">
-                  <c:v>-0.50621889381073204</c:v>
+                  <c:v>-0.14804282956231399</c:v>
                 </c:pt>
                 <c:pt idx="102">
-                  <c:v>0.66153374319388702</c:v>
+                  <c:v>0.47348939956471903</c:v>
                 </c:pt>
                 <c:pt idx="103">
-                  <c:v>-8.0281876861376097E-2</c:v>
+                  <c:v>-3.2085249920153103E-2</c:v>
                 </c:pt>
                 <c:pt idx="104">
-                  <c:v>-0.72972079503619802</c:v>
+                  <c:v>-0.24345156910246801</c:v>
                 </c:pt>
                 <c:pt idx="105">
-                  <c:v>-3.26288614697808E-2</c:v>
+                  <c:v>-8.8434838783612704E-2</c:v>
                 </c:pt>
                 <c:pt idx="106">
-                  <c:v>4.4071467929037302E-2</c:v>
+                  <c:v>-0.162154110687183</c:v>
                 </c:pt>
                 <c:pt idx="107">
-                  <c:v>-4.7404970964117998E-2</c:v>
+                  <c:v>0.17863891287248099</c:v>
                 </c:pt>
                 <c:pt idx="108">
-                  <c:v>0.35911198754635698</c:v>
+                  <c:v>0.127056917958495</c:v>
                 </c:pt>
                 <c:pt idx="109">
-                  <c:v>-0.22272516367211301</c:v>
+                  <c:v>-0.19713225671124601</c:v>
                 </c:pt>
                 <c:pt idx="110">
-                  <c:v>0.88827760682498902</c:v>
+                  <c:v>0.458465736861633</c:v>
                 </c:pt>
                 <c:pt idx="111">
-                  <c:v>0.76347489042337302</c:v>
+                  <c:v>0.49307938370804399</c:v>
                 </c:pt>
                 <c:pt idx="112">
-                  <c:v>0.183415031401363</c:v>
+                  <c:v>0.35361945887728702</c:v>
                 </c:pt>
                 <c:pt idx="113">
-                  <c:v>1.22060143988445E-2</c:v>
+                  <c:v>3.2400156267694498E-2</c:v>
                 </c:pt>
                 <c:pt idx="114">
-                  <c:v>0.12914759824764099</c:v>
+                  <c:v>9.9928355053153894E-2</c:v>
                 </c:pt>
                 <c:pt idx="115">
-                  <c:v>0.58098584481420901</c:v>
+                  <c:v>0.45315872580233602</c:v>
                 </c:pt>
                 <c:pt idx="116">
-                  <c:v>-0.54293718127096602</c:v>
+                  <c:v>-0.45751104210855997</c:v>
                 </c:pt>
                 <c:pt idx="117">
-                  <c:v>0.73673476310838004</c:v>
+                  <c:v>0.63208222843339301</c:v>
                 </c:pt>
                 <c:pt idx="118">
-                  <c:v>0.22229908823715999</c:v>
+                  <c:v>0.39238787772820699</c:v>
                 </c:pt>
                 <c:pt idx="119">
-                  <c:v>0.93202156427058602</c:v>
+                  <c:v>0.79709300183124099</c:v>
                 </c:pt>
                 <c:pt idx="120">
-                  <c:v>-0.87086387519772301</c:v>
+                  <c:v>-0.93625797844054903</c:v>
                 </c:pt>
                 <c:pt idx="121">
-                  <c:v>-0.57423510415128698</c:v>
+                  <c:v>-0.300621281292136</c:v>
                 </c:pt>
                 <c:pt idx="122">
-                  <c:v>1.21724286941041</c:v>
+                  <c:v>0.79002474187138505</c:v>
                 </c:pt>
                 <c:pt idx="123">
-                  <c:v>0.24104556456342799</c:v>
+                  <c:v>-5.34029691001165E-2</c:v>
                 </c:pt>
                 <c:pt idx="124">
-                  <c:v>-2.4098951526750798</c:v>
+                  <c:v>-1.9513800838887401</c:v>
                 </c:pt>
                 <c:pt idx="125">
-                  <c:v>0.15603986549096099</c:v>
+                  <c:v>-8.4935391269459995E-2</c:v>
                 </c:pt>
                 <c:pt idx="126">
-                  <c:v>0.76871045174449204</c:v>
+                  <c:v>0.705421958821289</c:v>
                 </c:pt>
                 <c:pt idx="127">
-                  <c:v>0.49246058156084999</c:v>
+                  <c:v>7.3074451084170294E-2</c:v>
                 </c:pt>
                 <c:pt idx="128">
-                  <c:v>-0.57411905104148897</c:v>
+                  <c:v>-0.54106136116069803</c:v>
                 </c:pt>
                 <c:pt idx="129">
-                  <c:v>1.0233809222427399</c:v>
+                  <c:v>0.958021826511954</c:v>
                 </c:pt>
                 <c:pt idx="130">
-                  <c:v>-1.56531160399544</c:v>
+                  <c:v>-1.44710532233065</c:v>
                 </c:pt>
                 <c:pt idx="131">
-                  <c:v>-1.5085335845433401</c:v>
+                  <c:v>-1.52856650259492</c:v>
                 </c:pt>
                 <c:pt idx="132">
-                  <c:v>-1.88948591096518</c:v>
+                  <c:v>-1.9411798920747301</c:v>
                 </c:pt>
                 <c:pt idx="133">
-                  <c:v>0.74403619966101298</c:v>
+                  <c:v>0.62228899752992395</c:v>
                 </c:pt>
                 <c:pt idx="134">
-                  <c:v>-0.939751211561897</c:v>
+                  <c:v>-0.55932621212534905</c:v>
                 </c:pt>
                 <c:pt idx="135">
-                  <c:v>1.32271473786989</c:v>
+                  <c:v>1.7451686107722</c:v>
                 </c:pt>
                 <c:pt idx="136">
-                  <c:v>-0.40038414525240801</c:v>
+                  <c:v>-0.177520015814458</c:v>
                 </c:pt>
                 <c:pt idx="137">
-                  <c:v>1.5589688840595299</c:v>
+                  <c:v>1.3752605328385099</c:v>
                 </c:pt>
                 <c:pt idx="138">
-                  <c:v>-0.13056614431073399</c:v>
+                  <c:v>-7.7818694214209699E-2</c:v>
                 </c:pt>
                 <c:pt idx="139">
-                  <c:v>1.8107255059918601</c:v>
+                  <c:v>1.5190775009191599</c:v>
                 </c:pt>
                 <c:pt idx="140">
-                  <c:v>2.1537822987130601E-2</c:v>
+                  <c:v>0.17512839027484101</c:v>
                 </c:pt>
                 <c:pt idx="141">
-                  <c:v>0.68968157468731695</c:v>
+                  <c:v>0.78588053054059603</c:v>
                 </c:pt>
                 <c:pt idx="142">
-                  <c:v>-0.224318544434435</c:v>
+                  <c:v>-0.25533102418470799</c:v>
                 </c:pt>
                 <c:pt idx="143">
-                  <c:v>0.74931332228821201</c:v>
+                  <c:v>0.50693320065837499</c:v>
                 </c:pt>
                 <c:pt idx="144">
-                  <c:v>-0.82024700748930102</c:v>
+                  <c:v>-0.809879497899476</c:v>
                 </c:pt>
                 <c:pt idx="145">
-                  <c:v>1.3516157412043499</c:v>
+                  <c:v>1.1721666071280299</c:v>
                 </c:pt>
                 <c:pt idx="146">
-                  <c:v>-0.59700459862284605</c:v>
+                  <c:v>-0.64255394947730105</c:v>
                 </c:pt>
                 <c:pt idx="147">
-                  <c:v>0.81258836283656499</c:v>
+                  <c:v>0.50453366316750403</c:v>
                 </c:pt>
                 <c:pt idx="148">
-                  <c:v>-1.34113876062093</c:v>
+                  <c:v>-1.5250772127729599</c:v>
                 </c:pt>
                 <c:pt idx="149">
-                  <c:v>-8.9975207200834705E-3</c:v>
+                  <c:v>-0.119842225173472</c:v>
                 </c:pt>
                 <c:pt idx="150">
-                  <c:v>0.25898536135081401</c:v>
+                  <c:v>0.13808958345630601</c:v>
                 </c:pt>
                 <c:pt idx="151">
-                  <c:v>-1.2904553255126301</c:v>
+                  <c:v>-1.47755510157852</c:v>
                 </c:pt>
                 <c:pt idx="152">
-                  <c:v>0.60905643964594702</c:v>
+                  <c:v>0.91291090213026604</c:v>
                 </c:pt>
                 <c:pt idx="153">
-                  <c:v>0.64857465359306898</c:v>
+                  <c:v>0.42666567472530198</c:v>
                 </c:pt>
                 <c:pt idx="154">
-                  <c:v>0.70381410937417499</c:v>
+                  <c:v>0.81191716986052698</c:v>
                 </c:pt>
                 <c:pt idx="155">
-                  <c:v>0.626181272315257</c:v>
+                  <c:v>0.64164802564169798</c:v>
                 </c:pt>
                 <c:pt idx="156">
-                  <c:v>0.74100231378746695</c:v>
+                  <c:v>0.50015896201552101</c:v>
                 </c:pt>
                 <c:pt idx="157">
-                  <c:v>-8.4174649342119906E-2</c:v>
+                  <c:v>5.2223465275059403E-2</c:v>
                 </c:pt>
                 <c:pt idx="158">
-                  <c:v>0.170231696385019</c:v>
+                  <c:v>0.14059214151368499</c:v>
                 </c:pt>
                 <c:pt idx="159">
-                  <c:v>-3.2153906873071202E-2</c:v>
+                  <c:v>-9.5777977293921901E-2</c:v>
                 </c:pt>
                 <c:pt idx="160">
-                  <c:v>1.24449981121542</c:v>
+                  <c:v>1.1968307911054801</c:v>
                 </c:pt>
                 <c:pt idx="161">
-                  <c:v>-0.47711388478910699</c:v>
+                  <c:v>-0.24665632907532001</c:v>
                 </c:pt>
                 <c:pt idx="162">
-                  <c:v>0.46082497696227098</c:v>
+                  <c:v>0.15208235452768401</c:v>
                 </c:pt>
                 <c:pt idx="163">
-                  <c:v>7.8752683225060099E-2</c:v>
+                  <c:v>0.29563081818444298</c:v>
                 </c:pt>
                 <c:pt idx="164">
-                  <c:v>-0.16806825838671599</c:v>
+                  <c:v>-0.311814127577064</c:v>
                 </c:pt>
                 <c:pt idx="165">
-                  <c:v>0.20188283407591401</c:v>
+                  <c:v>0.33859005469911801</c:v>
                 </c:pt>
                 <c:pt idx="166">
-                  <c:v>0.21887384758943301</c:v>
+                  <c:v>0.12765617290963499</c:v>
                 </c:pt>
                 <c:pt idx="167">
-                  <c:v>0.30275681821509598</c:v>
+                  <c:v>6.3066511243844506E-2</c:v>
                 </c:pt>
                 <c:pt idx="168">
-                  <c:v>-1.02125914310437</c:v>
+                  <c:v>-0.82460712233304101</c:v>
                 </c:pt>
                 <c:pt idx="169">
-                  <c:v>-0.213684578301265</c:v>
+                  <c:v>-7.4061435244542104E-2</c:v>
                 </c:pt>
                 <c:pt idx="170">
-                  <c:v>-0.41318244586737002</c:v>
+                  <c:v>-0.26037028660399503</c:v>
                 </c:pt>
                 <c:pt idx="171">
-                  <c:v>0.74492598766742701</c:v>
+                  <c:v>0.79327459558283897</c:v>
                 </c:pt>
                 <c:pt idx="172">
-                  <c:v>-0.70717874484832499</c:v>
+                  <c:v>-0.61101559991798604</c:v>
                 </c:pt>
                 <c:pt idx="173">
-                  <c:v>0.56718361700927</c:v>
+                  <c:v>0.64877904374351603</c:v>
                 </c:pt>
                 <c:pt idx="174">
-                  <c:v>0.34715540705356202</c:v>
+                  <c:v>0.332940421291541</c:v>
                 </c:pt>
                 <c:pt idx="175">
-                  <c:v>0.13883579389458001</c:v>
+                  <c:v>0.42170746926973202</c:v>
                 </c:pt>
                 <c:pt idx="176">
-                  <c:v>0.60898296541916397</c:v>
+                  <c:v>0.60468975117083001</c:v>
                 </c:pt>
                 <c:pt idx="177">
-                  <c:v>0.27959773177076702</c:v>
+                  <c:v>0.31606365660880098</c:v>
                 </c:pt>
                 <c:pt idx="178">
-                  <c:v>0.43009369106001999</c:v>
+                  <c:v>0.49020876114751599</c:v>
                 </c:pt>
                 <c:pt idx="179">
-                  <c:v>-0.29001267983721402</c:v>
+                  <c:v>-0.29894875957967199</c:v>
                 </c:pt>
                 <c:pt idx="180">
-                  <c:v>0.93496751353157204</c:v>
+                  <c:v>0.62374501583269404</c:v>
                 </c:pt>
                 <c:pt idx="181">
-                  <c:v>4.9796178121275098E-2</c:v>
+                  <c:v>6.3783134974500902E-2</c:v>
                 </c:pt>
                 <c:pt idx="182">
-                  <c:v>0.48571860817273799</c:v>
+                  <c:v>0.36127448649041599</c:v>
                 </c:pt>
                 <c:pt idx="183">
-                  <c:v>0.17495464404579</c:v>
+                  <c:v>6.6601432780792294E-2</c:v>
                 </c:pt>
                 <c:pt idx="184">
-                  <c:v>-1.6691148013855099</c:v>
+                  <c:v>-1.5834948248323</c:v>
                 </c:pt>
                 <c:pt idx="185">
-                  <c:v>-8.1123390003284404E-2</c:v>
+                  <c:v>-7.7816525692521496E-2</c:v>
                 </c:pt>
                 <c:pt idx="186">
-                  <c:v>0.90531960062768002</c:v>
+                  <c:v>1.03094109464797</c:v>
                 </c:pt>
                 <c:pt idx="187">
-                  <c:v>2.6232336014891899</c:v>
+                  <c:v>2.3159959904582701</c:v>
                 </c:pt>
                 <c:pt idx="188">
-                  <c:v>0.59835838624489801</c:v>
+                  <c:v>0.55889940174431396</c:v>
                 </c:pt>
                 <c:pt idx="189">
-                  <c:v>0.59398076432132796</c:v>
+                  <c:v>0.56438036618246601</c:v>
                 </c:pt>
                 <c:pt idx="190">
-                  <c:v>1.14615884703218</c:v>
+                  <c:v>1.0468659347791101</c:v>
                 </c:pt>
                 <c:pt idx="191">
-                  <c:v>-0.85520906435296495</c:v>
+                  <c:v>-0.41120493380259399</c:v>
                 </c:pt>
                 <c:pt idx="192">
-                  <c:v>-0.23764494473605999</c:v>
+                  <c:v>-0.218388603840278</c:v>
                 </c:pt>
                 <c:pt idx="193">
-                  <c:v>-0.65795962106508199</c:v>
+                  <c:v>-0.81485012374968602</c:v>
                 </c:pt>
                 <c:pt idx="194">
-                  <c:v>-0.58284877052690698</c:v>
+                  <c:v>-0.69532534291006498</c:v>
                 </c:pt>
                 <c:pt idx="195">
-                  <c:v>0.70498034689244204</c:v>
+                  <c:v>0.66121949295633198</c:v>
                 </c:pt>
                 <c:pt idx="196">
-                  <c:v>0.33405527377045702</c:v>
+                  <c:v>0.38039807740255499</c:v>
                 </c:pt>
                 <c:pt idx="197">
-                  <c:v>-0.22442548354231801</c:v>
+                  <c:v>-0.14964413031773</c:v>
                 </c:pt>
                 <c:pt idx="198">
-                  <c:v>2.1373512423199698E-2</c:v>
+                  <c:v>0.12387145700110801</c:v>
                 </c:pt>
                 <c:pt idx="199">
-                  <c:v>0.49180255825821201</c:v>
+                  <c:v>0.52008405167633198</c:v>
                 </c:pt>
                 <c:pt idx="200">
-                  <c:v>4.9636497549531297E-2</c:v>
+                  <c:v>-1.3171698848273999E-3</c:v>
                 </c:pt>
                 <c:pt idx="201">
-                  <c:v>0.74385143548063803</c:v>
+                  <c:v>0.508166068618367</c:v>
                 </c:pt>
                 <c:pt idx="202">
-                  <c:v>-0.196350475182375</c:v>
+                  <c:v>-9.01100923055978E-2</c:v>
                 </c:pt>
                 <c:pt idx="203">
-                  <c:v>0.69322235903234997</c:v>
+                  <c:v>0.72992926381253398</c:v>
                 </c:pt>
                 <c:pt idx="204">
-                  <c:v>-0.1735561942752</c:v>
+                  <c:v>-0.17116802361469299</c:v>
                 </c:pt>
                 <c:pt idx="205">
-                  <c:v>0.64375443754308403</c:v>
+                  <c:v>0.68163570399908102</c:v>
                 </c:pt>
                 <c:pt idx="206">
-                  <c:v>-0.50817967331357605</c:v>
+                  <c:v>-0.60611542755706405</c:v>
                 </c:pt>
                 <c:pt idx="207">
-                  <c:v>3.0647244108985599E-2</c:v>
+                  <c:v>-0.31426584187024698</c:v>
                 </c:pt>
                 <c:pt idx="208">
-                  <c:v>0.57949781223739805</c:v>
+                  <c:v>0.64500792561699705</c:v>
                 </c:pt>
                 <c:pt idx="209">
-                  <c:v>-0.37222902616316</c:v>
+                  <c:v>-0.45230216069922102</c:v>
                 </c:pt>
                 <c:pt idx="210">
-                  <c:v>0.78236248934591202</c:v>
+                  <c:v>0.58923018882992995</c:v>
                 </c:pt>
                 <c:pt idx="211">
-                  <c:v>-0.34231723413889298</c:v>
+                  <c:v>-0.18019794764175401</c:v>
                 </c:pt>
                 <c:pt idx="212">
-                  <c:v>-2.3776399319912702</c:v>
+                  <c:v>-2.4326038239229102</c:v>
                 </c:pt>
                 <c:pt idx="213">
-                  <c:v>-4.0625628167235799E-2</c:v>
+                  <c:v>-0.135999954418592</c:v>
                 </c:pt>
                 <c:pt idx="214">
-                  <c:v>0.68720235825909604</c:v>
+                  <c:v>0.84746233578123398</c:v>
                 </c:pt>
                 <c:pt idx="215">
-                  <c:v>0.26386602939898701</c:v>
+                  <c:v>0.247480086538994</c:v>
                 </c:pt>
                 <c:pt idx="216">
-                  <c:v>1.0290955551702401</c:v>
+                  <c:v>0.93424385354804695</c:v>
                 </c:pt>
                 <c:pt idx="217">
-                  <c:v>-1.0564164641664999</c:v>
+                  <c:v>-0.88526256437374695</c:v>
                 </c:pt>
                 <c:pt idx="218">
-                  <c:v>-0.89519276165769701</c:v>
+                  <c:v>-0.92542538771328497</c:v>
                 </c:pt>
                 <c:pt idx="219">
-                  <c:v>-0.46549020633232102</c:v>
+                  <c:v>-0.37624896941496799</c:v>
                 </c:pt>
                 <c:pt idx="220">
-                  <c:v>-0.470946392029782</c:v>
+                  <c:v>-8.8603295963413695E-2</c:v>
                 </c:pt>
                 <c:pt idx="221">
-                  <c:v>1.3736170807999699</c:v>
+                  <c:v>1.31833922617862</c:v>
                 </c:pt>
                 <c:pt idx="222">
-                  <c:v>-1.06158288006867</c:v>
+                  <c:v>-1.0480897572008001</c:v>
                 </c:pt>
                 <c:pt idx="223">
-                  <c:v>-1.33234378300162</c:v>
+                  <c:v>-1.1006880322305701</c:v>
                 </c:pt>
                 <c:pt idx="224">
-                  <c:v>9.7066029784812893E-2</c:v>
+                  <c:v>-0.116347337980124</c:v>
                 </c:pt>
                 <c:pt idx="225">
-                  <c:v>1.1991708446349001</c:v>
+                  <c:v>1.4038702519973201</c:v>
                 </c:pt>
                 <c:pt idx="226">
-                  <c:v>-0.13303233937009101</c:v>
+                  <c:v>-6.0866688944396299E-2</c:v>
                 </c:pt>
                 <c:pt idx="227">
-                  <c:v>0.82318358352197196</c:v>
+                  <c:v>0.69701374196417198</c:v>
                 </c:pt>
                 <c:pt idx="228">
-                  <c:v>0.57511718065588602</c:v>
+                  <c:v>0.89960981747304403</c:v>
                 </c:pt>
                 <c:pt idx="229">
-                  <c:v>0.47539792038626699</c:v>
+                  <c:v>0.36751550599747801</c:v>
                 </c:pt>
                 <c:pt idx="230">
-                  <c:v>3.04052707682337E-2</c:v>
+                  <c:v>0.39833320971225</c:v>
                 </c:pt>
                 <c:pt idx="231">
-                  <c:v>-0.29221180207765601</c:v>
+                  <c:v>-0.210912151100352</c:v>
                 </c:pt>
                 <c:pt idx="232">
-                  <c:v>-0.69398000824688799</c:v>
+                  <c:v>-1.02931804850577</c:v>
                 </c:pt>
                 <c:pt idx="233">
-                  <c:v>0.31022602545567601</c:v>
+                  <c:v>0.65666059541293698</c:v>
                 </c:pt>
                 <c:pt idx="234">
-                  <c:v>-0.38962091715743002</c:v>
+                  <c:v>-0.19690099638655201</c:v>
                 </c:pt>
                 <c:pt idx="235">
-                  <c:v>0.50897223817938397</c:v>
+                  <c:v>0.65553823184817706</c:v>
                 </c:pt>
                 <c:pt idx="236">
-                  <c:v>-0.26506006304025498</c:v>
+                  <c:v>-0.38795022285265202</c:v>
                 </c:pt>
                 <c:pt idx="237">
-                  <c:v>-0.75485237941037497</c:v>
+                  <c:v>-0.55462079725176905</c:v>
                 </c:pt>
                 <c:pt idx="238">
-                  <c:v>0.57377672397423995</c:v>
+                  <c:v>0.63299657845270696</c:v>
                 </c:pt>
                 <c:pt idx="239">
-                  <c:v>-5.8314059496633201E-2</c:v>
+                  <c:v>0.35354829397585802</c:v>
                 </c:pt>
                 <c:pt idx="240">
-                  <c:v>-4.1269724687361398E-2</c:v>
+                  <c:v>-9.3062306197116695E-2</c:v>
                 </c:pt>
                 <c:pt idx="241">
-                  <c:v>-0.27105078801068799</c:v>
+                  <c:v>-0.407105714679106</c:v>
                 </c:pt>
                 <c:pt idx="242">
-                  <c:v>0.17081716008102901</c:v>
+                  <c:v>0.324830456610393</c:v>
                 </c:pt>
                 <c:pt idx="243">
-                  <c:v>-0.23707280233236599</c:v>
+                  <c:v>-0.282115014523312</c:v>
                 </c:pt>
                 <c:pt idx="244">
-                  <c:v>0.12020858204078599</c:v>
+                  <c:v>0.18690295445740299</c:v>
                 </c:pt>
                 <c:pt idx="245">
-                  <c:v>0.73225873981592104</c:v>
+                  <c:v>0.99084037325281404</c:v>
                 </c:pt>
                 <c:pt idx="246">
-                  <c:v>0.18442207027374299</c:v>
+                  <c:v>5.5345638943602601E-2</c:v>
                 </c:pt>
                 <c:pt idx="247">
-                  <c:v>-0.70418166877738997</c:v>
+                  <c:v>-0.566524008471327</c:v>
                 </c:pt>
                 <c:pt idx="248">
-                  <c:v>-1.71954967631388</c:v>
+                  <c:v>-1.6470012472034199</c:v>
                 </c:pt>
                 <c:pt idx="249">
-                  <c:v>-0.366989918029409</c:v>
+                  <c:v>-0.48803211517655098</c:v>
                 </c:pt>
                 <c:pt idx="250">
-                  <c:v>-0.89252020491109896</c:v>
+                  <c:v>-0.99722026317398904</c:v>
                 </c:pt>
                 <c:pt idx="251">
-                  <c:v>-3.9979858471079099E-2</c:v>
+                  <c:v>0.14099471969453201</c:v>
                 </c:pt>
                 <c:pt idx="252">
-                  <c:v>-1.15249882833657</c:v>
+                  <c:v>-1.22878701354376</c:v>
                 </c:pt>
                 <c:pt idx="253">
-                  <c:v>1.0017784675641701</c:v>
+                  <c:v>0.97657526855408605</c:v>
                 </c:pt>
                 <c:pt idx="254">
-                  <c:v>-1.4526777316226001</c:v>
+                  <c:v>-1.4522911468979001</c:v>
                 </c:pt>
                 <c:pt idx="255">
-                  <c:v>-0.63720227286981301</c:v>
+                  <c:v>-0.49275563087894297</c:v>
                 </c:pt>
                 <c:pt idx="256">
-                  <c:v>0.684780602503541</c:v>
+                  <c:v>0.94669955156998298</c:v>
                 </c:pt>
                 <c:pt idx="257">
-                  <c:v>-1.4888338159268499</c:v>
+                  <c:v>-1.49718034117083</c:v>
                 </c:pt>
                 <c:pt idx="258">
-                  <c:v>-2.5153588250382901</c:v>
+                  <c:v>-2.5018886953836401</c:v>
                 </c:pt>
                 <c:pt idx="259">
-                  <c:v>-1.1910028841710101</c:v>
+                  <c:v>-1.28806753425987</c:v>
                 </c:pt>
                 <c:pt idx="260">
-                  <c:v>1.6950410017889801</c:v>
+                  <c:v>1.5489762311587001</c:v>
                 </c:pt>
                 <c:pt idx="261">
-                  <c:v>0.45640484321233499</c:v>
+                  <c:v>0.626397787120897</c:v>
                 </c:pt>
                 <c:pt idx="262">
-                  <c:v>-0.878809925393084</c:v>
+                  <c:v>-1.0031864449402901</c:v>
                 </c:pt>
                 <c:pt idx="263">
-                  <c:v>1.03252269024992</c:v>
+                  <c:v>1.04321898831118</c:v>
                 </c:pt>
                 <c:pt idx="264">
-                  <c:v>-0.126695659254113</c:v>
+                  <c:v>-0.14605576743516799</c:v>
                 </c:pt>
                 <c:pt idx="265">
-                  <c:v>0.51340025318418503</c:v>
+                  <c:v>0.43321088271595698</c:v>
                 </c:pt>
                 <c:pt idx="266">
-                  <c:v>1.85990051262844</c:v>
+                  <c:v>1.5674737604122799</c:v>
                 </c:pt>
                 <c:pt idx="267">
-                  <c:v>0.33574935946646101</c:v>
+                  <c:v>0.10757396123638099</c:v>
                 </c:pt>
                 <c:pt idx="268">
-                  <c:v>-1.0536752530614499</c:v>
+                  <c:v>-1.1949837599877999</c:v>
                 </c:pt>
                 <c:pt idx="269">
-                  <c:v>-0.44537357602737399</c:v>
+                  <c:v>-0.35481718148352898</c:v>
                 </c:pt>
                 <c:pt idx="270">
-                  <c:v>-1.4899505203410599</c:v>
+                  <c:v>-1.5274648428053701</c:v>
                 </c:pt>
                 <c:pt idx="271">
-                  <c:v>0.20825039002821499</c:v>
+                  <c:v>-3.7245256963336901E-2</c:v>
                 </c:pt>
                 <c:pt idx="272">
-                  <c:v>0.344282548171848</c:v>
+                  <c:v>0.195375644049887</c:v>
                 </c:pt>
                 <c:pt idx="273">
-                  <c:v>0.67660123315265797</c:v>
+                  <c:v>0.70074402509893496</c:v>
                 </c:pt>
                 <c:pt idx="274">
-                  <c:v>-3.6780182282587899</c:v>
+                  <c:v>-3.4507024500596599</c:v>
                 </c:pt>
                 <c:pt idx="275">
-                  <c:v>-3.81753793965248</c:v>
+                  <c:v>-3.8003558273101601</c:v>
                 </c:pt>
                 <c:pt idx="276">
-                  <c:v>2.1442020031780699E-2</c:v>
+                  <c:v>-3.9925628980486801E-2</c:v>
                 </c:pt>
                 <c:pt idx="277">
-                  <c:v>-1.3532395441310601</c:v>
+                  <c:v>-1.3782492556364101</c:v>
                 </c:pt>
                 <c:pt idx="278">
-                  <c:v>7.4732074010670102</c:v>
+                  <c:v>7.3694864404702001</c:v>
                 </c:pt>
                 <c:pt idx="279">
-                  <c:v>-2.47741061762689</c:v>
+                  <c:v>-2.8935905470055698</c:v>
                 </c:pt>
                 <c:pt idx="280">
-                  <c:v>0.79266772906041505</c:v>
+                  <c:v>1.2954907232970201</c:v>
                 </c:pt>
                 <c:pt idx="281">
-                  <c:v>0.36485177880484898</c:v>
+                  <c:v>0.56149308117130203</c:v>
                 </c:pt>
                 <c:pt idx="282">
-                  <c:v>-5.3822225201384799E-2</c:v>
+                  <c:v>-1.25402210416042E-2</c:v>
                 </c:pt>
                 <c:pt idx="283">
-                  <c:v>-1.45086643013196</c:v>
+                  <c:v>-1.4430262961375799</c:v>
                 </c:pt>
                 <c:pt idx="284">
-                  <c:v>0.312134759215494</c:v>
+                  <c:v>0.100401231138424</c:v>
                 </c:pt>
                 <c:pt idx="285">
-                  <c:v>-1.27297725968158</c:v>
+                  <c:v>-1.2847793369022</c:v>
                 </c:pt>
                 <c:pt idx="286">
-                  <c:v>1.6072734250992999</c:v>
+                  <c:v>1.7539985721862601</c:v>
                 </c:pt>
                 <c:pt idx="287">
-                  <c:v>1.2631875276459399</c:v>
+                  <c:v>1.2670957334277999</c:v>
                 </c:pt>
                 <c:pt idx="288">
-                  <c:v>1.8951756803258799</c:v>
+                  <c:v>1.60092014144112</c:v>
                 </c:pt>
                 <c:pt idx="289">
-                  <c:v>0.105213659678609</c:v>
+                  <c:v>0.100577639595225</c:v>
                 </c:pt>
                 <c:pt idx="290">
-                  <c:v>0.28421040406969</c:v>
+                  <c:v>0.36235596959705402</c:v>
                 </c:pt>
                 <c:pt idx="291">
-                  <c:v>-0.35645893208226898</c:v>
+                  <c:v>-0.158271058160038</c:v>
                 </c:pt>
                 <c:pt idx="292">
-                  <c:v>0.60584080862558098</c:v>
+                  <c:v>0.29677345568345798</c:v>
                 </c:pt>
                 <c:pt idx="293">
-                  <c:v>0.91971546824296901</c:v>
+                  <c:v>1.03549990999106</c:v>
                 </c:pt>
                 <c:pt idx="294">
-                  <c:v>-1.0191304284275899</c:v>
+                  <c:v>-0.59423398344581602</c:v>
                 </c:pt>
                 <c:pt idx="295">
-                  <c:v>-0.27030323838602899</c:v>
+                  <c:v>-0.92892287811902197</c:v>
                 </c:pt>
                 <c:pt idx="296">
-                  <c:v>0.47857239310796501</c:v>
+                  <c:v>0.43264218423144701</c:v>
                 </c:pt>
                 <c:pt idx="297">
-                  <c:v>1.05856888708873</c:v>
+                  <c:v>0.85786277029951896</c:v>
                 </c:pt>
                 <c:pt idx="298">
-                  <c:v>6.0709469959810497E-2</c:v>
+                  <c:v>-7.8150885815211305E-2</c:v>
                 </c:pt>
               </c:numCache>
             </c:numRef>
@@ -5957,7 +5872,7 @@
           <c:smooth val="0"/>
           <c:extLst>
             <c:ext xmlns:c16="http://schemas.microsoft.com/office/drawing/2014/chart" uri="{C3380CC4-5D6E-409C-BE32-E72D297353CC}">
-              <c16:uniqueId val="{00000000-D80E-F044-9B39-BE10ADB080AE}"/>
+              <c16:uniqueId val="{00000000-A1BD-3E49-9BE0-45EA0D2CD764}"/>
             </c:ext>
           </c:extLst>
         </c:ser>
@@ -5966,7 +5881,7 @@
           <c:order val="1"/>
           <c:tx>
             <c:strRef>
-              <c:f>ARKK_ARKF_CORN_DBC_EWS_EWT_HYG_!$D$1</c:f>
+              <c:f>ARKK_CORN_EWS_HYG_QQQ_SPY_VUG_f!$D$1</c:f>
               <c:strCache>
                 <c:ptCount val="1"/>
                 <c:pt idx="0">
@@ -5989,7 +5904,7 @@
           </c:marker>
           <c:cat>
             <c:numRef>
-              <c:f>ARKK_ARKF_CORN_DBC_EWS_EWT_HYG_!$A$2:$A$300</c:f>
+              <c:f>ARKK_CORN_EWS_HYG_QQQ_SPY_VUG_f!$A$2:$A$300</c:f>
               <c:numCache>
                 <c:formatCode>m/d/yy</c:formatCode>
                 <c:ptCount val="299"/>
@@ -6895,7 +6810,7 @@
           </c:cat>
           <c:val>
             <c:numRef>
-              <c:f>ARKK_ARKF_CORN_DBC_EWS_EWT_HYG_!$D$2:$D$300</c:f>
+              <c:f>ARKK_CORN_EWS_HYG_QQQ_SPY_VUG_f!$D$2:$D$300</c:f>
               <c:numCache>
                 <c:formatCode>General</c:formatCode>
                 <c:ptCount val="299"/>
@@ -7802,7 +7717,7 @@
           <c:smooth val="0"/>
           <c:extLst>
             <c:ext xmlns:c16="http://schemas.microsoft.com/office/drawing/2014/chart" uri="{C3380CC4-5D6E-409C-BE32-E72D297353CC}">
-              <c16:uniqueId val="{00000001-D80E-F044-9B39-BE10ADB080AE}"/>
+              <c16:uniqueId val="{00000001-A1BD-3E49-9BE0-45EA0D2CD764}"/>
             </c:ext>
           </c:extLst>
         </c:ser>
@@ -7815,11 +7730,11 @@
           <c:showBubbleSize val="0"/>
         </c:dLbls>
         <c:smooth val="0"/>
-        <c:axId val="1043683504"/>
-        <c:axId val="1043758176"/>
+        <c:axId val="1042884416"/>
+        <c:axId val="1042886128"/>
       </c:lineChart>
       <c:dateAx>
-        <c:axId val="1043683504"/>
+        <c:axId val="1042884416"/>
         <c:scaling>
           <c:orientation val="minMax"/>
         </c:scaling>
@@ -7862,14 +7777,14 @@
             <a:endParaRPr lang="en-US"/>
           </a:p>
         </c:txPr>
-        <c:crossAx val="1043758176"/>
+        <c:crossAx val="1042886128"/>
         <c:crosses val="autoZero"/>
         <c:auto val="1"/>
         <c:lblOffset val="100"/>
         <c:baseTimeUnit val="days"/>
       </c:dateAx>
       <c:valAx>
-        <c:axId val="1043758176"/>
+        <c:axId val="1042886128"/>
         <c:scaling>
           <c:orientation val="minMax"/>
         </c:scaling>
@@ -7920,7 +7835,7 @@
             <a:endParaRPr lang="en-US"/>
           </a:p>
         </c:txPr>
-        <c:crossAx val="1043683504"/>
+        <c:crossAx val="1042884416"/>
         <c:crosses val="autoZero"/>
         <c:crossBetween val="between"/>
       </c:valAx>
@@ -13017,14 +12932,14 @@
           <p:nvPr>
             <p:extLst>
               <p:ext uri="{D42A27DB-BD31-4B8C-83A1-F6EECF244321}">
-                <p14:modId xmlns:p14="http://schemas.microsoft.com/office/powerpoint/2010/main" val="295487937"/>
+                <p14:modId xmlns:p14="http://schemas.microsoft.com/office/powerpoint/2010/main" val="253907289"/>
               </p:ext>
             </p:extLst>
           </p:nvPr>
         </p:nvGraphicFramePr>
         <p:xfrm>
           <a:off x="424346" y="1818226"/>
-          <a:ext cx="11338710" cy="3510378"/>
+          <a:ext cx="9011114" cy="3510378"/>
         </p:xfrm>
         <a:graphic>
           <a:graphicData uri="http://schemas.openxmlformats.org/drawingml/2006/table">
@@ -13098,20 +13013,6 @@
                   <a:extLst>
                     <a:ext uri="{9D8B030D-6E8A-4147-A177-3AD203B41FA5}">
                       <a16:colId xmlns:a16="http://schemas.microsoft.com/office/drawing/2014/main" val="3391978843"/>
-                    </a:ext>
-                  </a:extLst>
-                </a:gridCol>
-                <a:gridCol w="1184623">
-                  <a:extLst>
-                    <a:ext uri="{9D8B030D-6E8A-4147-A177-3AD203B41FA5}">
-                      <a16:colId xmlns:a16="http://schemas.microsoft.com/office/drawing/2014/main" val="1772320905"/>
-                    </a:ext>
-                  </a:extLst>
-                </a:gridCol>
-                <a:gridCol w="1142973">
-                  <a:extLst>
-                    <a:ext uri="{9D8B030D-6E8A-4147-A177-3AD203B41FA5}">
-                      <a16:colId xmlns:a16="http://schemas.microsoft.com/office/drawing/2014/main" val="3366541401"/>
                     </a:ext>
                   </a:extLst>
                 </a:gridCol>
@@ -13273,82 +13174,6 @@
                   </a:txBody>
                   <a:tcPr/>
                 </a:tc>
-                <a:tc gridSpan="2">
-                  <a:txBody>
-                    <a:bodyPr/>
-                    <a:lstStyle/>
-                    <a:p>
-                      <a:pPr algn="ctr" fontAlgn="b">
-                        <a:buNone/>
-                      </a:pPr>
-                      <a:r>
-                        <a:rPr lang="en-US" sz="2200" b="0" i="0" u="none" strike="noStrike">
-                          <a:solidFill>
-                            <a:srgbClr val="000000"/>
-                          </a:solidFill>
-                          <a:effectLst/>
-                          <a:latin typeface="Aptos Narrow" panose="020B0004020202020204" pitchFamily="34" charset="0"/>
-                        </a:rPr>
-                        <a:t>Selected Fators</a:t>
-                      </a:r>
-                      <a:endParaRPr lang="en-US" sz="3400" b="0" i="0" u="none" strike="noStrike">
-                        <a:effectLst/>
-                        <a:latin typeface="Arial" panose="020B0604020202020204" pitchFamily="34" charset="0"/>
-                      </a:endParaRPr>
-                    </a:p>
-                  </a:txBody>
-                  <a:tcPr marL="171357" marR="171357" marT="85678" marB="85678">
-                    <a:lnL w="6350" cap="flat" cmpd="sng" algn="ctr">
-                      <a:solidFill>
-                        <a:srgbClr val="000000"/>
-                      </a:solidFill>
-                      <a:prstDash val="solid"/>
-                      <a:round/>
-                      <a:headEnd type="none" w="med" len="med"/>
-                      <a:tailEnd type="none" w="med" len="med"/>
-                    </a:lnL>
-                    <a:lnR w="6350" cap="flat" cmpd="sng" algn="ctr">
-                      <a:solidFill>
-                        <a:srgbClr val="000000"/>
-                      </a:solidFill>
-                      <a:prstDash val="solid"/>
-                      <a:round/>
-                      <a:headEnd type="none" w="med" len="med"/>
-                      <a:tailEnd type="none" w="med" len="med"/>
-                    </a:lnR>
-                    <a:lnT w="6350" cap="flat" cmpd="sng" algn="ctr">
-                      <a:solidFill>
-                        <a:srgbClr val="000000"/>
-                      </a:solidFill>
-                      <a:prstDash val="solid"/>
-                      <a:round/>
-                      <a:headEnd type="none" w="med" len="med"/>
-                      <a:tailEnd type="none" w="med" len="med"/>
-                    </a:lnT>
-                    <a:lnB w="6350" cap="flat" cmpd="sng" algn="ctr">
-                      <a:solidFill>
-                        <a:srgbClr val="000000"/>
-                      </a:solidFill>
-                      <a:prstDash val="solid"/>
-                      <a:round/>
-                      <a:headEnd type="none" w="med" len="med"/>
-                      <a:tailEnd type="none" w="med" len="med"/>
-                    </a:lnB>
-                    <a:solidFill>
-                      <a:srgbClr val="C0E6F5"/>
-                    </a:solidFill>
-                  </a:tcPr>
-                </a:tc>
-                <a:tc hMerge="1">
-                  <a:txBody>
-                    <a:bodyPr/>
-                    <a:lstStyle/>
-                    <a:p>
-                      <a:endParaRPr lang="en-US"/>
-                    </a:p>
-                  </a:txBody>
-                  <a:tcPr/>
-                </a:tc>
                 <a:extLst>
                   <a:ext uri="{0D108BD9-81ED-4DB2-BD59-A6C34878D82A}">
                     <a16:rowId xmlns:a16="http://schemas.microsoft.com/office/drawing/2014/main" val="1830041993"/>
@@ -14013,138 +13838,6 @@
                     </a:lnB>
                     <a:solidFill>
                       <a:srgbClr val="B5E6A2"/>
-                    </a:solidFill>
-                  </a:tcPr>
-                </a:tc>
-                <a:tc>
-                  <a:txBody>
-                    <a:bodyPr/>
-                    <a:lstStyle/>
-                    <a:p>
-                      <a:pPr algn="l" fontAlgn="b">
-                        <a:buNone/>
-                      </a:pPr>
-                      <a:r>
-                        <a:rPr lang="en-US" sz="2200" b="0" i="0" u="none" strike="noStrike">
-                          <a:solidFill>
-                            <a:srgbClr val="000000"/>
-                          </a:solidFill>
-                          <a:effectLst/>
-                          <a:latin typeface="Aptos Narrow" panose="020B0004020202020204" pitchFamily="34" charset="0"/>
-                        </a:rPr>
-                        <a:t>ARKK</a:t>
-                      </a:r>
-                      <a:endParaRPr lang="en-US" sz="3400" b="0" i="0" u="none" strike="noStrike">
-                        <a:effectLst/>
-                        <a:latin typeface="Arial" panose="020B0604020202020204" pitchFamily="34" charset="0"/>
-                      </a:endParaRPr>
-                    </a:p>
-                  </a:txBody>
-                  <a:tcPr marL="17850" marR="17850" marT="17850" marB="0" anchor="b">
-                    <a:lnL w="6350" cap="flat" cmpd="sng" algn="ctr">
-                      <a:solidFill>
-                        <a:srgbClr val="000000"/>
-                      </a:solidFill>
-                      <a:prstDash val="solid"/>
-                      <a:round/>
-                      <a:headEnd type="none" w="med" len="med"/>
-                      <a:tailEnd type="none" w="med" len="med"/>
-                    </a:lnL>
-                    <a:lnR w="6350" cap="flat" cmpd="sng" algn="ctr">
-                      <a:solidFill>
-                        <a:srgbClr val="000000"/>
-                      </a:solidFill>
-                      <a:prstDash val="solid"/>
-                      <a:round/>
-                      <a:headEnd type="none" w="med" len="med"/>
-                      <a:tailEnd type="none" w="med" len="med"/>
-                    </a:lnR>
-                    <a:lnT w="6350" cap="flat" cmpd="sng" algn="ctr">
-                      <a:solidFill>
-                        <a:srgbClr val="000000"/>
-                      </a:solidFill>
-                      <a:prstDash val="solid"/>
-                      <a:round/>
-                      <a:headEnd type="none" w="med" len="med"/>
-                      <a:tailEnd type="none" w="med" len="med"/>
-                    </a:lnT>
-                    <a:lnB w="6350" cap="flat" cmpd="sng" algn="ctr">
-                      <a:solidFill>
-                        <a:srgbClr val="000000"/>
-                      </a:solidFill>
-                      <a:prstDash val="solid"/>
-                      <a:round/>
-                      <a:headEnd type="none" w="med" len="med"/>
-                      <a:tailEnd type="none" w="med" len="med"/>
-                    </a:lnB>
-                    <a:solidFill>
-                      <a:srgbClr val="C0E6F5"/>
-                    </a:solidFill>
-                  </a:tcPr>
-                </a:tc>
-                <a:tc>
-                  <a:txBody>
-                    <a:bodyPr/>
-                    <a:lstStyle/>
-                    <a:p>
-                      <a:pPr algn="l" fontAlgn="b">
-                        <a:buNone/>
-                      </a:pPr>
-                      <a:r>
-                        <a:rPr lang="en-US" sz="2200" b="0" i="0" u="none" strike="noStrike">
-                          <a:solidFill>
-                            <a:srgbClr val="000000"/>
-                          </a:solidFill>
-                          <a:effectLst/>
-                          <a:latin typeface="Aptos Narrow" panose="020B0004020202020204" pitchFamily="34" charset="0"/>
-                        </a:rPr>
-                        <a:t>ARKF</a:t>
-                      </a:r>
-                      <a:endParaRPr lang="en-US" sz="3400" b="0" i="0" u="none" strike="noStrike">
-                        <a:effectLst/>
-                        <a:latin typeface="Arial" panose="020B0604020202020204" pitchFamily="34" charset="0"/>
-                      </a:endParaRPr>
-                    </a:p>
-                  </a:txBody>
-                  <a:tcPr marL="17850" marR="17850" marT="17850" marB="0" anchor="b">
-                    <a:lnL w="6350" cap="flat" cmpd="sng" algn="ctr">
-                      <a:solidFill>
-                        <a:srgbClr val="000000"/>
-                      </a:solidFill>
-                      <a:prstDash val="solid"/>
-                      <a:round/>
-                      <a:headEnd type="none" w="med" len="med"/>
-                      <a:tailEnd type="none" w="med" len="med"/>
-                    </a:lnL>
-                    <a:lnR w="6350" cap="flat" cmpd="sng" algn="ctr">
-                      <a:solidFill>
-                        <a:srgbClr val="000000"/>
-                      </a:solidFill>
-                      <a:prstDash val="solid"/>
-                      <a:round/>
-                      <a:headEnd type="none" w="med" len="med"/>
-                      <a:tailEnd type="none" w="med" len="med"/>
-                    </a:lnR>
-                    <a:lnT w="6350" cap="flat" cmpd="sng" algn="ctr">
-                      <a:solidFill>
-                        <a:srgbClr val="000000"/>
-                      </a:solidFill>
-                      <a:prstDash val="solid"/>
-                      <a:round/>
-                      <a:headEnd type="none" w="med" len="med"/>
-                      <a:tailEnd type="none" w="med" len="med"/>
-                    </a:lnT>
-                    <a:lnB w="6350" cap="flat" cmpd="sng" algn="ctr">
-                      <a:solidFill>
-                        <a:srgbClr val="000000"/>
-                      </a:solidFill>
-                      <a:prstDash val="solid"/>
-                      <a:round/>
-                      <a:headEnd type="none" w="med" len="med"/>
-                      <a:tailEnd type="none" w="med" len="med"/>
-                    </a:lnB>
-                    <a:solidFill>
-                      <a:srgbClr val="C0E6F5"/>
                     </a:solidFill>
                   </a:tcPr>
                 </a:tc>
@@ -14815,138 +14508,6 @@
                     </a:solidFill>
                   </a:tcPr>
                 </a:tc>
-                <a:tc>
-                  <a:txBody>
-                    <a:bodyPr/>
-                    <a:lstStyle/>
-                    <a:p>
-                      <a:pPr algn="l" fontAlgn="b">
-                        <a:buNone/>
-                      </a:pPr>
-                      <a:r>
-                        <a:rPr lang="en-US" sz="2200" b="0" i="0" u="none" strike="noStrike">
-                          <a:solidFill>
-                            <a:srgbClr val="000000"/>
-                          </a:solidFill>
-                          <a:effectLst/>
-                          <a:latin typeface="Aptos Narrow" panose="020B0004020202020204" pitchFamily="34" charset="0"/>
-                        </a:rPr>
-                        <a:t>CORN</a:t>
-                      </a:r>
-                      <a:endParaRPr lang="en-US" sz="3400" b="0" i="0" u="none" strike="noStrike">
-                        <a:effectLst/>
-                        <a:latin typeface="Arial" panose="020B0604020202020204" pitchFamily="34" charset="0"/>
-                      </a:endParaRPr>
-                    </a:p>
-                  </a:txBody>
-                  <a:tcPr marL="17850" marR="17850" marT="17850" marB="0" anchor="b">
-                    <a:lnL w="6350" cap="flat" cmpd="sng" algn="ctr">
-                      <a:solidFill>
-                        <a:srgbClr val="000000"/>
-                      </a:solidFill>
-                      <a:prstDash val="solid"/>
-                      <a:round/>
-                      <a:headEnd type="none" w="med" len="med"/>
-                      <a:tailEnd type="none" w="med" len="med"/>
-                    </a:lnL>
-                    <a:lnR w="6350" cap="flat" cmpd="sng" algn="ctr">
-                      <a:solidFill>
-                        <a:srgbClr val="000000"/>
-                      </a:solidFill>
-                      <a:prstDash val="solid"/>
-                      <a:round/>
-                      <a:headEnd type="none" w="med" len="med"/>
-                      <a:tailEnd type="none" w="med" len="med"/>
-                    </a:lnR>
-                    <a:lnT w="6350" cap="flat" cmpd="sng" algn="ctr">
-                      <a:solidFill>
-                        <a:srgbClr val="000000"/>
-                      </a:solidFill>
-                      <a:prstDash val="solid"/>
-                      <a:round/>
-                      <a:headEnd type="none" w="med" len="med"/>
-                      <a:tailEnd type="none" w="med" len="med"/>
-                    </a:lnT>
-                    <a:lnB w="6350" cap="flat" cmpd="sng" algn="ctr">
-                      <a:solidFill>
-                        <a:srgbClr val="000000"/>
-                      </a:solidFill>
-                      <a:prstDash val="solid"/>
-                      <a:round/>
-                      <a:headEnd type="none" w="med" len="med"/>
-                      <a:tailEnd type="none" w="med" len="med"/>
-                    </a:lnB>
-                    <a:solidFill>
-                      <a:srgbClr val="C0E6F5"/>
-                    </a:solidFill>
-                  </a:tcPr>
-                </a:tc>
-                <a:tc>
-                  <a:txBody>
-                    <a:bodyPr/>
-                    <a:lstStyle/>
-                    <a:p>
-                      <a:pPr algn="l" fontAlgn="b">
-                        <a:buNone/>
-                      </a:pPr>
-                      <a:r>
-                        <a:rPr lang="en-US" sz="2200" b="0" i="0" u="none" strike="noStrike">
-                          <a:solidFill>
-                            <a:srgbClr val="000000"/>
-                          </a:solidFill>
-                          <a:effectLst/>
-                          <a:latin typeface="Aptos Narrow" panose="020B0004020202020204" pitchFamily="34" charset="0"/>
-                        </a:rPr>
-                        <a:t>DBC</a:t>
-                      </a:r>
-                      <a:endParaRPr lang="en-US" sz="3400" b="0" i="0" u="none" strike="noStrike">
-                        <a:effectLst/>
-                        <a:latin typeface="Arial" panose="020B0604020202020204" pitchFamily="34" charset="0"/>
-                      </a:endParaRPr>
-                    </a:p>
-                  </a:txBody>
-                  <a:tcPr marL="17850" marR="17850" marT="17850" marB="0" anchor="b">
-                    <a:lnL w="6350" cap="flat" cmpd="sng" algn="ctr">
-                      <a:solidFill>
-                        <a:srgbClr val="000000"/>
-                      </a:solidFill>
-                      <a:prstDash val="solid"/>
-                      <a:round/>
-                      <a:headEnd type="none" w="med" len="med"/>
-                      <a:tailEnd type="none" w="med" len="med"/>
-                    </a:lnL>
-                    <a:lnR w="6350" cap="flat" cmpd="sng" algn="ctr">
-                      <a:solidFill>
-                        <a:srgbClr val="000000"/>
-                      </a:solidFill>
-                      <a:prstDash val="solid"/>
-                      <a:round/>
-                      <a:headEnd type="none" w="med" len="med"/>
-                      <a:tailEnd type="none" w="med" len="med"/>
-                    </a:lnR>
-                    <a:lnT w="6350" cap="flat" cmpd="sng" algn="ctr">
-                      <a:solidFill>
-                        <a:srgbClr val="000000"/>
-                      </a:solidFill>
-                      <a:prstDash val="solid"/>
-                      <a:round/>
-                      <a:headEnd type="none" w="med" len="med"/>
-                      <a:tailEnd type="none" w="med" len="med"/>
-                    </a:lnT>
-                    <a:lnB w="6350" cap="flat" cmpd="sng" algn="ctr">
-                      <a:solidFill>
-                        <a:srgbClr val="000000"/>
-                      </a:solidFill>
-                      <a:prstDash val="solid"/>
-                      <a:round/>
-                      <a:headEnd type="none" w="med" len="med"/>
-                      <a:tailEnd type="none" w="med" len="med"/>
-                    </a:lnB>
-                    <a:solidFill>
-                      <a:srgbClr val="C0E6F5"/>
-                    </a:solidFill>
-                  </a:tcPr>
-                </a:tc>
                 <a:extLst>
                   <a:ext uri="{0D108BD9-81ED-4DB2-BD59-A6C34878D82A}">
                     <a16:rowId xmlns:a16="http://schemas.microsoft.com/office/drawing/2014/main" val="1477377643"/>
@@ -15611,138 +15172,6 @@
                     </a:lnB>
                     <a:solidFill>
                       <a:srgbClr val="B5E6A2"/>
-                    </a:solidFill>
-                  </a:tcPr>
-                </a:tc>
-                <a:tc>
-                  <a:txBody>
-                    <a:bodyPr/>
-                    <a:lstStyle/>
-                    <a:p>
-                      <a:pPr algn="l" fontAlgn="b">
-                        <a:buNone/>
-                      </a:pPr>
-                      <a:r>
-                        <a:rPr lang="en-US" sz="2200" b="0" i="0" u="none" strike="noStrike">
-                          <a:solidFill>
-                            <a:srgbClr val="000000"/>
-                          </a:solidFill>
-                          <a:effectLst/>
-                          <a:latin typeface="Aptos Narrow" panose="020B0004020202020204" pitchFamily="34" charset="0"/>
-                        </a:rPr>
-                        <a:t>EWS</a:t>
-                      </a:r>
-                      <a:endParaRPr lang="en-US" sz="3400" b="0" i="0" u="none" strike="noStrike">
-                        <a:effectLst/>
-                        <a:latin typeface="Arial" panose="020B0604020202020204" pitchFamily="34" charset="0"/>
-                      </a:endParaRPr>
-                    </a:p>
-                  </a:txBody>
-                  <a:tcPr marL="17850" marR="17850" marT="17850" marB="0" anchor="b">
-                    <a:lnL w="6350" cap="flat" cmpd="sng" algn="ctr">
-                      <a:solidFill>
-                        <a:srgbClr val="000000"/>
-                      </a:solidFill>
-                      <a:prstDash val="solid"/>
-                      <a:round/>
-                      <a:headEnd type="none" w="med" len="med"/>
-                      <a:tailEnd type="none" w="med" len="med"/>
-                    </a:lnL>
-                    <a:lnR w="6350" cap="flat" cmpd="sng" algn="ctr">
-                      <a:solidFill>
-                        <a:srgbClr val="000000"/>
-                      </a:solidFill>
-                      <a:prstDash val="solid"/>
-                      <a:round/>
-                      <a:headEnd type="none" w="med" len="med"/>
-                      <a:tailEnd type="none" w="med" len="med"/>
-                    </a:lnR>
-                    <a:lnT w="6350" cap="flat" cmpd="sng" algn="ctr">
-                      <a:solidFill>
-                        <a:srgbClr val="000000"/>
-                      </a:solidFill>
-                      <a:prstDash val="solid"/>
-                      <a:round/>
-                      <a:headEnd type="none" w="med" len="med"/>
-                      <a:tailEnd type="none" w="med" len="med"/>
-                    </a:lnT>
-                    <a:lnB w="6350" cap="flat" cmpd="sng" algn="ctr">
-                      <a:solidFill>
-                        <a:srgbClr val="000000"/>
-                      </a:solidFill>
-                      <a:prstDash val="solid"/>
-                      <a:round/>
-                      <a:headEnd type="none" w="med" len="med"/>
-                      <a:tailEnd type="none" w="med" len="med"/>
-                    </a:lnB>
-                    <a:solidFill>
-                      <a:srgbClr val="C0E6F5"/>
-                    </a:solidFill>
-                  </a:tcPr>
-                </a:tc>
-                <a:tc>
-                  <a:txBody>
-                    <a:bodyPr/>
-                    <a:lstStyle/>
-                    <a:p>
-                      <a:pPr algn="l" fontAlgn="b">
-                        <a:buNone/>
-                      </a:pPr>
-                      <a:r>
-                        <a:rPr lang="en-US" sz="2200" b="0" i="0" u="none" strike="noStrike">
-                          <a:solidFill>
-                            <a:srgbClr val="000000"/>
-                          </a:solidFill>
-                          <a:effectLst/>
-                          <a:latin typeface="Aptos Narrow" panose="020B0004020202020204" pitchFamily="34" charset="0"/>
-                        </a:rPr>
-                        <a:t>EWT</a:t>
-                      </a:r>
-                      <a:endParaRPr lang="en-US" sz="3400" b="0" i="0" u="none" strike="noStrike">
-                        <a:effectLst/>
-                        <a:latin typeface="Arial" panose="020B0604020202020204" pitchFamily="34" charset="0"/>
-                      </a:endParaRPr>
-                    </a:p>
-                  </a:txBody>
-                  <a:tcPr marL="17850" marR="17850" marT="17850" marB="0" anchor="b">
-                    <a:lnL w="6350" cap="flat" cmpd="sng" algn="ctr">
-                      <a:solidFill>
-                        <a:srgbClr val="000000"/>
-                      </a:solidFill>
-                      <a:prstDash val="solid"/>
-                      <a:round/>
-                      <a:headEnd type="none" w="med" len="med"/>
-                      <a:tailEnd type="none" w="med" len="med"/>
-                    </a:lnL>
-                    <a:lnR w="6350" cap="flat" cmpd="sng" algn="ctr">
-                      <a:solidFill>
-                        <a:srgbClr val="000000"/>
-                      </a:solidFill>
-                      <a:prstDash val="solid"/>
-                      <a:round/>
-                      <a:headEnd type="none" w="med" len="med"/>
-                      <a:tailEnd type="none" w="med" len="med"/>
-                    </a:lnR>
-                    <a:lnT w="6350" cap="flat" cmpd="sng" algn="ctr">
-                      <a:solidFill>
-                        <a:srgbClr val="000000"/>
-                      </a:solidFill>
-                      <a:prstDash val="solid"/>
-                      <a:round/>
-                      <a:headEnd type="none" w="med" len="med"/>
-                      <a:tailEnd type="none" w="med" len="med"/>
-                    </a:lnT>
-                    <a:lnB w="6350" cap="flat" cmpd="sng" algn="ctr">
-                      <a:solidFill>
-                        <a:srgbClr val="000000"/>
-                      </a:solidFill>
-                      <a:prstDash val="solid"/>
-                      <a:round/>
-                      <a:headEnd type="none" w="med" len="med"/>
-                      <a:tailEnd type="none" w="med" len="med"/>
-                    </a:lnB>
-                    <a:solidFill>
-                      <a:srgbClr val="C0E6F5"/>
                     </a:solidFill>
                   </a:tcPr>
                 </a:tc>
@@ -16413,138 +15842,6 @@
                     </a:solidFill>
                   </a:tcPr>
                 </a:tc>
-                <a:tc>
-                  <a:txBody>
-                    <a:bodyPr/>
-                    <a:lstStyle/>
-                    <a:p>
-                      <a:pPr algn="l" fontAlgn="b">
-                        <a:buNone/>
-                      </a:pPr>
-                      <a:r>
-                        <a:rPr lang="en-US" sz="2200" b="0" i="0" u="none" strike="noStrike">
-                          <a:solidFill>
-                            <a:srgbClr val="000000"/>
-                          </a:solidFill>
-                          <a:effectLst/>
-                          <a:latin typeface="Aptos Narrow" panose="020B0004020202020204" pitchFamily="34" charset="0"/>
-                        </a:rPr>
-                        <a:t>HYG</a:t>
-                      </a:r>
-                      <a:endParaRPr lang="en-US" sz="3400" b="0" i="0" u="none" strike="noStrike">
-                        <a:effectLst/>
-                        <a:latin typeface="Arial" panose="020B0604020202020204" pitchFamily="34" charset="0"/>
-                      </a:endParaRPr>
-                    </a:p>
-                  </a:txBody>
-                  <a:tcPr marL="17850" marR="17850" marT="17850" marB="0" anchor="b">
-                    <a:lnL w="6350" cap="flat" cmpd="sng" algn="ctr">
-                      <a:solidFill>
-                        <a:srgbClr val="000000"/>
-                      </a:solidFill>
-                      <a:prstDash val="solid"/>
-                      <a:round/>
-                      <a:headEnd type="none" w="med" len="med"/>
-                      <a:tailEnd type="none" w="med" len="med"/>
-                    </a:lnL>
-                    <a:lnR w="6350" cap="flat" cmpd="sng" algn="ctr">
-                      <a:solidFill>
-                        <a:srgbClr val="000000"/>
-                      </a:solidFill>
-                      <a:prstDash val="solid"/>
-                      <a:round/>
-                      <a:headEnd type="none" w="med" len="med"/>
-                      <a:tailEnd type="none" w="med" len="med"/>
-                    </a:lnR>
-                    <a:lnT w="6350" cap="flat" cmpd="sng" algn="ctr">
-                      <a:solidFill>
-                        <a:srgbClr val="000000"/>
-                      </a:solidFill>
-                      <a:prstDash val="solid"/>
-                      <a:round/>
-                      <a:headEnd type="none" w="med" len="med"/>
-                      <a:tailEnd type="none" w="med" len="med"/>
-                    </a:lnT>
-                    <a:lnB w="6350" cap="flat" cmpd="sng" algn="ctr">
-                      <a:solidFill>
-                        <a:srgbClr val="000000"/>
-                      </a:solidFill>
-                      <a:prstDash val="solid"/>
-                      <a:round/>
-                      <a:headEnd type="none" w="med" len="med"/>
-                      <a:tailEnd type="none" w="med" len="med"/>
-                    </a:lnB>
-                    <a:solidFill>
-                      <a:srgbClr val="C0E6F5"/>
-                    </a:solidFill>
-                  </a:tcPr>
-                </a:tc>
-                <a:tc>
-                  <a:txBody>
-                    <a:bodyPr/>
-                    <a:lstStyle/>
-                    <a:p>
-                      <a:pPr algn="l" fontAlgn="b">
-                        <a:buNone/>
-                      </a:pPr>
-                      <a:r>
-                        <a:rPr lang="en-US" sz="2200" b="0" i="0" u="none" strike="noStrike">
-                          <a:solidFill>
-                            <a:srgbClr val="000000"/>
-                          </a:solidFill>
-                          <a:effectLst/>
-                          <a:latin typeface="Aptos Narrow" panose="020B0004020202020204" pitchFamily="34" charset="0"/>
-                        </a:rPr>
-                        <a:t>IBB</a:t>
-                      </a:r>
-                      <a:endParaRPr lang="en-US" sz="3400" b="0" i="0" u="none" strike="noStrike">
-                        <a:effectLst/>
-                        <a:latin typeface="Arial" panose="020B0604020202020204" pitchFamily="34" charset="0"/>
-                      </a:endParaRPr>
-                    </a:p>
-                  </a:txBody>
-                  <a:tcPr marL="17850" marR="17850" marT="17850" marB="0" anchor="b">
-                    <a:lnL w="6350" cap="flat" cmpd="sng" algn="ctr">
-                      <a:solidFill>
-                        <a:srgbClr val="000000"/>
-                      </a:solidFill>
-                      <a:prstDash val="solid"/>
-                      <a:round/>
-                      <a:headEnd type="none" w="med" len="med"/>
-                      <a:tailEnd type="none" w="med" len="med"/>
-                    </a:lnL>
-                    <a:lnR w="6350" cap="flat" cmpd="sng" algn="ctr">
-                      <a:solidFill>
-                        <a:srgbClr val="000000"/>
-                      </a:solidFill>
-                      <a:prstDash val="solid"/>
-                      <a:round/>
-                      <a:headEnd type="none" w="med" len="med"/>
-                      <a:tailEnd type="none" w="med" len="med"/>
-                    </a:lnR>
-                    <a:lnT w="6350" cap="flat" cmpd="sng" algn="ctr">
-                      <a:solidFill>
-                        <a:srgbClr val="000000"/>
-                      </a:solidFill>
-                      <a:prstDash val="solid"/>
-                      <a:round/>
-                      <a:headEnd type="none" w="med" len="med"/>
-                      <a:tailEnd type="none" w="med" len="med"/>
-                    </a:lnT>
-                    <a:lnB w="6350" cap="flat" cmpd="sng" algn="ctr">
-                      <a:solidFill>
-                        <a:srgbClr val="000000"/>
-                      </a:solidFill>
-                      <a:prstDash val="solid"/>
-                      <a:round/>
-                      <a:headEnd type="none" w="med" len="med"/>
-                      <a:tailEnd type="none" w="med" len="med"/>
-                    </a:lnB>
-                    <a:solidFill>
-                      <a:srgbClr val="C0E6F5"/>
-                    </a:solidFill>
-                  </a:tcPr>
-                </a:tc>
                 <a:extLst>
                   <a:ext uri="{0D108BD9-81ED-4DB2-BD59-A6C34878D82A}">
                     <a16:rowId xmlns:a16="http://schemas.microsoft.com/office/drawing/2014/main" val="699100447"/>
@@ -17209,138 +16506,6 @@
                     </a:lnB>
                     <a:solidFill>
                       <a:srgbClr val="B5E6A2"/>
-                    </a:solidFill>
-                  </a:tcPr>
-                </a:tc>
-                <a:tc>
-                  <a:txBody>
-                    <a:bodyPr/>
-                    <a:lstStyle/>
-                    <a:p>
-                      <a:pPr algn="l" fontAlgn="b">
-                        <a:buNone/>
-                      </a:pPr>
-                      <a:r>
-                        <a:rPr lang="en-US" sz="2200" b="0" i="0" u="none" strike="noStrike">
-                          <a:solidFill>
-                            <a:srgbClr val="000000"/>
-                          </a:solidFill>
-                          <a:effectLst/>
-                          <a:latin typeface="Aptos Narrow" panose="020B0004020202020204" pitchFamily="34" charset="0"/>
-                        </a:rPr>
-                        <a:t>QQQ</a:t>
-                      </a:r>
-                      <a:endParaRPr lang="en-US" sz="3400" b="0" i="0" u="none" strike="noStrike">
-                        <a:effectLst/>
-                        <a:latin typeface="Arial" panose="020B0604020202020204" pitchFamily="34" charset="0"/>
-                      </a:endParaRPr>
-                    </a:p>
-                  </a:txBody>
-                  <a:tcPr marL="17850" marR="17850" marT="17850" marB="0" anchor="b">
-                    <a:lnL w="6350" cap="flat" cmpd="sng" algn="ctr">
-                      <a:solidFill>
-                        <a:srgbClr val="000000"/>
-                      </a:solidFill>
-                      <a:prstDash val="solid"/>
-                      <a:round/>
-                      <a:headEnd type="none" w="med" len="med"/>
-                      <a:tailEnd type="none" w="med" len="med"/>
-                    </a:lnL>
-                    <a:lnR w="6350" cap="flat" cmpd="sng" algn="ctr">
-                      <a:solidFill>
-                        <a:srgbClr val="000000"/>
-                      </a:solidFill>
-                      <a:prstDash val="solid"/>
-                      <a:round/>
-                      <a:headEnd type="none" w="med" len="med"/>
-                      <a:tailEnd type="none" w="med" len="med"/>
-                    </a:lnR>
-                    <a:lnT w="6350" cap="flat" cmpd="sng" algn="ctr">
-                      <a:solidFill>
-                        <a:srgbClr val="000000"/>
-                      </a:solidFill>
-                      <a:prstDash val="solid"/>
-                      <a:round/>
-                      <a:headEnd type="none" w="med" len="med"/>
-                      <a:tailEnd type="none" w="med" len="med"/>
-                    </a:lnT>
-                    <a:lnB w="6350" cap="flat" cmpd="sng" algn="ctr">
-                      <a:solidFill>
-                        <a:srgbClr val="000000"/>
-                      </a:solidFill>
-                      <a:prstDash val="solid"/>
-                      <a:round/>
-                      <a:headEnd type="none" w="med" len="med"/>
-                      <a:tailEnd type="none" w="med" len="med"/>
-                    </a:lnB>
-                    <a:solidFill>
-                      <a:srgbClr val="C0E6F5"/>
-                    </a:solidFill>
-                  </a:tcPr>
-                </a:tc>
-                <a:tc>
-                  <a:txBody>
-                    <a:bodyPr/>
-                    <a:lstStyle/>
-                    <a:p>
-                      <a:pPr algn="l" fontAlgn="b">
-                        <a:buNone/>
-                      </a:pPr>
-                      <a:r>
-                        <a:rPr lang="en-US" sz="2200" b="0" i="0" u="none" strike="noStrike">
-                          <a:solidFill>
-                            <a:srgbClr val="000000"/>
-                          </a:solidFill>
-                          <a:effectLst/>
-                          <a:latin typeface="Aptos Narrow" panose="020B0004020202020204" pitchFamily="34" charset="0"/>
-                        </a:rPr>
-                        <a:t>MOAT</a:t>
-                      </a:r>
-                      <a:endParaRPr lang="en-US" sz="3400" b="0" i="0" u="none" strike="noStrike">
-                        <a:effectLst/>
-                        <a:latin typeface="Arial" panose="020B0604020202020204" pitchFamily="34" charset="0"/>
-                      </a:endParaRPr>
-                    </a:p>
-                  </a:txBody>
-                  <a:tcPr marL="17850" marR="17850" marT="17850" marB="0" anchor="b">
-                    <a:lnL w="6350" cap="flat" cmpd="sng" algn="ctr">
-                      <a:solidFill>
-                        <a:srgbClr val="000000"/>
-                      </a:solidFill>
-                      <a:prstDash val="solid"/>
-                      <a:round/>
-                      <a:headEnd type="none" w="med" len="med"/>
-                      <a:tailEnd type="none" w="med" len="med"/>
-                    </a:lnL>
-                    <a:lnR w="6350" cap="flat" cmpd="sng" algn="ctr">
-                      <a:solidFill>
-                        <a:srgbClr val="000000"/>
-                      </a:solidFill>
-                      <a:prstDash val="solid"/>
-                      <a:round/>
-                      <a:headEnd type="none" w="med" len="med"/>
-                      <a:tailEnd type="none" w="med" len="med"/>
-                    </a:lnR>
-                    <a:lnT w="6350" cap="flat" cmpd="sng" algn="ctr">
-                      <a:solidFill>
-                        <a:srgbClr val="000000"/>
-                      </a:solidFill>
-                      <a:prstDash val="solid"/>
-                      <a:round/>
-                      <a:headEnd type="none" w="med" len="med"/>
-                      <a:tailEnd type="none" w="med" len="med"/>
-                    </a:lnT>
-                    <a:lnB w="6350" cap="flat" cmpd="sng" algn="ctr">
-                      <a:solidFill>
-                        <a:srgbClr val="000000"/>
-                      </a:solidFill>
-                      <a:prstDash val="solid"/>
-                      <a:round/>
-                      <a:headEnd type="none" w="med" len="med"/>
-                      <a:tailEnd type="none" w="med" len="med"/>
-                    </a:lnB>
-                    <a:solidFill>
-                      <a:srgbClr val="C0E6F5"/>
                     </a:solidFill>
                   </a:tcPr>
                 </a:tc>
@@ -18011,138 +17176,6 @@
                     </a:solidFill>
                   </a:tcPr>
                 </a:tc>
-                <a:tc>
-                  <a:txBody>
-                    <a:bodyPr/>
-                    <a:lstStyle/>
-                    <a:p>
-                      <a:pPr algn="l" fontAlgn="b">
-                        <a:buNone/>
-                      </a:pPr>
-                      <a:r>
-                        <a:rPr lang="en-US" sz="2200" b="0" i="0" u="none" strike="noStrike">
-                          <a:solidFill>
-                            <a:srgbClr val="000000"/>
-                          </a:solidFill>
-                          <a:effectLst/>
-                          <a:latin typeface="Aptos Narrow" panose="020B0004020202020204" pitchFamily="34" charset="0"/>
-                        </a:rPr>
-                        <a:t>SPY</a:t>
-                      </a:r>
-                      <a:endParaRPr lang="en-US" sz="3400" b="0" i="0" u="none" strike="noStrike">
-                        <a:effectLst/>
-                        <a:latin typeface="Arial" panose="020B0604020202020204" pitchFamily="34" charset="0"/>
-                      </a:endParaRPr>
-                    </a:p>
-                  </a:txBody>
-                  <a:tcPr marL="17850" marR="17850" marT="17850" marB="0" anchor="b">
-                    <a:lnL w="6350" cap="flat" cmpd="sng" algn="ctr">
-                      <a:solidFill>
-                        <a:srgbClr val="000000"/>
-                      </a:solidFill>
-                      <a:prstDash val="solid"/>
-                      <a:round/>
-                      <a:headEnd type="none" w="med" len="med"/>
-                      <a:tailEnd type="none" w="med" len="med"/>
-                    </a:lnL>
-                    <a:lnR w="6350" cap="flat" cmpd="sng" algn="ctr">
-                      <a:solidFill>
-                        <a:srgbClr val="000000"/>
-                      </a:solidFill>
-                      <a:prstDash val="solid"/>
-                      <a:round/>
-                      <a:headEnd type="none" w="med" len="med"/>
-                      <a:tailEnd type="none" w="med" len="med"/>
-                    </a:lnR>
-                    <a:lnT w="6350" cap="flat" cmpd="sng" algn="ctr">
-                      <a:solidFill>
-                        <a:srgbClr val="000000"/>
-                      </a:solidFill>
-                      <a:prstDash val="solid"/>
-                      <a:round/>
-                      <a:headEnd type="none" w="med" len="med"/>
-                      <a:tailEnd type="none" w="med" len="med"/>
-                    </a:lnT>
-                    <a:lnB w="6350" cap="flat" cmpd="sng" algn="ctr">
-                      <a:solidFill>
-                        <a:srgbClr val="000000"/>
-                      </a:solidFill>
-                      <a:prstDash val="solid"/>
-                      <a:round/>
-                      <a:headEnd type="none" w="med" len="med"/>
-                      <a:tailEnd type="none" w="med" len="med"/>
-                    </a:lnB>
-                    <a:solidFill>
-                      <a:srgbClr val="C0E6F5"/>
-                    </a:solidFill>
-                  </a:tcPr>
-                </a:tc>
-                <a:tc>
-                  <a:txBody>
-                    <a:bodyPr/>
-                    <a:lstStyle/>
-                    <a:p>
-                      <a:pPr algn="l" fontAlgn="b">
-                        <a:buNone/>
-                      </a:pPr>
-                      <a:r>
-                        <a:rPr lang="en-US" sz="2200" b="0" i="0" u="none" strike="noStrike">
-                          <a:solidFill>
-                            <a:srgbClr val="000000"/>
-                          </a:solidFill>
-                          <a:effectLst/>
-                          <a:latin typeface="Aptos Narrow" panose="020B0004020202020204" pitchFamily="34" charset="0"/>
-                        </a:rPr>
-                        <a:t>VBR</a:t>
-                      </a:r>
-                      <a:endParaRPr lang="en-US" sz="3400" b="0" i="0" u="none" strike="noStrike">
-                        <a:effectLst/>
-                        <a:latin typeface="Arial" panose="020B0604020202020204" pitchFamily="34" charset="0"/>
-                      </a:endParaRPr>
-                    </a:p>
-                  </a:txBody>
-                  <a:tcPr marL="17850" marR="17850" marT="17850" marB="0" anchor="b">
-                    <a:lnL w="6350" cap="flat" cmpd="sng" algn="ctr">
-                      <a:solidFill>
-                        <a:srgbClr val="000000"/>
-                      </a:solidFill>
-                      <a:prstDash val="solid"/>
-                      <a:round/>
-                      <a:headEnd type="none" w="med" len="med"/>
-                      <a:tailEnd type="none" w="med" len="med"/>
-                    </a:lnL>
-                    <a:lnR w="6350" cap="flat" cmpd="sng" algn="ctr">
-                      <a:solidFill>
-                        <a:srgbClr val="000000"/>
-                      </a:solidFill>
-                      <a:prstDash val="solid"/>
-                      <a:round/>
-                      <a:headEnd type="none" w="med" len="med"/>
-                      <a:tailEnd type="none" w="med" len="med"/>
-                    </a:lnR>
-                    <a:lnT w="6350" cap="flat" cmpd="sng" algn="ctr">
-                      <a:solidFill>
-                        <a:srgbClr val="000000"/>
-                      </a:solidFill>
-                      <a:prstDash val="solid"/>
-                      <a:round/>
-                      <a:headEnd type="none" w="med" len="med"/>
-                      <a:tailEnd type="none" w="med" len="med"/>
-                    </a:lnT>
-                    <a:lnB w="6350" cap="flat" cmpd="sng" algn="ctr">
-                      <a:solidFill>
-                        <a:srgbClr val="000000"/>
-                      </a:solidFill>
-                      <a:prstDash val="solid"/>
-                      <a:round/>
-                      <a:headEnd type="none" w="med" len="med"/>
-                      <a:tailEnd type="none" w="med" len="med"/>
-                    </a:lnB>
-                    <a:solidFill>
-                      <a:srgbClr val="C0E6F5"/>
-                    </a:solidFill>
-                  </a:tcPr>
-                </a:tc>
                 <a:extLst>
                   <a:ext uri="{0D108BD9-81ED-4DB2-BD59-A6C34878D82A}">
                     <a16:rowId xmlns:a16="http://schemas.microsoft.com/office/drawing/2014/main" val="1775733606"/>
@@ -18753,7 +17786,7 @@
                         <a:buNone/>
                       </a:pPr>
                       <a:r>
-                        <a:rPr lang="en-US" sz="2200" b="0" i="0" u="none" strike="noStrike">
+                        <a:rPr lang="en-US" sz="2200" b="0" i="0" u="none" strike="noStrike" dirty="0">
                           <a:solidFill>
                             <a:srgbClr val="000000"/>
                           </a:solidFill>
@@ -18762,7 +17795,7 @@
                         </a:rPr>
                         <a:t>WEAT</a:t>
                       </a:r>
-                      <a:endParaRPr lang="en-US" sz="3400" b="0" i="0" u="none" strike="noStrike">
+                      <a:endParaRPr lang="en-US" sz="3400" b="0" i="0" u="none" strike="noStrike" dirty="0">
                         <a:effectLst/>
                         <a:latin typeface="Arial" panose="020B0604020202020204" pitchFamily="34" charset="0"/>
                       </a:endParaRPr>
@@ -18810,31 +17843,80 @@
                     </a:solidFill>
                   </a:tcPr>
                 </a:tc>
+                <a:extLst>
+                  <a:ext uri="{0D108BD9-81ED-4DB2-BD59-A6C34878D82A}">
+                    <a16:rowId xmlns:a16="http://schemas.microsoft.com/office/drawing/2014/main" val="3951457238"/>
+                  </a:ext>
+                </a:extLst>
+              </a:tr>
+            </a:tbl>
+          </a:graphicData>
+        </a:graphic>
+      </p:graphicFrame>
+      <p:graphicFrame>
+        <p:nvGraphicFramePr>
+          <p:cNvPr id="8" name="Table 7">
+            <a:extLst>
+              <a:ext uri="{FF2B5EF4-FFF2-40B4-BE49-F238E27FC236}">
+                <a16:creationId xmlns:a16="http://schemas.microsoft.com/office/drawing/2014/main" id="{2FFEC1AF-5D80-F960-4B1B-ADE7B8C922A5}"/>
+              </a:ext>
+            </a:extLst>
+          </p:cNvPr>
+          <p:cNvGraphicFramePr>
+            <a:graphicFrameLocks noGrp="1"/>
+          </p:cNvGraphicFramePr>
+          <p:nvPr>
+            <p:extLst>
+              <p:ext uri="{D42A27DB-BD31-4B8C-83A1-F6EECF244321}">
+                <p14:modId xmlns:p14="http://schemas.microsoft.com/office/powerpoint/2010/main" val="1831672486"/>
+              </p:ext>
+            </p:extLst>
+          </p:nvPr>
+        </p:nvGraphicFramePr>
+        <p:xfrm>
+          <a:off x="9435460" y="1803400"/>
+          <a:ext cx="2332194" cy="3510376"/>
+        </p:xfrm>
+        <a:graphic>
+          <a:graphicData uri="http://schemas.openxmlformats.org/drawingml/2006/table">
+            <a:tbl>
+              <a:tblPr/>
+              <a:tblGrid>
+                <a:gridCol w="1166097">
+                  <a:extLst>
+                    <a:ext uri="{9D8B030D-6E8A-4147-A177-3AD203B41FA5}">
+                      <a16:colId xmlns:a16="http://schemas.microsoft.com/office/drawing/2014/main" val="225265468"/>
+                    </a:ext>
+                  </a:extLst>
+                </a:gridCol>
+                <a:gridCol w="1166097">
+                  <a:extLst>
+                    <a:ext uri="{9D8B030D-6E8A-4147-A177-3AD203B41FA5}">
+                      <a16:colId xmlns:a16="http://schemas.microsoft.com/office/drawing/2014/main" val="4058401443"/>
+                    </a:ext>
+                  </a:extLst>
+                </a:gridCol>
+              </a:tblGrid>
+              <a:tr h="438797">
                 <a:tc>
                   <a:txBody>
                     <a:bodyPr/>
                     <a:lstStyle/>
                     <a:p>
-                      <a:pPr algn="l" fontAlgn="b">
-                        <a:buNone/>
-                      </a:pPr>
+                      <a:pPr algn="l" fontAlgn="ctr"/>
                       <a:r>
-                        <a:rPr lang="en-US" sz="2200" b="0" i="0" u="none" strike="noStrike">
+                        <a:rPr lang="en-US" sz="1200" b="0" i="0" u="none" strike="noStrike">
                           <a:solidFill>
                             <a:srgbClr val="000000"/>
                           </a:solidFill>
                           <a:effectLst/>
                           <a:latin typeface="Aptos Narrow" panose="020B0004020202020204" pitchFamily="34" charset="0"/>
                         </a:rPr>
-                        <a:t>VUG</a:t>
+                        <a:t>SELECTED</a:t>
                       </a:r>
-                      <a:endParaRPr lang="en-US" sz="3400" b="0" i="0" u="none" strike="noStrike">
-                        <a:effectLst/>
-                        <a:latin typeface="Arial" panose="020B0604020202020204" pitchFamily="34" charset="0"/>
-                      </a:endParaRPr>
                     </a:p>
                   </a:txBody>
-                  <a:tcPr marL="17850" marR="17850" marT="17850" marB="0" anchor="b">
+                  <a:tcPr marL="9525" marR="9525" marT="9525" marB="0" anchor="ctr">
                     <a:lnL w="6350" cap="flat" cmpd="sng" algn="ctr">
                       <a:solidFill>
                         <a:srgbClr val="000000"/>
@@ -18881,26 +17963,20 @@
                     <a:bodyPr/>
                     <a:lstStyle/>
                     <a:p>
-                      <a:pPr algn="l" fontAlgn="b">
-                        <a:buNone/>
-                      </a:pPr>
+                      <a:pPr algn="l" fontAlgn="ctr"/>
                       <a:r>
-                        <a:rPr lang="en-US" sz="2200" b="0" i="0" u="none" strike="noStrike" dirty="0">
+                        <a:rPr lang="en-US" sz="1200" b="0" i="0" u="none" strike="noStrike">
                           <a:solidFill>
                             <a:srgbClr val="000000"/>
                           </a:solidFill>
                           <a:effectLst/>
                           <a:latin typeface="Aptos Narrow" panose="020B0004020202020204" pitchFamily="34" charset="0"/>
                         </a:rPr>
-                        <a:t>VOE</a:t>
+                        <a:t>BETA</a:t>
                       </a:r>
-                      <a:endParaRPr lang="en-US" sz="3400" b="0" i="0" u="none" strike="noStrike" dirty="0">
-                        <a:effectLst/>
-                        <a:latin typeface="Arial" panose="020B0604020202020204" pitchFamily="34" charset="0"/>
-                      </a:endParaRPr>
                     </a:p>
                   </a:txBody>
-                  <a:tcPr marL="17850" marR="17850" marT="17850" marB="0" anchor="b">
+                  <a:tcPr marL="9525" marR="9525" marT="9525" marB="0" anchor="ctr">
                     <a:lnL w="6350" cap="flat" cmpd="sng" algn="ctr">
                       <a:solidFill>
                         <a:srgbClr val="000000"/>
@@ -18944,7 +18020,896 @@
                 </a:tc>
                 <a:extLst>
                   <a:ext uri="{0D108BD9-81ED-4DB2-BD59-A6C34878D82A}">
-                    <a16:rowId xmlns:a16="http://schemas.microsoft.com/office/drawing/2014/main" val="3951457238"/>
+                    <a16:rowId xmlns:a16="http://schemas.microsoft.com/office/drawing/2014/main" val="2683619456"/>
+                  </a:ext>
+                </a:extLst>
+              </a:tr>
+              <a:tr h="438797">
+                <a:tc>
+                  <a:txBody>
+                    <a:bodyPr/>
+                    <a:lstStyle/>
+                    <a:p>
+                      <a:pPr algn="l" fontAlgn="ctr"/>
+                      <a:r>
+                        <a:rPr lang="en-US" sz="1200" b="0" i="0" u="none" strike="noStrike">
+                          <a:solidFill>
+                            <a:srgbClr val="000000"/>
+                          </a:solidFill>
+                          <a:effectLst/>
+                          <a:latin typeface="Aptos Narrow" panose="020B0004020202020204" pitchFamily="34" charset="0"/>
+                        </a:rPr>
+                        <a:t>ARKK</a:t>
+                      </a:r>
+                    </a:p>
+                  </a:txBody>
+                  <a:tcPr marL="9525" marR="9525" marT="9525" marB="0" anchor="ctr">
+                    <a:lnL w="6350" cap="flat" cmpd="sng" algn="ctr">
+                      <a:solidFill>
+                        <a:srgbClr val="000000"/>
+                      </a:solidFill>
+                      <a:prstDash val="solid"/>
+                      <a:round/>
+                      <a:headEnd type="none" w="med" len="med"/>
+                      <a:tailEnd type="none" w="med" len="med"/>
+                    </a:lnL>
+                    <a:lnR w="6350" cap="flat" cmpd="sng" algn="ctr">
+                      <a:solidFill>
+                        <a:srgbClr val="000000"/>
+                      </a:solidFill>
+                      <a:prstDash val="solid"/>
+                      <a:round/>
+                      <a:headEnd type="none" w="med" len="med"/>
+                      <a:tailEnd type="none" w="med" len="med"/>
+                    </a:lnR>
+                    <a:lnT w="6350" cap="flat" cmpd="sng" algn="ctr">
+                      <a:solidFill>
+                        <a:srgbClr val="000000"/>
+                      </a:solidFill>
+                      <a:prstDash val="solid"/>
+                      <a:round/>
+                      <a:headEnd type="none" w="med" len="med"/>
+                      <a:tailEnd type="none" w="med" len="med"/>
+                    </a:lnT>
+                    <a:lnB w="6350" cap="flat" cmpd="sng" algn="ctr">
+                      <a:solidFill>
+                        <a:srgbClr val="000000"/>
+                      </a:solidFill>
+                      <a:prstDash val="solid"/>
+                      <a:round/>
+                      <a:headEnd type="none" w="med" len="med"/>
+                      <a:tailEnd type="none" w="med" len="med"/>
+                    </a:lnB>
+                    <a:solidFill>
+                      <a:srgbClr val="C0E6F5"/>
+                    </a:solidFill>
+                  </a:tcPr>
+                </a:tc>
+                <a:tc>
+                  <a:txBody>
+                    <a:bodyPr/>
+                    <a:lstStyle/>
+                    <a:p>
+                      <a:pPr algn="l" fontAlgn="ctr"/>
+                      <a:r>
+                        <a:rPr lang="en-US" sz="1200" b="0" i="0" u="none" strike="noStrike">
+                          <a:solidFill>
+                            <a:srgbClr val="000000"/>
+                          </a:solidFill>
+                          <a:effectLst/>
+                          <a:latin typeface="Aptos Narrow" panose="020B0004020202020204" pitchFamily="34" charset="0"/>
+                        </a:rPr>
+                        <a:t>14.515188</a:t>
+                      </a:r>
+                    </a:p>
+                  </a:txBody>
+                  <a:tcPr marL="9525" marR="9525" marT="9525" marB="0" anchor="ctr">
+                    <a:lnL w="6350" cap="flat" cmpd="sng" algn="ctr">
+                      <a:solidFill>
+                        <a:srgbClr val="000000"/>
+                      </a:solidFill>
+                      <a:prstDash val="solid"/>
+                      <a:round/>
+                      <a:headEnd type="none" w="med" len="med"/>
+                      <a:tailEnd type="none" w="med" len="med"/>
+                    </a:lnL>
+                    <a:lnR w="6350" cap="flat" cmpd="sng" algn="ctr">
+                      <a:solidFill>
+                        <a:srgbClr val="000000"/>
+                      </a:solidFill>
+                      <a:prstDash val="solid"/>
+                      <a:round/>
+                      <a:headEnd type="none" w="med" len="med"/>
+                      <a:tailEnd type="none" w="med" len="med"/>
+                    </a:lnR>
+                    <a:lnT w="6350" cap="flat" cmpd="sng" algn="ctr">
+                      <a:solidFill>
+                        <a:srgbClr val="000000"/>
+                      </a:solidFill>
+                      <a:prstDash val="solid"/>
+                      <a:round/>
+                      <a:headEnd type="none" w="med" len="med"/>
+                      <a:tailEnd type="none" w="med" len="med"/>
+                    </a:lnT>
+                    <a:lnB w="6350" cap="flat" cmpd="sng" algn="ctr">
+                      <a:solidFill>
+                        <a:srgbClr val="000000"/>
+                      </a:solidFill>
+                      <a:prstDash val="solid"/>
+                      <a:round/>
+                      <a:headEnd type="none" w="med" len="med"/>
+                      <a:tailEnd type="none" w="med" len="med"/>
+                    </a:lnB>
+                    <a:solidFill>
+                      <a:srgbClr val="C0E6F5"/>
+                    </a:solidFill>
+                  </a:tcPr>
+                </a:tc>
+                <a:extLst>
+                  <a:ext uri="{0D108BD9-81ED-4DB2-BD59-A6C34878D82A}">
+                    <a16:rowId xmlns:a16="http://schemas.microsoft.com/office/drawing/2014/main" val="2824496613"/>
+                  </a:ext>
+                </a:extLst>
+              </a:tr>
+              <a:tr h="438797">
+                <a:tc>
+                  <a:txBody>
+                    <a:bodyPr/>
+                    <a:lstStyle/>
+                    <a:p>
+                      <a:pPr algn="l" fontAlgn="ctr"/>
+                      <a:r>
+                        <a:rPr lang="en-US" sz="1200" b="0" i="0" u="none" strike="noStrike">
+                          <a:solidFill>
+                            <a:srgbClr val="000000"/>
+                          </a:solidFill>
+                          <a:effectLst/>
+                          <a:latin typeface="Aptos Narrow" panose="020B0004020202020204" pitchFamily="34" charset="0"/>
+                        </a:rPr>
+                        <a:t>CORN</a:t>
+                      </a:r>
+                    </a:p>
+                  </a:txBody>
+                  <a:tcPr marL="9525" marR="9525" marT="9525" marB="0" anchor="ctr">
+                    <a:lnL w="6350" cap="flat" cmpd="sng" algn="ctr">
+                      <a:solidFill>
+                        <a:srgbClr val="000000"/>
+                      </a:solidFill>
+                      <a:prstDash val="solid"/>
+                      <a:round/>
+                      <a:headEnd type="none" w="med" len="med"/>
+                      <a:tailEnd type="none" w="med" len="med"/>
+                    </a:lnL>
+                    <a:lnR w="6350" cap="flat" cmpd="sng" algn="ctr">
+                      <a:solidFill>
+                        <a:srgbClr val="000000"/>
+                      </a:solidFill>
+                      <a:prstDash val="solid"/>
+                      <a:round/>
+                      <a:headEnd type="none" w="med" len="med"/>
+                      <a:tailEnd type="none" w="med" len="med"/>
+                    </a:lnR>
+                    <a:lnT w="6350" cap="flat" cmpd="sng" algn="ctr">
+                      <a:solidFill>
+                        <a:srgbClr val="000000"/>
+                      </a:solidFill>
+                      <a:prstDash val="solid"/>
+                      <a:round/>
+                      <a:headEnd type="none" w="med" len="med"/>
+                      <a:tailEnd type="none" w="med" len="med"/>
+                    </a:lnT>
+                    <a:lnB w="6350" cap="flat" cmpd="sng" algn="ctr">
+                      <a:solidFill>
+                        <a:srgbClr val="000000"/>
+                      </a:solidFill>
+                      <a:prstDash val="solid"/>
+                      <a:round/>
+                      <a:headEnd type="none" w="med" len="med"/>
+                      <a:tailEnd type="none" w="med" len="med"/>
+                    </a:lnB>
+                    <a:solidFill>
+                      <a:srgbClr val="C0E6F5"/>
+                    </a:solidFill>
+                  </a:tcPr>
+                </a:tc>
+                <a:tc>
+                  <a:txBody>
+                    <a:bodyPr/>
+                    <a:lstStyle/>
+                    <a:p>
+                      <a:pPr algn="l" fontAlgn="ctr"/>
+                      <a:r>
+                        <a:rPr lang="en-US" sz="1200" b="0" i="0" u="none" strike="noStrike">
+                          <a:solidFill>
+                            <a:srgbClr val="000000"/>
+                          </a:solidFill>
+                          <a:effectLst/>
+                          <a:latin typeface="Aptos Narrow" panose="020B0004020202020204" pitchFamily="34" charset="0"/>
+                        </a:rPr>
+                        <a:t>0.15153269</a:t>
+                      </a:r>
+                    </a:p>
+                  </a:txBody>
+                  <a:tcPr marL="9525" marR="9525" marT="9525" marB="0" anchor="ctr">
+                    <a:lnL w="6350" cap="flat" cmpd="sng" algn="ctr">
+                      <a:solidFill>
+                        <a:srgbClr val="000000"/>
+                      </a:solidFill>
+                      <a:prstDash val="solid"/>
+                      <a:round/>
+                      <a:headEnd type="none" w="med" len="med"/>
+                      <a:tailEnd type="none" w="med" len="med"/>
+                    </a:lnL>
+                    <a:lnR w="6350" cap="flat" cmpd="sng" algn="ctr">
+                      <a:solidFill>
+                        <a:srgbClr val="000000"/>
+                      </a:solidFill>
+                      <a:prstDash val="solid"/>
+                      <a:round/>
+                      <a:headEnd type="none" w="med" len="med"/>
+                      <a:tailEnd type="none" w="med" len="med"/>
+                    </a:lnR>
+                    <a:lnT w="6350" cap="flat" cmpd="sng" algn="ctr">
+                      <a:solidFill>
+                        <a:srgbClr val="000000"/>
+                      </a:solidFill>
+                      <a:prstDash val="solid"/>
+                      <a:round/>
+                      <a:headEnd type="none" w="med" len="med"/>
+                      <a:tailEnd type="none" w="med" len="med"/>
+                    </a:lnT>
+                    <a:lnB w="6350" cap="flat" cmpd="sng" algn="ctr">
+                      <a:solidFill>
+                        <a:srgbClr val="000000"/>
+                      </a:solidFill>
+                      <a:prstDash val="solid"/>
+                      <a:round/>
+                      <a:headEnd type="none" w="med" len="med"/>
+                      <a:tailEnd type="none" w="med" len="med"/>
+                    </a:lnB>
+                    <a:solidFill>
+                      <a:srgbClr val="C0E6F5"/>
+                    </a:solidFill>
+                  </a:tcPr>
+                </a:tc>
+                <a:extLst>
+                  <a:ext uri="{0D108BD9-81ED-4DB2-BD59-A6C34878D82A}">
+                    <a16:rowId xmlns:a16="http://schemas.microsoft.com/office/drawing/2014/main" val="667451807"/>
+                  </a:ext>
+                </a:extLst>
+              </a:tr>
+              <a:tr h="438797">
+                <a:tc>
+                  <a:txBody>
+                    <a:bodyPr/>
+                    <a:lstStyle/>
+                    <a:p>
+                      <a:pPr algn="l" fontAlgn="ctr"/>
+                      <a:r>
+                        <a:rPr lang="en-US" sz="1200" b="0" i="0" u="none" strike="noStrike">
+                          <a:solidFill>
+                            <a:srgbClr val="000000"/>
+                          </a:solidFill>
+                          <a:effectLst/>
+                          <a:latin typeface="Aptos Narrow" panose="020B0004020202020204" pitchFamily="34" charset="0"/>
+                        </a:rPr>
+                        <a:t>EWS</a:t>
+                      </a:r>
+                    </a:p>
+                  </a:txBody>
+                  <a:tcPr marL="9525" marR="9525" marT="9525" marB="0" anchor="ctr">
+                    <a:lnL w="6350" cap="flat" cmpd="sng" algn="ctr">
+                      <a:solidFill>
+                        <a:srgbClr val="000000"/>
+                      </a:solidFill>
+                      <a:prstDash val="solid"/>
+                      <a:round/>
+                      <a:headEnd type="none" w="med" len="med"/>
+                      <a:tailEnd type="none" w="med" len="med"/>
+                    </a:lnL>
+                    <a:lnR w="6350" cap="flat" cmpd="sng" algn="ctr">
+                      <a:solidFill>
+                        <a:srgbClr val="000000"/>
+                      </a:solidFill>
+                      <a:prstDash val="solid"/>
+                      <a:round/>
+                      <a:headEnd type="none" w="med" len="med"/>
+                      <a:tailEnd type="none" w="med" len="med"/>
+                    </a:lnR>
+                    <a:lnT w="6350" cap="flat" cmpd="sng" algn="ctr">
+                      <a:solidFill>
+                        <a:srgbClr val="000000"/>
+                      </a:solidFill>
+                      <a:prstDash val="solid"/>
+                      <a:round/>
+                      <a:headEnd type="none" w="med" len="med"/>
+                      <a:tailEnd type="none" w="med" len="med"/>
+                    </a:lnT>
+                    <a:lnB w="6350" cap="flat" cmpd="sng" algn="ctr">
+                      <a:solidFill>
+                        <a:srgbClr val="000000"/>
+                      </a:solidFill>
+                      <a:prstDash val="solid"/>
+                      <a:round/>
+                      <a:headEnd type="none" w="med" len="med"/>
+                      <a:tailEnd type="none" w="med" len="med"/>
+                    </a:lnB>
+                    <a:solidFill>
+                      <a:srgbClr val="C0E6F5"/>
+                    </a:solidFill>
+                  </a:tcPr>
+                </a:tc>
+                <a:tc>
+                  <a:txBody>
+                    <a:bodyPr/>
+                    <a:lstStyle/>
+                    <a:p>
+                      <a:pPr algn="l" fontAlgn="ctr"/>
+                      <a:r>
+                        <a:rPr lang="en-US" sz="1200" b="0" i="0" u="none" strike="noStrike">
+                          <a:solidFill>
+                            <a:srgbClr val="000000"/>
+                          </a:solidFill>
+                          <a:effectLst/>
+                          <a:latin typeface="Aptos Narrow" panose="020B0004020202020204" pitchFamily="34" charset="0"/>
+                        </a:rPr>
+                        <a:t>1.68089322</a:t>
+                      </a:r>
+                    </a:p>
+                  </a:txBody>
+                  <a:tcPr marL="9525" marR="9525" marT="9525" marB="0" anchor="ctr">
+                    <a:lnL w="6350" cap="flat" cmpd="sng" algn="ctr">
+                      <a:solidFill>
+                        <a:srgbClr val="000000"/>
+                      </a:solidFill>
+                      <a:prstDash val="solid"/>
+                      <a:round/>
+                      <a:headEnd type="none" w="med" len="med"/>
+                      <a:tailEnd type="none" w="med" len="med"/>
+                    </a:lnL>
+                    <a:lnR w="6350" cap="flat" cmpd="sng" algn="ctr">
+                      <a:solidFill>
+                        <a:srgbClr val="000000"/>
+                      </a:solidFill>
+                      <a:prstDash val="solid"/>
+                      <a:round/>
+                      <a:headEnd type="none" w="med" len="med"/>
+                      <a:tailEnd type="none" w="med" len="med"/>
+                    </a:lnR>
+                    <a:lnT w="6350" cap="flat" cmpd="sng" algn="ctr">
+                      <a:solidFill>
+                        <a:srgbClr val="000000"/>
+                      </a:solidFill>
+                      <a:prstDash val="solid"/>
+                      <a:round/>
+                      <a:headEnd type="none" w="med" len="med"/>
+                      <a:tailEnd type="none" w="med" len="med"/>
+                    </a:lnT>
+                    <a:lnB w="6350" cap="flat" cmpd="sng" algn="ctr">
+                      <a:solidFill>
+                        <a:srgbClr val="000000"/>
+                      </a:solidFill>
+                      <a:prstDash val="solid"/>
+                      <a:round/>
+                      <a:headEnd type="none" w="med" len="med"/>
+                      <a:tailEnd type="none" w="med" len="med"/>
+                    </a:lnB>
+                    <a:solidFill>
+                      <a:srgbClr val="C0E6F5"/>
+                    </a:solidFill>
+                  </a:tcPr>
+                </a:tc>
+                <a:extLst>
+                  <a:ext uri="{0D108BD9-81ED-4DB2-BD59-A6C34878D82A}">
+                    <a16:rowId xmlns:a16="http://schemas.microsoft.com/office/drawing/2014/main" val="933170909"/>
+                  </a:ext>
+                </a:extLst>
+              </a:tr>
+              <a:tr h="438797">
+                <a:tc>
+                  <a:txBody>
+                    <a:bodyPr/>
+                    <a:lstStyle/>
+                    <a:p>
+                      <a:pPr algn="l" fontAlgn="ctr"/>
+                      <a:r>
+                        <a:rPr lang="en-US" sz="1200" b="0" i="0" u="none" strike="noStrike">
+                          <a:solidFill>
+                            <a:srgbClr val="000000"/>
+                          </a:solidFill>
+                          <a:effectLst/>
+                          <a:latin typeface="Aptos Narrow" panose="020B0004020202020204" pitchFamily="34" charset="0"/>
+                        </a:rPr>
+                        <a:t>HYG</a:t>
+                      </a:r>
+                    </a:p>
+                  </a:txBody>
+                  <a:tcPr marL="9525" marR="9525" marT="9525" marB="0" anchor="ctr">
+                    <a:lnL w="6350" cap="flat" cmpd="sng" algn="ctr">
+                      <a:solidFill>
+                        <a:srgbClr val="000000"/>
+                      </a:solidFill>
+                      <a:prstDash val="solid"/>
+                      <a:round/>
+                      <a:headEnd type="none" w="med" len="med"/>
+                      <a:tailEnd type="none" w="med" len="med"/>
+                    </a:lnL>
+                    <a:lnR w="6350" cap="flat" cmpd="sng" algn="ctr">
+                      <a:solidFill>
+                        <a:srgbClr val="000000"/>
+                      </a:solidFill>
+                      <a:prstDash val="solid"/>
+                      <a:round/>
+                      <a:headEnd type="none" w="med" len="med"/>
+                      <a:tailEnd type="none" w="med" len="med"/>
+                    </a:lnR>
+                    <a:lnT w="6350" cap="flat" cmpd="sng" algn="ctr">
+                      <a:solidFill>
+                        <a:srgbClr val="000000"/>
+                      </a:solidFill>
+                      <a:prstDash val="solid"/>
+                      <a:round/>
+                      <a:headEnd type="none" w="med" len="med"/>
+                      <a:tailEnd type="none" w="med" len="med"/>
+                    </a:lnT>
+                    <a:lnB w="6350" cap="flat" cmpd="sng" algn="ctr">
+                      <a:solidFill>
+                        <a:srgbClr val="000000"/>
+                      </a:solidFill>
+                      <a:prstDash val="solid"/>
+                      <a:round/>
+                      <a:headEnd type="none" w="med" len="med"/>
+                      <a:tailEnd type="none" w="med" len="med"/>
+                    </a:lnB>
+                    <a:solidFill>
+                      <a:srgbClr val="C0E6F5"/>
+                    </a:solidFill>
+                  </a:tcPr>
+                </a:tc>
+                <a:tc>
+                  <a:txBody>
+                    <a:bodyPr/>
+                    <a:lstStyle/>
+                    <a:p>
+                      <a:pPr algn="l" fontAlgn="ctr"/>
+                      <a:r>
+                        <a:rPr lang="en-US" sz="1200" b="0" i="0" u="none" strike="noStrike">
+                          <a:solidFill>
+                            <a:srgbClr val="000000"/>
+                          </a:solidFill>
+                          <a:effectLst/>
+                          <a:latin typeface="Aptos Narrow" panose="020B0004020202020204" pitchFamily="34" charset="0"/>
+                        </a:rPr>
+                        <a:t>-0.1984354</a:t>
+                      </a:r>
+                    </a:p>
+                  </a:txBody>
+                  <a:tcPr marL="9525" marR="9525" marT="9525" marB="0" anchor="ctr">
+                    <a:lnL w="6350" cap="flat" cmpd="sng" algn="ctr">
+                      <a:solidFill>
+                        <a:srgbClr val="000000"/>
+                      </a:solidFill>
+                      <a:prstDash val="solid"/>
+                      <a:round/>
+                      <a:headEnd type="none" w="med" len="med"/>
+                      <a:tailEnd type="none" w="med" len="med"/>
+                    </a:lnL>
+                    <a:lnR w="6350" cap="flat" cmpd="sng" algn="ctr">
+                      <a:solidFill>
+                        <a:srgbClr val="000000"/>
+                      </a:solidFill>
+                      <a:prstDash val="solid"/>
+                      <a:round/>
+                      <a:headEnd type="none" w="med" len="med"/>
+                      <a:tailEnd type="none" w="med" len="med"/>
+                    </a:lnR>
+                    <a:lnT w="6350" cap="flat" cmpd="sng" algn="ctr">
+                      <a:solidFill>
+                        <a:srgbClr val="000000"/>
+                      </a:solidFill>
+                      <a:prstDash val="solid"/>
+                      <a:round/>
+                      <a:headEnd type="none" w="med" len="med"/>
+                      <a:tailEnd type="none" w="med" len="med"/>
+                    </a:lnT>
+                    <a:lnB w="6350" cap="flat" cmpd="sng" algn="ctr">
+                      <a:solidFill>
+                        <a:srgbClr val="000000"/>
+                      </a:solidFill>
+                      <a:prstDash val="solid"/>
+                      <a:round/>
+                      <a:headEnd type="none" w="med" len="med"/>
+                      <a:tailEnd type="none" w="med" len="med"/>
+                    </a:lnB>
+                    <a:solidFill>
+                      <a:srgbClr val="C0E6F5"/>
+                    </a:solidFill>
+                  </a:tcPr>
+                </a:tc>
+                <a:extLst>
+                  <a:ext uri="{0D108BD9-81ED-4DB2-BD59-A6C34878D82A}">
+                    <a16:rowId xmlns:a16="http://schemas.microsoft.com/office/drawing/2014/main" val="696175079"/>
+                  </a:ext>
+                </a:extLst>
+              </a:tr>
+              <a:tr h="438797">
+                <a:tc>
+                  <a:txBody>
+                    <a:bodyPr/>
+                    <a:lstStyle/>
+                    <a:p>
+                      <a:pPr algn="l" fontAlgn="ctr"/>
+                      <a:r>
+                        <a:rPr lang="en-US" sz="1200" b="0" i="0" u="none" strike="noStrike">
+                          <a:solidFill>
+                            <a:srgbClr val="000000"/>
+                          </a:solidFill>
+                          <a:effectLst/>
+                          <a:latin typeface="Aptos Narrow" panose="020B0004020202020204" pitchFamily="34" charset="0"/>
+                        </a:rPr>
+                        <a:t>QQQ</a:t>
+                      </a:r>
+                    </a:p>
+                  </a:txBody>
+                  <a:tcPr marL="9525" marR="9525" marT="9525" marB="0" anchor="ctr">
+                    <a:lnL w="6350" cap="flat" cmpd="sng" algn="ctr">
+                      <a:solidFill>
+                        <a:srgbClr val="000000"/>
+                      </a:solidFill>
+                      <a:prstDash val="solid"/>
+                      <a:round/>
+                      <a:headEnd type="none" w="med" len="med"/>
+                      <a:tailEnd type="none" w="med" len="med"/>
+                    </a:lnL>
+                    <a:lnR w="6350" cap="flat" cmpd="sng" algn="ctr">
+                      <a:solidFill>
+                        <a:srgbClr val="000000"/>
+                      </a:solidFill>
+                      <a:prstDash val="solid"/>
+                      <a:round/>
+                      <a:headEnd type="none" w="med" len="med"/>
+                      <a:tailEnd type="none" w="med" len="med"/>
+                    </a:lnR>
+                    <a:lnT w="6350" cap="flat" cmpd="sng" algn="ctr">
+                      <a:solidFill>
+                        <a:srgbClr val="000000"/>
+                      </a:solidFill>
+                      <a:prstDash val="solid"/>
+                      <a:round/>
+                      <a:headEnd type="none" w="med" len="med"/>
+                      <a:tailEnd type="none" w="med" len="med"/>
+                    </a:lnT>
+                    <a:lnB w="6350" cap="flat" cmpd="sng" algn="ctr">
+                      <a:solidFill>
+                        <a:srgbClr val="000000"/>
+                      </a:solidFill>
+                      <a:prstDash val="solid"/>
+                      <a:round/>
+                      <a:headEnd type="none" w="med" len="med"/>
+                      <a:tailEnd type="none" w="med" len="med"/>
+                    </a:lnB>
+                    <a:solidFill>
+                      <a:srgbClr val="C0E6F5"/>
+                    </a:solidFill>
+                  </a:tcPr>
+                </a:tc>
+                <a:tc>
+                  <a:txBody>
+                    <a:bodyPr/>
+                    <a:lstStyle/>
+                    <a:p>
+                      <a:pPr algn="l" fontAlgn="ctr"/>
+                      <a:r>
+                        <a:rPr lang="en-US" sz="1200" b="0" i="0" u="none" strike="noStrike">
+                          <a:solidFill>
+                            <a:srgbClr val="000000"/>
+                          </a:solidFill>
+                          <a:effectLst/>
+                          <a:latin typeface="Aptos Narrow" panose="020B0004020202020204" pitchFamily="34" charset="0"/>
+                        </a:rPr>
+                        <a:t>4.01624833</a:t>
+                      </a:r>
+                    </a:p>
+                  </a:txBody>
+                  <a:tcPr marL="9525" marR="9525" marT="9525" marB="0" anchor="ctr">
+                    <a:lnL w="6350" cap="flat" cmpd="sng" algn="ctr">
+                      <a:solidFill>
+                        <a:srgbClr val="000000"/>
+                      </a:solidFill>
+                      <a:prstDash val="solid"/>
+                      <a:round/>
+                      <a:headEnd type="none" w="med" len="med"/>
+                      <a:tailEnd type="none" w="med" len="med"/>
+                    </a:lnL>
+                    <a:lnR w="6350" cap="flat" cmpd="sng" algn="ctr">
+                      <a:solidFill>
+                        <a:srgbClr val="000000"/>
+                      </a:solidFill>
+                      <a:prstDash val="solid"/>
+                      <a:round/>
+                      <a:headEnd type="none" w="med" len="med"/>
+                      <a:tailEnd type="none" w="med" len="med"/>
+                    </a:lnR>
+                    <a:lnT w="6350" cap="flat" cmpd="sng" algn="ctr">
+                      <a:solidFill>
+                        <a:srgbClr val="000000"/>
+                      </a:solidFill>
+                      <a:prstDash val="solid"/>
+                      <a:round/>
+                      <a:headEnd type="none" w="med" len="med"/>
+                      <a:tailEnd type="none" w="med" len="med"/>
+                    </a:lnT>
+                    <a:lnB w="6350" cap="flat" cmpd="sng" algn="ctr">
+                      <a:solidFill>
+                        <a:srgbClr val="000000"/>
+                      </a:solidFill>
+                      <a:prstDash val="solid"/>
+                      <a:round/>
+                      <a:headEnd type="none" w="med" len="med"/>
+                      <a:tailEnd type="none" w="med" len="med"/>
+                    </a:lnB>
+                    <a:solidFill>
+                      <a:srgbClr val="C0E6F5"/>
+                    </a:solidFill>
+                  </a:tcPr>
+                </a:tc>
+                <a:extLst>
+                  <a:ext uri="{0D108BD9-81ED-4DB2-BD59-A6C34878D82A}">
+                    <a16:rowId xmlns:a16="http://schemas.microsoft.com/office/drawing/2014/main" val="1581102378"/>
+                  </a:ext>
+                </a:extLst>
+              </a:tr>
+              <a:tr h="438797">
+                <a:tc>
+                  <a:txBody>
+                    <a:bodyPr/>
+                    <a:lstStyle/>
+                    <a:p>
+                      <a:pPr algn="l" fontAlgn="ctr"/>
+                      <a:r>
+                        <a:rPr lang="en-US" sz="1200" b="0" i="0" u="none" strike="noStrike">
+                          <a:solidFill>
+                            <a:srgbClr val="000000"/>
+                          </a:solidFill>
+                          <a:effectLst/>
+                          <a:latin typeface="Aptos Narrow" panose="020B0004020202020204" pitchFamily="34" charset="0"/>
+                        </a:rPr>
+                        <a:t>SPY</a:t>
+                      </a:r>
+                    </a:p>
+                  </a:txBody>
+                  <a:tcPr marL="9525" marR="9525" marT="9525" marB="0" anchor="ctr">
+                    <a:lnL w="6350" cap="flat" cmpd="sng" algn="ctr">
+                      <a:solidFill>
+                        <a:srgbClr val="000000"/>
+                      </a:solidFill>
+                      <a:prstDash val="solid"/>
+                      <a:round/>
+                      <a:headEnd type="none" w="med" len="med"/>
+                      <a:tailEnd type="none" w="med" len="med"/>
+                    </a:lnL>
+                    <a:lnR w="6350" cap="flat" cmpd="sng" algn="ctr">
+                      <a:solidFill>
+                        <a:srgbClr val="000000"/>
+                      </a:solidFill>
+                      <a:prstDash val="solid"/>
+                      <a:round/>
+                      <a:headEnd type="none" w="med" len="med"/>
+                      <a:tailEnd type="none" w="med" len="med"/>
+                    </a:lnR>
+                    <a:lnT w="6350" cap="flat" cmpd="sng" algn="ctr">
+                      <a:solidFill>
+                        <a:srgbClr val="000000"/>
+                      </a:solidFill>
+                      <a:prstDash val="solid"/>
+                      <a:round/>
+                      <a:headEnd type="none" w="med" len="med"/>
+                      <a:tailEnd type="none" w="med" len="med"/>
+                    </a:lnT>
+                    <a:lnB w="6350" cap="flat" cmpd="sng" algn="ctr">
+                      <a:solidFill>
+                        <a:srgbClr val="000000"/>
+                      </a:solidFill>
+                      <a:prstDash val="solid"/>
+                      <a:round/>
+                      <a:headEnd type="none" w="med" len="med"/>
+                      <a:tailEnd type="none" w="med" len="med"/>
+                    </a:lnB>
+                    <a:solidFill>
+                      <a:srgbClr val="C0E6F5"/>
+                    </a:solidFill>
+                  </a:tcPr>
+                </a:tc>
+                <a:tc>
+                  <a:txBody>
+                    <a:bodyPr/>
+                    <a:lstStyle/>
+                    <a:p>
+                      <a:pPr algn="l" fontAlgn="ctr"/>
+                      <a:r>
+                        <a:rPr lang="en-US" sz="1200" b="0" i="0" u="none" strike="noStrike">
+                          <a:solidFill>
+                            <a:srgbClr val="000000"/>
+                          </a:solidFill>
+                          <a:effectLst/>
+                          <a:latin typeface="Aptos Narrow" panose="020B0004020202020204" pitchFamily="34" charset="0"/>
+                        </a:rPr>
+                        <a:t>45.9737947</a:t>
+                      </a:r>
+                    </a:p>
+                  </a:txBody>
+                  <a:tcPr marL="9525" marR="9525" marT="9525" marB="0" anchor="ctr">
+                    <a:lnL w="6350" cap="flat" cmpd="sng" algn="ctr">
+                      <a:solidFill>
+                        <a:srgbClr val="000000"/>
+                      </a:solidFill>
+                      <a:prstDash val="solid"/>
+                      <a:round/>
+                      <a:headEnd type="none" w="med" len="med"/>
+                      <a:tailEnd type="none" w="med" len="med"/>
+                    </a:lnL>
+                    <a:lnR w="6350" cap="flat" cmpd="sng" algn="ctr">
+                      <a:solidFill>
+                        <a:srgbClr val="000000"/>
+                      </a:solidFill>
+                      <a:prstDash val="solid"/>
+                      <a:round/>
+                      <a:headEnd type="none" w="med" len="med"/>
+                      <a:tailEnd type="none" w="med" len="med"/>
+                    </a:lnR>
+                    <a:lnT w="6350" cap="flat" cmpd="sng" algn="ctr">
+                      <a:solidFill>
+                        <a:srgbClr val="000000"/>
+                      </a:solidFill>
+                      <a:prstDash val="solid"/>
+                      <a:round/>
+                      <a:headEnd type="none" w="med" len="med"/>
+                      <a:tailEnd type="none" w="med" len="med"/>
+                    </a:lnT>
+                    <a:lnB w="6350" cap="flat" cmpd="sng" algn="ctr">
+                      <a:solidFill>
+                        <a:srgbClr val="000000"/>
+                      </a:solidFill>
+                      <a:prstDash val="solid"/>
+                      <a:round/>
+                      <a:headEnd type="none" w="med" len="med"/>
+                      <a:tailEnd type="none" w="med" len="med"/>
+                    </a:lnB>
+                    <a:solidFill>
+                      <a:srgbClr val="C0E6F5"/>
+                    </a:solidFill>
+                  </a:tcPr>
+                </a:tc>
+                <a:extLst>
+                  <a:ext uri="{0D108BD9-81ED-4DB2-BD59-A6C34878D82A}">
+                    <a16:rowId xmlns:a16="http://schemas.microsoft.com/office/drawing/2014/main" val="1971872070"/>
+                  </a:ext>
+                </a:extLst>
+              </a:tr>
+              <a:tr h="438797">
+                <a:tc>
+                  <a:txBody>
+                    <a:bodyPr/>
+                    <a:lstStyle/>
+                    <a:p>
+                      <a:pPr algn="l" fontAlgn="ctr"/>
+                      <a:r>
+                        <a:rPr lang="en-US" sz="1200" b="0" i="0" u="none" strike="noStrike">
+                          <a:solidFill>
+                            <a:srgbClr val="000000"/>
+                          </a:solidFill>
+                          <a:effectLst/>
+                          <a:latin typeface="Aptos Narrow" panose="020B0004020202020204" pitchFamily="34" charset="0"/>
+                        </a:rPr>
+                        <a:t>VUG</a:t>
+                      </a:r>
+                    </a:p>
+                  </a:txBody>
+                  <a:tcPr marL="9525" marR="9525" marT="9525" marB="0" anchor="ctr">
+                    <a:lnL w="6350" cap="flat" cmpd="sng" algn="ctr">
+                      <a:solidFill>
+                        <a:srgbClr val="000000"/>
+                      </a:solidFill>
+                      <a:prstDash val="solid"/>
+                      <a:round/>
+                      <a:headEnd type="none" w="med" len="med"/>
+                      <a:tailEnd type="none" w="med" len="med"/>
+                    </a:lnL>
+                    <a:lnR w="6350" cap="flat" cmpd="sng" algn="ctr">
+                      <a:solidFill>
+                        <a:srgbClr val="000000"/>
+                      </a:solidFill>
+                      <a:prstDash val="solid"/>
+                      <a:round/>
+                      <a:headEnd type="none" w="med" len="med"/>
+                      <a:tailEnd type="none" w="med" len="med"/>
+                    </a:lnR>
+                    <a:lnT w="6350" cap="flat" cmpd="sng" algn="ctr">
+                      <a:solidFill>
+                        <a:srgbClr val="000000"/>
+                      </a:solidFill>
+                      <a:prstDash val="solid"/>
+                      <a:round/>
+                      <a:headEnd type="none" w="med" len="med"/>
+                      <a:tailEnd type="none" w="med" len="med"/>
+                    </a:lnT>
+                    <a:lnB w="6350" cap="flat" cmpd="sng" algn="ctr">
+                      <a:solidFill>
+                        <a:srgbClr val="000000"/>
+                      </a:solidFill>
+                      <a:prstDash val="solid"/>
+                      <a:round/>
+                      <a:headEnd type="none" w="med" len="med"/>
+                      <a:tailEnd type="none" w="med" len="med"/>
+                    </a:lnB>
+                    <a:solidFill>
+                      <a:srgbClr val="C0E6F5"/>
+                    </a:solidFill>
+                  </a:tcPr>
+                </a:tc>
+                <a:tc>
+                  <a:txBody>
+                    <a:bodyPr/>
+                    <a:lstStyle/>
+                    <a:p>
+                      <a:pPr algn="l" fontAlgn="ctr"/>
+                      <a:r>
+                        <a:rPr lang="en-US" sz="1200" b="0" i="0" u="none" strike="noStrike" dirty="0">
+                          <a:solidFill>
+                            <a:srgbClr val="000000"/>
+                          </a:solidFill>
+                          <a:effectLst/>
+                          <a:latin typeface="Aptos Narrow" panose="020B0004020202020204" pitchFamily="34" charset="0"/>
+                        </a:rPr>
+                        <a:t>-4.4796636</a:t>
+                      </a:r>
+                    </a:p>
+                  </a:txBody>
+                  <a:tcPr marL="9525" marR="9525" marT="9525" marB="0" anchor="ctr">
+                    <a:lnL w="6350" cap="flat" cmpd="sng" algn="ctr">
+                      <a:solidFill>
+                        <a:srgbClr val="000000"/>
+                      </a:solidFill>
+                      <a:prstDash val="solid"/>
+                      <a:round/>
+                      <a:headEnd type="none" w="med" len="med"/>
+                      <a:tailEnd type="none" w="med" len="med"/>
+                    </a:lnL>
+                    <a:lnR w="6350" cap="flat" cmpd="sng" algn="ctr">
+                      <a:solidFill>
+                        <a:srgbClr val="000000"/>
+                      </a:solidFill>
+                      <a:prstDash val="solid"/>
+                      <a:round/>
+                      <a:headEnd type="none" w="med" len="med"/>
+                      <a:tailEnd type="none" w="med" len="med"/>
+                    </a:lnR>
+                    <a:lnT w="6350" cap="flat" cmpd="sng" algn="ctr">
+                      <a:solidFill>
+                        <a:srgbClr val="000000"/>
+                      </a:solidFill>
+                      <a:prstDash val="solid"/>
+                      <a:round/>
+                      <a:headEnd type="none" w="med" len="med"/>
+                      <a:tailEnd type="none" w="med" len="med"/>
+                    </a:lnT>
+                    <a:lnB w="6350" cap="flat" cmpd="sng" algn="ctr">
+                      <a:solidFill>
+                        <a:srgbClr val="000000"/>
+                      </a:solidFill>
+                      <a:prstDash val="solid"/>
+                      <a:round/>
+                      <a:headEnd type="none" w="med" len="med"/>
+                      <a:tailEnd type="none" w="med" len="med"/>
+                    </a:lnB>
+                    <a:solidFill>
+                      <a:srgbClr val="C0E6F5"/>
+                    </a:solidFill>
+                  </a:tcPr>
+                </a:tc>
+                <a:extLst>
+                  <a:ext uri="{0D108BD9-81ED-4DB2-BD59-A6C34878D82A}">
+                    <a16:rowId xmlns:a16="http://schemas.microsoft.com/office/drawing/2014/main" val="2985760448"/>
                   </a:ext>
                 </a:extLst>
               </a:tr>
@@ -19012,10 +18977,10 @@
       </p:sp>
       <p:graphicFrame>
         <p:nvGraphicFramePr>
-          <p:cNvPr id="5" name="Chart 4">
+          <p:cNvPr id="7" name="Chart 6">
             <a:extLst>
               <a:ext uri="{FF2B5EF4-FFF2-40B4-BE49-F238E27FC236}">
-                <a16:creationId xmlns:a16="http://schemas.microsoft.com/office/drawing/2014/main" id="{496A5032-075A-AA22-00D4-0D6C19B75B68}"/>
+                <a16:creationId xmlns:a16="http://schemas.microsoft.com/office/drawing/2014/main" id="{A0DC146E-FCA4-58DD-C2C7-E49E62283D0F}"/>
               </a:ext>
             </a:extLst>
           </p:cNvPr>
@@ -19025,14 +18990,14 @@
           <p:nvPr>
             <p:extLst>
               <p:ext uri="{D42A27DB-BD31-4B8C-83A1-F6EECF244321}">
-                <p14:modId xmlns:p14="http://schemas.microsoft.com/office/powerpoint/2010/main" val="3051665599"/>
+                <p14:modId xmlns:p14="http://schemas.microsoft.com/office/powerpoint/2010/main" val="1605599427"/>
               </p:ext>
             </p:extLst>
           </p:nvPr>
         </p:nvGraphicFramePr>
         <p:xfrm>
-          <a:off x="676447" y="1690688"/>
-          <a:ext cx="5020018" cy="3886200"/>
+          <a:off x="708454" y="1690687"/>
+          <a:ext cx="5037438" cy="3733927"/>
         </p:xfrm>
         <a:graphic>
           <a:graphicData uri="http://schemas.openxmlformats.org/drawingml/2006/chart">
@@ -19042,10 +19007,10 @@
       </p:graphicFrame>
       <p:graphicFrame>
         <p:nvGraphicFramePr>
-          <p:cNvPr id="6" name="Chart 5">
+          <p:cNvPr id="8" name="Chart 7">
             <a:extLst>
               <a:ext uri="{FF2B5EF4-FFF2-40B4-BE49-F238E27FC236}">
-                <a16:creationId xmlns:a16="http://schemas.microsoft.com/office/drawing/2014/main" id="{4CEEC9AE-42CC-E185-827D-6CD5EDF43B09}"/>
+                <a16:creationId xmlns:a16="http://schemas.microsoft.com/office/drawing/2014/main" id="{A0DC146E-FCA4-58DD-C2C7-E49E62283D0F}"/>
               </a:ext>
             </a:extLst>
           </p:cNvPr>
@@ -19055,14 +19020,14 @@
           <p:nvPr>
             <p:extLst>
               <p:ext uri="{D42A27DB-BD31-4B8C-83A1-F6EECF244321}">
-                <p14:modId xmlns:p14="http://schemas.microsoft.com/office/powerpoint/2010/main" val="2152682798"/>
+                <p14:modId xmlns:p14="http://schemas.microsoft.com/office/powerpoint/2010/main" val="3129366581"/>
               </p:ext>
             </p:extLst>
           </p:nvPr>
         </p:nvGraphicFramePr>
         <p:xfrm>
-          <a:off x="6096000" y="1538414"/>
-          <a:ext cx="6362699" cy="3886201"/>
+          <a:off x="6446110" y="1433386"/>
+          <a:ext cx="5329879" cy="3991228"/>
         </p:xfrm>
         <a:graphic>
           <a:graphicData uri="http://schemas.openxmlformats.org/drawingml/2006/chart">
